--- a/ppt/3.3-定义类的方法.pptx
+++ b/ppt/3.3-定义类的方法.pptx
@@ -1,25 +1,25 @@
 
 <file path=ppt/presentation.xml><?xml version="1.0" encoding="utf-8"?>
-<p:presentation xmlns:a="http://schemas.openxmlformats.org/drawingml/2006/main" xmlns:r="http://schemas.openxmlformats.org/officeDocument/2006/relationships" xmlns:mc="http://schemas.openxmlformats.org/markup-compatibility/2006" xmlns:mv="urn:schemas-microsoft-com:mac:vml" xmlns:p="http://schemas.openxmlformats.org/presentationml/2006/main" xmlns:c="http://schemas.openxmlformats.org/drawingml/2006/chart" xmlns:dgm="http://schemas.openxmlformats.org/drawingml/2006/diagram" xmlns:o="urn:schemas-microsoft-com:office:office" xmlns:v="urn:schemas-microsoft-com:vml" xmlns:pvml="urn:schemas-microsoft-com:office:powerpoint" xmlns:com="http://schemas.openxmlformats.org/drawingml/2006/compatibility" xmlns:p14="http://schemas.microsoft.com/office/powerpoint/2010/main" autoCompressPictures="0" strictFirstAndLastChars="0" saveSubsetFonts="1">
+<p:presentation xmlns:a="http://schemas.openxmlformats.org/drawingml/2006/main" xmlns:r="http://schemas.openxmlformats.org/officeDocument/2006/relationships" xmlns:p="http://schemas.openxmlformats.org/presentationml/2006/main" strictFirstAndLastChars="0" saveSubsetFonts="1" autoCompressPictures="0">
   <p:sldMasterIdLst>
-    <p:sldMasterId id="2147483659" r:id="rId3"/>
+    <p:sldMasterId id="2147483648" r:id="rId1"/>
   </p:sldMasterIdLst>
   <p:notesMasterIdLst>
     <p:notesMasterId r:id="rId4"/>
   </p:notesMasterIdLst>
   <p:sldIdLst>
-    <p:sldId id="256" r:id="rId5"/>
-    <p:sldId id="257" r:id="rId6"/>
-    <p:sldId id="258" r:id="rId7"/>
-    <p:sldId id="259" r:id="rId8"/>
-    <p:sldId id="260" r:id="rId9"/>
-    <p:sldId id="261" r:id="rId10"/>
-    <p:sldId id="262" r:id="rId11"/>
+    <p:sldId id="256" r:id="rId3"/>
+    <p:sldId id="257" r:id="rId5"/>
+    <p:sldId id="258" r:id="rId6"/>
+    <p:sldId id="259" r:id="rId7"/>
+    <p:sldId id="260" r:id="rId8"/>
+    <p:sldId id="261" r:id="rId9"/>
+    <p:sldId id="262" r:id="rId10"/>
   </p:sldIdLst>
-  <p:sldSz cy="5143500" cx="9144000"/>
+  <p:sldSz cx="9144000" cy="5143500"/>
   <p:notesSz cx="6858000" cy="9144000"/>
   <p:defaultTextStyle>
-    <a:defPPr lvl="0" marR="0" rtl="0" algn="l">
+    <a:defPPr marR="0" lvl="0" algn="l" rtl="0">
       <a:lnSpc>
         <a:spcPct val="100000"/>
       </a:lnSpc>
@@ -30,7 +30,7 @@
         <a:spcPts val="0"/>
       </a:spcAft>
     </a:defPPr>
-    <a:lvl1pPr lvl="0" marR="0" rtl="0" algn="l">
+    <a:lvl1pPr marR="0" lvl="0" algn="l" rtl="0">
       <a:lnSpc>
         <a:spcPct val="100000"/>
       </a:lnSpc>
@@ -41,7 +41,7 @@
         <a:spcPts val="0"/>
       </a:spcAft>
       <a:buNone/>
-      <a:defRPr b="0" i="0" sz="1400" u="none" cap="none" strike="noStrike">
+      <a:defRPr sz="1400" b="0" i="0" u="none" strike="noStrike" cap="none">
         <a:solidFill>
           <a:srgbClr val="000000"/>
         </a:solidFill>
@@ -51,7 +51,7 @@
         <a:sym typeface="Arial"/>
       </a:defRPr>
     </a:lvl1pPr>
-    <a:lvl2pPr lvl="1" marR="0" rtl="0" algn="l">
+    <a:lvl2pPr marR="0" lvl="1" algn="l" rtl="0">
       <a:lnSpc>
         <a:spcPct val="100000"/>
       </a:lnSpc>
@@ -62,7 +62,7 @@
         <a:spcPts val="0"/>
       </a:spcAft>
       <a:buNone/>
-      <a:defRPr b="0" i="0" sz="1400" u="none" cap="none" strike="noStrike">
+      <a:defRPr sz="1400" b="0" i="0" u="none" strike="noStrike" cap="none">
         <a:solidFill>
           <a:srgbClr val="000000"/>
         </a:solidFill>
@@ -72,7 +72,7 @@
         <a:sym typeface="Arial"/>
       </a:defRPr>
     </a:lvl2pPr>
-    <a:lvl3pPr lvl="2" marR="0" rtl="0" algn="l">
+    <a:lvl3pPr marR="0" lvl="2" algn="l" rtl="0">
       <a:lnSpc>
         <a:spcPct val="100000"/>
       </a:lnSpc>
@@ -83,7 +83,7 @@
         <a:spcPts val="0"/>
       </a:spcAft>
       <a:buNone/>
-      <a:defRPr b="0" i="0" sz="1400" u="none" cap="none" strike="noStrike">
+      <a:defRPr sz="1400" b="0" i="0" u="none" strike="noStrike" cap="none">
         <a:solidFill>
           <a:srgbClr val="000000"/>
         </a:solidFill>
@@ -93,7 +93,7 @@
         <a:sym typeface="Arial"/>
       </a:defRPr>
     </a:lvl3pPr>
-    <a:lvl4pPr lvl="3" marR="0" rtl="0" algn="l">
+    <a:lvl4pPr marR="0" lvl="3" algn="l" rtl="0">
       <a:lnSpc>
         <a:spcPct val="100000"/>
       </a:lnSpc>
@@ -104,7 +104,7 @@
         <a:spcPts val="0"/>
       </a:spcAft>
       <a:buNone/>
-      <a:defRPr b="0" i="0" sz="1400" u="none" cap="none" strike="noStrike">
+      <a:defRPr sz="1400" b="0" i="0" u="none" strike="noStrike" cap="none">
         <a:solidFill>
           <a:srgbClr val="000000"/>
         </a:solidFill>
@@ -114,7 +114,7 @@
         <a:sym typeface="Arial"/>
       </a:defRPr>
     </a:lvl4pPr>
-    <a:lvl5pPr lvl="4" marR="0" rtl="0" algn="l">
+    <a:lvl5pPr marR="0" lvl="4" algn="l" rtl="0">
       <a:lnSpc>
         <a:spcPct val="100000"/>
       </a:lnSpc>
@@ -125,7 +125,7 @@
         <a:spcPts val="0"/>
       </a:spcAft>
       <a:buNone/>
-      <a:defRPr b="0" i="0" sz="1400" u="none" cap="none" strike="noStrike">
+      <a:defRPr sz="1400" b="0" i="0" u="none" strike="noStrike" cap="none">
         <a:solidFill>
           <a:srgbClr val="000000"/>
         </a:solidFill>
@@ -135,7 +135,7 @@
         <a:sym typeface="Arial"/>
       </a:defRPr>
     </a:lvl5pPr>
-    <a:lvl6pPr lvl="5" marR="0" rtl="0" algn="l">
+    <a:lvl6pPr marR="0" lvl="5" algn="l" rtl="0">
       <a:lnSpc>
         <a:spcPct val="100000"/>
       </a:lnSpc>
@@ -146,7 +146,7 @@
         <a:spcPts val="0"/>
       </a:spcAft>
       <a:buNone/>
-      <a:defRPr b="0" i="0" sz="1400" u="none" cap="none" strike="noStrike">
+      <a:defRPr sz="1400" b="0" i="0" u="none" strike="noStrike" cap="none">
         <a:solidFill>
           <a:srgbClr val="000000"/>
         </a:solidFill>
@@ -156,7 +156,7 @@
         <a:sym typeface="Arial"/>
       </a:defRPr>
     </a:lvl6pPr>
-    <a:lvl7pPr lvl="6" marR="0" rtl="0" algn="l">
+    <a:lvl7pPr marR="0" lvl="6" algn="l" rtl="0">
       <a:lnSpc>
         <a:spcPct val="100000"/>
       </a:lnSpc>
@@ -167,7 +167,7 @@
         <a:spcPts val="0"/>
       </a:spcAft>
       <a:buNone/>
-      <a:defRPr b="0" i="0" sz="1400" u="none" cap="none" strike="noStrike">
+      <a:defRPr sz="1400" b="0" i="0" u="none" strike="noStrike" cap="none">
         <a:solidFill>
           <a:srgbClr val="000000"/>
         </a:solidFill>
@@ -177,7 +177,7 @@
         <a:sym typeface="Arial"/>
       </a:defRPr>
     </a:lvl7pPr>
-    <a:lvl8pPr lvl="7" marR="0" rtl="0" algn="l">
+    <a:lvl8pPr marR="0" lvl="7" algn="l" rtl="0">
       <a:lnSpc>
         <a:spcPct val="100000"/>
       </a:lnSpc>
@@ -188,7 +188,7 @@
         <a:spcPts val="0"/>
       </a:spcAft>
       <a:buNone/>
-      <a:defRPr b="0" i="0" sz="1400" u="none" cap="none" strike="noStrike">
+      <a:defRPr sz="1400" b="0" i="0" u="none" strike="noStrike" cap="none">
         <a:solidFill>
           <a:srgbClr val="000000"/>
         </a:solidFill>
@@ -198,7 +198,7 @@
         <a:sym typeface="Arial"/>
       </a:defRPr>
     </a:lvl8pPr>
-    <a:lvl9pPr lvl="8" marR="0" rtl="0" algn="l">
+    <a:lvl9pPr marR="0" lvl="8" algn="l" rtl="0">
       <a:lnSpc>
         <a:spcPct val="100000"/>
       </a:lnSpc>
@@ -209,7 +209,7 @@
         <a:spcPts val="0"/>
       </a:spcAft>
       <a:buNone/>
-      <a:defRPr b="0" i="0" sz="1400" u="none" cap="none" strike="noStrike">
+      <a:defRPr sz="1400" b="0" i="0" u="none" strike="noStrike" cap="none">
         <a:solidFill>
           <a:srgbClr val="000000"/>
         </a:solidFill>
@@ -224,8 +224,13 @@
 </file>
 
 <file path=ppt/notesMasters/notesMaster1.xml><?xml version="1.0" encoding="utf-8"?>
-<p:notesMaster xmlns:a="http://schemas.openxmlformats.org/drawingml/2006/main" xmlns:r="http://schemas.openxmlformats.org/officeDocument/2006/relationships" xmlns:mc="http://schemas.openxmlformats.org/markup-compatibility/2006" xmlns:mv="urn:schemas-microsoft-com:mac:vml" xmlns:p="http://schemas.openxmlformats.org/presentationml/2006/main" xmlns:c="http://schemas.openxmlformats.org/drawingml/2006/chart" xmlns:dgm="http://schemas.openxmlformats.org/drawingml/2006/diagram" xmlns:o="urn:schemas-microsoft-com:office:office" xmlns:v="urn:schemas-microsoft-com:vml" xmlns:pvml="urn:schemas-microsoft-com:office:powerpoint" xmlns:com="http://schemas.openxmlformats.org/drawingml/2006/compatibility" xmlns:p14="http://schemas.microsoft.com/office/powerpoint/2010/main">
+<p:notesMaster xmlns:a="http://schemas.openxmlformats.org/drawingml/2006/main" xmlns:r="http://schemas.openxmlformats.org/officeDocument/2006/relationships" xmlns:p="http://schemas.openxmlformats.org/presentationml/2006/main">
   <p:cSld>
+    <p:bg>
+      <p:bgPr>
+        <a:effectLst/>
+      </p:bgPr>
+    </p:bg>
     <p:spTree>
       <p:nvGrpSpPr>
         <p:cNvPr id="2" name="Shape 2"/>
@@ -245,7 +250,7 @@
           <p:cNvPr id="3" name="Shape 3"/>
           <p:cNvSpPr/>
           <p:nvPr>
-            <p:ph idx="2" type="sldImg"/>
+            <p:ph type="sldImg" idx="2"/>
           </p:nvPr>
         </p:nvSpPr>
         <p:spPr>
@@ -254,8 +259,12 @@
             <a:ext cx="6096075" cy="3429000"/>
           </a:xfrm>
           <a:custGeom>
+            <a:avLst/>
+            <a:gdLst/>
+            <a:ahLst/>
+            <a:cxnLst/>
             <a:pathLst>
-              <a:path extrusionOk="0" h="120000" w="120000">
+              <a:path w="120000" h="120000" extrusionOk="0">
                 <a:moveTo>
                   <a:pt x="0" y="0"/>
                 </a:moveTo>
@@ -273,14 +282,14 @@
             </a:pathLst>
           </a:custGeom>
           <a:noFill/>
-          <a:ln cap="flat" cmpd="sng" w="9525">
+          <a:ln w="9525" cap="flat" cmpd="sng">
             <a:solidFill>
               <a:srgbClr val="000000"/>
             </a:solidFill>
             <a:prstDash val="solid"/>
             <a:round/>
-            <a:headEnd len="med" w="med" type="none"/>
-            <a:tailEnd len="med" w="med" type="none"/>
+            <a:headEnd type="none" w="med" len="med"/>
+            <a:tailEnd type="none" w="med" len="med"/>
           </a:ln>
         </p:spPr>
       </p:sp>
@@ -289,7 +298,7 @@
           <p:cNvPr id="4" name="Shape 4"/>
           <p:cNvSpPr txBox="1"/>
           <p:nvPr>
-            <p:ph idx="1" type="body"/>
+            <p:ph type="body" idx="1"/>
           </p:nvPr>
         </p:nvSpPr>
         <p:spPr>
@@ -306,7 +315,7 @@
           </a:ln>
         </p:spPr>
         <p:txBody>
-          <a:bodyPr anchorCtr="0" anchor="t" bIns="91425" lIns="91425" rIns="91425" tIns="91425"/>
+          <a:bodyPr lIns="91425" tIns="91425" rIns="91425" bIns="91425" anchor="t" anchorCtr="0"/>
           <a:lstStyle>
             <a:lvl1pPr lvl="0">
               <a:spcBef>
@@ -368,12 +377,13 @@
       </p:sp>
     </p:spTree>
   </p:cSld>
-  <p:clrMap accent1="accent1" accent2="accent2" accent3="accent3" accent4="accent4" accent5="accent5" accent6="accent6" bg1="lt1" bg2="dk2" tx1="dk1" tx2="lt2" folHlink="folHlink" hlink="hlink"/>
+  <p:clrMap bg1="lt1" tx1="dk1" bg2="dk2" tx2="lt2" accent1="accent1" accent2="accent2" accent3="accent3" accent4="accent4" accent5="accent5" accent6="accent6" hlink="hlink" folHlink="folHlink"/>
+  <p:notesStyle/>
 </p:notesMaster>
 </file>
 
 <file path=ppt/notesSlides/notesSlide1.xml><?xml version="1.0" encoding="utf-8"?>
-<p:notes xmlns:a="http://schemas.openxmlformats.org/drawingml/2006/main" xmlns:r="http://schemas.openxmlformats.org/officeDocument/2006/relationships" xmlns:mc="http://schemas.openxmlformats.org/markup-compatibility/2006" xmlns:mv="urn:schemas-microsoft-com:mac:vml" xmlns:p="http://schemas.openxmlformats.org/presentationml/2006/main" xmlns:c="http://schemas.openxmlformats.org/drawingml/2006/chart" xmlns:dgm="http://schemas.openxmlformats.org/drawingml/2006/diagram" xmlns:o="urn:schemas-microsoft-com:office:office" xmlns:v="urn:schemas-microsoft-com:vml" xmlns:pvml="urn:schemas-microsoft-com:office:powerpoint" xmlns:com="http://schemas.openxmlformats.org/drawingml/2006/compatibility" xmlns:p14="http://schemas.microsoft.com/office/powerpoint/2010/main" showMasterPhAnim="0" showMasterSp="0">
+<p:notes xmlns:a="http://schemas.openxmlformats.org/drawingml/2006/main" xmlns:r="http://schemas.openxmlformats.org/officeDocument/2006/relationships" xmlns:p="http://schemas.openxmlformats.org/presentationml/2006/main" showMasterPhAnim="0" showMasterSp="0">
   <p:cSld>
     <p:spTree>
       <p:nvGrpSpPr>
@@ -394,7 +404,7 @@
           <p:cNvPr id="51" name="Shape 51"/>
           <p:cNvSpPr/>
           <p:nvPr>
-            <p:ph idx="2" type="sldImg"/>
+            <p:ph type="sldImg" idx="2"/>
           </p:nvPr>
         </p:nvSpPr>
         <p:spPr>
@@ -403,8 +413,12 @@
             <a:ext cx="6096000" cy="3429000"/>
           </a:xfrm>
           <a:custGeom>
+            <a:avLst/>
+            <a:gdLst/>
+            <a:ahLst/>
+            <a:cxnLst/>
             <a:pathLst>
-              <a:path extrusionOk="0" h="120000" w="120000">
+              <a:path w="120000" h="120000" extrusionOk="0">
                 <a:moveTo>
                   <a:pt x="0" y="0"/>
                 </a:moveTo>
@@ -428,7 +442,7 @@
           <p:cNvPr id="52" name="Shape 52"/>
           <p:cNvSpPr txBox="1"/>
           <p:nvPr>
-            <p:ph idx="1" type="body"/>
+            <p:ph type="body" idx="1"/>
           </p:nvPr>
         </p:nvSpPr>
         <p:spPr>
@@ -441,7 +455,7 @@
           </a:prstGeom>
         </p:spPr>
         <p:txBody>
-          <a:bodyPr anchorCtr="0" anchor="t" bIns="91425" lIns="91425" rIns="91425" tIns="91425">
+          <a:bodyPr lIns="91425" tIns="91425" rIns="91425" bIns="91425" anchor="t" anchorCtr="0">
             <a:noAutofit/>
           </a:bodyPr>
           <a:lstStyle/>
@@ -452,10 +466,6 @@
               </a:spcBef>
               <a:buNone/>
             </a:pPr>
-            <a:r>
-              <a:t/>
-            </a:r>
-            <a:endParaRPr/>
           </a:p>
         </p:txBody>
       </p:sp>
@@ -468,7 +478,7 @@
 </file>
 
 <file path=ppt/notesSlides/notesSlide2.xml><?xml version="1.0" encoding="utf-8"?>
-<p:notes xmlns:a="http://schemas.openxmlformats.org/drawingml/2006/main" xmlns:r="http://schemas.openxmlformats.org/officeDocument/2006/relationships" xmlns:mc="http://schemas.openxmlformats.org/markup-compatibility/2006" xmlns:mv="urn:schemas-microsoft-com:mac:vml" xmlns:p="http://schemas.openxmlformats.org/presentationml/2006/main" xmlns:c="http://schemas.openxmlformats.org/drawingml/2006/chart" xmlns:dgm="http://schemas.openxmlformats.org/drawingml/2006/diagram" xmlns:o="urn:schemas-microsoft-com:office:office" xmlns:v="urn:schemas-microsoft-com:vml" xmlns:pvml="urn:schemas-microsoft-com:office:powerpoint" xmlns:com="http://schemas.openxmlformats.org/drawingml/2006/compatibility" xmlns:p14="http://schemas.microsoft.com/office/powerpoint/2010/main" showMasterPhAnim="0" showMasterSp="0">
+<p:notes xmlns:a="http://schemas.openxmlformats.org/drawingml/2006/main" xmlns:r="http://schemas.openxmlformats.org/officeDocument/2006/relationships" xmlns:p="http://schemas.openxmlformats.org/presentationml/2006/main" showMasterPhAnim="0" showMasterSp="0">
   <p:cSld>
     <p:spTree>
       <p:nvGrpSpPr>
@@ -489,7 +499,7 @@
           <p:cNvPr id="57" name="Shape 57"/>
           <p:cNvSpPr/>
           <p:nvPr>
-            <p:ph idx="2" type="sldImg"/>
+            <p:ph type="sldImg" idx="2"/>
           </p:nvPr>
         </p:nvSpPr>
         <p:spPr>
@@ -498,8 +508,12 @@
             <a:ext cx="6096000" cy="3429000"/>
           </a:xfrm>
           <a:custGeom>
+            <a:avLst/>
+            <a:gdLst/>
+            <a:ahLst/>
+            <a:cxnLst/>
             <a:pathLst>
-              <a:path extrusionOk="0" h="120000" w="120000">
+              <a:path w="120000" h="120000" extrusionOk="0">
                 <a:moveTo>
                   <a:pt x="0" y="0"/>
                 </a:moveTo>
@@ -523,7 +537,7 @@
           <p:cNvPr id="58" name="Shape 58"/>
           <p:cNvSpPr txBox="1"/>
           <p:nvPr>
-            <p:ph idx="1" type="body"/>
+            <p:ph type="body" idx="1"/>
           </p:nvPr>
         </p:nvSpPr>
         <p:spPr>
@@ -536,7 +550,7 @@
           </a:prstGeom>
         </p:spPr>
         <p:txBody>
-          <a:bodyPr anchorCtr="0" anchor="t" bIns="91425" lIns="91425" rIns="91425" tIns="91425">
+          <a:bodyPr lIns="91425" tIns="91425" rIns="91425" bIns="91425" anchor="t" anchorCtr="0">
             <a:noAutofit/>
           </a:bodyPr>
           <a:lstStyle/>
@@ -551,6 +565,7 @@
               <a:rPr lang="en-GB"/>
               <a:t>首先来说说函数（function）和方法（method）的区别。它们看起来都是一块代码组成的一个功能。但是它们的含义大不一样。函数是直接用函数名调用的。而方法是必须于对象结合在一起使用的，也就是说它在定义的时候是类的一部分。</a:t>
             </a:r>
+            <a:endParaRPr lang="en-GB"/>
           </a:p>
         </p:txBody>
       </p:sp>
@@ -563,7 +578,7 @@
 </file>
 
 <file path=ppt/notesSlides/notesSlide3.xml><?xml version="1.0" encoding="utf-8"?>
-<p:notes xmlns:a="http://schemas.openxmlformats.org/drawingml/2006/main" xmlns:r="http://schemas.openxmlformats.org/officeDocument/2006/relationships" xmlns:mc="http://schemas.openxmlformats.org/markup-compatibility/2006" xmlns:mv="urn:schemas-microsoft-com:mac:vml" xmlns:p="http://schemas.openxmlformats.org/presentationml/2006/main" xmlns:c="http://schemas.openxmlformats.org/drawingml/2006/chart" xmlns:dgm="http://schemas.openxmlformats.org/drawingml/2006/diagram" xmlns:o="urn:schemas-microsoft-com:office:office" xmlns:v="urn:schemas-microsoft-com:vml" xmlns:pvml="urn:schemas-microsoft-com:office:powerpoint" xmlns:com="http://schemas.openxmlformats.org/drawingml/2006/compatibility" xmlns:p14="http://schemas.microsoft.com/office/powerpoint/2010/main" showMasterPhAnim="0" showMasterSp="0">
+<p:notes xmlns:a="http://schemas.openxmlformats.org/drawingml/2006/main" xmlns:r="http://schemas.openxmlformats.org/officeDocument/2006/relationships" xmlns:p="http://schemas.openxmlformats.org/presentationml/2006/main" showMasterPhAnim="0" showMasterSp="0">
   <p:cSld>
     <p:spTree>
       <p:nvGrpSpPr>
@@ -584,7 +599,7 @@
           <p:cNvPr id="63" name="Shape 63"/>
           <p:cNvSpPr/>
           <p:nvPr>
-            <p:ph idx="2" type="sldImg"/>
+            <p:ph type="sldImg" idx="2"/>
           </p:nvPr>
         </p:nvSpPr>
         <p:spPr>
@@ -593,8 +608,12 @@
             <a:ext cx="6096000" cy="3429000"/>
           </a:xfrm>
           <a:custGeom>
+            <a:avLst/>
+            <a:gdLst/>
+            <a:ahLst/>
+            <a:cxnLst/>
             <a:pathLst>
-              <a:path extrusionOk="0" h="120000" w="120000">
+              <a:path w="120000" h="120000" extrusionOk="0">
                 <a:moveTo>
                   <a:pt x="0" y="0"/>
                 </a:moveTo>
@@ -618,7 +637,7 @@
           <p:cNvPr id="64" name="Shape 64"/>
           <p:cNvSpPr txBox="1"/>
           <p:nvPr>
-            <p:ph idx="1" type="body"/>
+            <p:ph type="body" idx="1"/>
           </p:nvPr>
         </p:nvSpPr>
         <p:spPr>
@@ -631,7 +650,7 @@
           </a:prstGeom>
         </p:spPr>
         <p:txBody>
-          <a:bodyPr anchorCtr="0" anchor="t" bIns="91425" lIns="91425" rIns="91425" tIns="91425">
+          <a:bodyPr lIns="91425" tIns="91425" rIns="91425" bIns="91425" anchor="t" anchorCtr="0">
             <a:noAutofit/>
           </a:bodyPr>
           <a:lstStyle/>
@@ -646,6 +665,7 @@
               <a:rPr lang="en-GB"/>
               <a:t>在Python里面，一切皆对象。怎么来理解呢，我们其实可以把Python里类的方法看做是的一个属性，它的类型是method类。我们在这里举一个简单的例子，我在这里把原本a这个对象的一个方法test，给替换成了一个字符串。当然我们在实际的工作中一般不会这么干，我只是在这里说明下，语法上是允许的。由于这种一切皆对象的特性，使得Python的使用非常灵活，因为method和function也是被看作对象，有时候可以把它们作为参数传入函数或方法里，使用非常方便。</a:t>
             </a:r>
+            <a:endParaRPr lang="en-GB"/>
           </a:p>
         </p:txBody>
       </p:sp>
@@ -658,7 +678,7 @@
 </file>
 
 <file path=ppt/notesSlides/notesSlide4.xml><?xml version="1.0" encoding="utf-8"?>
-<p:notes xmlns:a="http://schemas.openxmlformats.org/drawingml/2006/main" xmlns:r="http://schemas.openxmlformats.org/officeDocument/2006/relationships" xmlns:mc="http://schemas.openxmlformats.org/markup-compatibility/2006" xmlns:mv="urn:schemas-microsoft-com:mac:vml" xmlns:p="http://schemas.openxmlformats.org/presentationml/2006/main" xmlns:c="http://schemas.openxmlformats.org/drawingml/2006/chart" xmlns:dgm="http://schemas.openxmlformats.org/drawingml/2006/diagram" xmlns:o="urn:schemas-microsoft-com:office:office" xmlns:v="urn:schemas-microsoft-com:vml" xmlns:pvml="urn:schemas-microsoft-com:office:powerpoint" xmlns:com="http://schemas.openxmlformats.org/drawingml/2006/compatibility" xmlns:p14="http://schemas.microsoft.com/office/powerpoint/2010/main" showMasterPhAnim="0" showMasterSp="0">
+<p:notes xmlns:a="http://schemas.openxmlformats.org/drawingml/2006/main" xmlns:r="http://schemas.openxmlformats.org/officeDocument/2006/relationships" xmlns:p="http://schemas.openxmlformats.org/presentationml/2006/main" showMasterPhAnim="0" showMasterSp="0">
   <p:cSld>
     <p:spTree>
       <p:nvGrpSpPr>
@@ -679,7 +699,7 @@
           <p:cNvPr id="69" name="Shape 69"/>
           <p:cNvSpPr/>
           <p:nvPr>
-            <p:ph idx="2" type="sldImg"/>
+            <p:ph type="sldImg" idx="2"/>
           </p:nvPr>
         </p:nvSpPr>
         <p:spPr>
@@ -688,8 +708,12 @@
             <a:ext cx="6096000" cy="3429000"/>
           </a:xfrm>
           <a:custGeom>
+            <a:avLst/>
+            <a:gdLst/>
+            <a:ahLst/>
+            <a:cxnLst/>
             <a:pathLst>
-              <a:path extrusionOk="0" h="120000" w="120000">
+              <a:path w="120000" h="120000" extrusionOk="0">
                 <a:moveTo>
                   <a:pt x="0" y="0"/>
                 </a:moveTo>
@@ -713,7 +737,7 @@
           <p:cNvPr id="70" name="Shape 70"/>
           <p:cNvSpPr txBox="1"/>
           <p:nvPr>
-            <p:ph idx="1" type="body"/>
+            <p:ph type="body" idx="1"/>
           </p:nvPr>
         </p:nvSpPr>
         <p:spPr>
@@ -726,7 +750,7 @@
           </a:prstGeom>
         </p:spPr>
         <p:txBody>
-          <a:bodyPr anchorCtr="0" anchor="t" bIns="91425" lIns="91425" rIns="91425" tIns="91425">
+          <a:bodyPr lIns="91425" tIns="91425" rIns="91425" bIns="91425" anchor="t" anchorCtr="0">
             <a:noAutofit/>
           </a:bodyPr>
           <a:lstStyle/>
@@ -741,6 +765,7 @@
               <a:rPr lang="en-GB"/>
               <a:t>接下来谈谈方法的控制访问。既然我们可以把类的方法看做是类的属性，那它的访问控制其实和属性一样，就是基本木有...</a:t>
             </a:r>
+            <a:endParaRPr lang="en-GB"/>
           </a:p>
         </p:txBody>
       </p:sp>
@@ -753,7 +778,7 @@
 </file>
 
 <file path=ppt/notesSlides/notesSlide5.xml><?xml version="1.0" encoding="utf-8"?>
-<p:notes xmlns:a="http://schemas.openxmlformats.org/drawingml/2006/main" xmlns:r="http://schemas.openxmlformats.org/officeDocument/2006/relationships" xmlns:mc="http://schemas.openxmlformats.org/markup-compatibility/2006" xmlns:mv="urn:schemas-microsoft-com:mac:vml" xmlns:p="http://schemas.openxmlformats.org/presentationml/2006/main" xmlns:c="http://schemas.openxmlformats.org/drawingml/2006/chart" xmlns:dgm="http://schemas.openxmlformats.org/drawingml/2006/diagram" xmlns:o="urn:schemas-microsoft-com:office:office" xmlns:v="urn:schemas-microsoft-com:vml" xmlns:pvml="urn:schemas-microsoft-com:office:powerpoint" xmlns:com="http://schemas.openxmlformats.org/drawingml/2006/compatibility" xmlns:p14="http://schemas.microsoft.com/office/powerpoint/2010/main" showMasterPhAnim="0" showMasterSp="0">
+<p:notes xmlns:a="http://schemas.openxmlformats.org/drawingml/2006/main" xmlns:r="http://schemas.openxmlformats.org/officeDocument/2006/relationships" xmlns:p="http://schemas.openxmlformats.org/presentationml/2006/main" showMasterPhAnim="0" showMasterSp="0">
   <p:cSld>
     <p:spTree>
       <p:nvGrpSpPr>
@@ -774,7 +799,7 @@
           <p:cNvPr id="75" name="Shape 75"/>
           <p:cNvSpPr/>
           <p:nvPr>
-            <p:ph idx="2" type="sldImg"/>
+            <p:ph type="sldImg" idx="2"/>
           </p:nvPr>
         </p:nvSpPr>
         <p:spPr>
@@ -783,8 +808,12 @@
             <a:ext cx="6096000" cy="3429000"/>
           </a:xfrm>
           <a:custGeom>
+            <a:avLst/>
+            <a:gdLst/>
+            <a:ahLst/>
+            <a:cxnLst/>
             <a:pathLst>
-              <a:path extrusionOk="0" h="120000" w="120000">
+              <a:path w="120000" h="120000" extrusionOk="0">
                 <a:moveTo>
                   <a:pt x="0" y="0"/>
                 </a:moveTo>
@@ -808,7 +837,7 @@
           <p:cNvPr id="76" name="Shape 76"/>
           <p:cNvSpPr txBox="1"/>
           <p:nvPr>
-            <p:ph idx="1" type="body"/>
+            <p:ph type="body" idx="1"/>
           </p:nvPr>
         </p:nvSpPr>
         <p:spPr>
@@ -821,7 +850,7 @@
           </a:prstGeom>
         </p:spPr>
         <p:txBody>
-          <a:bodyPr anchorCtr="0" anchor="t" bIns="91425" lIns="91425" rIns="91425" tIns="91425">
+          <a:bodyPr lIns="91425" tIns="91425" rIns="91425" bIns="91425" anchor="t" anchorCtr="0">
             <a:noAutofit/>
           </a:bodyPr>
           <a:lstStyle/>
@@ -836,6 +865,7 @@
               <a:rPr lang="en-GB"/>
               <a:t>下面举个简单的例子，跟定义属性一样。如果方法名称前面没有下划线，代表这个方法是公开的，如果有一个下划线，代表它是私有方法，但Python本身并没有限制。如果前面有两个下划线，代表这个方法是这个类私有的，但是和属性里介绍的一样，Python在这里只是耍了个小聪明，这个方法并不算是真正私有的。</a:t>
             </a:r>
+            <a:endParaRPr lang="en-GB"/>
           </a:p>
         </p:txBody>
       </p:sp>
@@ -848,7 +878,7 @@
 </file>
 
 <file path=ppt/notesSlides/notesSlide6.xml><?xml version="1.0" encoding="utf-8"?>
-<p:notes xmlns:a="http://schemas.openxmlformats.org/drawingml/2006/main" xmlns:r="http://schemas.openxmlformats.org/officeDocument/2006/relationships" xmlns:mc="http://schemas.openxmlformats.org/markup-compatibility/2006" xmlns:mv="urn:schemas-microsoft-com:mac:vml" xmlns:p="http://schemas.openxmlformats.org/presentationml/2006/main" xmlns:c="http://schemas.openxmlformats.org/drawingml/2006/chart" xmlns:dgm="http://schemas.openxmlformats.org/drawingml/2006/diagram" xmlns:o="urn:schemas-microsoft-com:office:office" xmlns:v="urn:schemas-microsoft-com:vml" xmlns:pvml="urn:schemas-microsoft-com:office:powerpoint" xmlns:com="http://schemas.openxmlformats.org/drawingml/2006/compatibility" xmlns:p14="http://schemas.microsoft.com/office/powerpoint/2010/main" showMasterPhAnim="0" showMasterSp="0">
+<p:notes xmlns:a="http://schemas.openxmlformats.org/drawingml/2006/main" xmlns:r="http://schemas.openxmlformats.org/officeDocument/2006/relationships" xmlns:p="http://schemas.openxmlformats.org/presentationml/2006/main" showMasterPhAnim="0" showMasterSp="0">
   <p:cSld>
     <p:spTree>
       <p:nvGrpSpPr>
@@ -869,7 +899,7 @@
           <p:cNvPr id="81" name="Shape 81"/>
           <p:cNvSpPr/>
           <p:nvPr>
-            <p:ph idx="2" type="sldImg"/>
+            <p:ph type="sldImg" idx="2"/>
           </p:nvPr>
         </p:nvSpPr>
         <p:spPr>
@@ -878,8 +908,12 @@
             <a:ext cx="6096000" cy="3429000"/>
           </a:xfrm>
           <a:custGeom>
+            <a:avLst/>
+            <a:gdLst/>
+            <a:ahLst/>
+            <a:cxnLst/>
             <a:pathLst>
-              <a:path extrusionOk="0" h="120000" w="120000">
+              <a:path w="120000" h="120000" extrusionOk="0">
                 <a:moveTo>
                   <a:pt x="0" y="0"/>
                 </a:moveTo>
@@ -903,7 +937,7 @@
           <p:cNvPr id="82" name="Shape 82"/>
           <p:cNvSpPr txBox="1"/>
           <p:nvPr>
-            <p:ph idx="1" type="body"/>
+            <p:ph type="body" idx="1"/>
           </p:nvPr>
         </p:nvSpPr>
         <p:spPr>
@@ -916,7 +950,7 @@
           </a:prstGeom>
         </p:spPr>
         <p:txBody>
-          <a:bodyPr anchorCtr="0" anchor="t" bIns="91425" lIns="91425" rIns="91425" tIns="91425">
+          <a:bodyPr lIns="91425" tIns="91425" rIns="91425" bIns="91425" anchor="t" anchorCtr="0">
             <a:noAutofit/>
           </a:bodyPr>
           <a:lstStyle/>
@@ -927,10 +961,6 @@
               </a:spcBef>
               <a:buNone/>
             </a:pPr>
-            <a:r>
-              <a:t/>
-            </a:r>
-            <a:endParaRPr/>
           </a:p>
         </p:txBody>
       </p:sp>
@@ -943,7 +973,7 @@
 </file>
 
 <file path=ppt/notesSlides/notesSlide7.xml><?xml version="1.0" encoding="utf-8"?>
-<p:notes xmlns:a="http://schemas.openxmlformats.org/drawingml/2006/main" xmlns:r="http://schemas.openxmlformats.org/officeDocument/2006/relationships" xmlns:mc="http://schemas.openxmlformats.org/markup-compatibility/2006" xmlns:mv="urn:schemas-microsoft-com:mac:vml" xmlns:p="http://schemas.openxmlformats.org/presentationml/2006/main" xmlns:c="http://schemas.openxmlformats.org/drawingml/2006/chart" xmlns:dgm="http://schemas.openxmlformats.org/drawingml/2006/diagram" xmlns:o="urn:schemas-microsoft-com:office:office" xmlns:v="urn:schemas-microsoft-com:vml" xmlns:pvml="urn:schemas-microsoft-com:office:powerpoint" xmlns:com="http://schemas.openxmlformats.org/drawingml/2006/compatibility" xmlns:p14="http://schemas.microsoft.com/office/powerpoint/2010/main" showMasterPhAnim="0" showMasterSp="0">
+<p:notes xmlns:a="http://schemas.openxmlformats.org/drawingml/2006/main" xmlns:r="http://schemas.openxmlformats.org/officeDocument/2006/relationships" xmlns:p="http://schemas.openxmlformats.org/presentationml/2006/main" showMasterPhAnim="0" showMasterSp="0">
   <p:cSld>
     <p:spTree>
       <p:nvGrpSpPr>
@@ -964,7 +994,7 @@
           <p:cNvPr id="87" name="Shape 87"/>
           <p:cNvSpPr/>
           <p:nvPr>
-            <p:ph idx="2" type="sldImg"/>
+            <p:ph type="sldImg" idx="2"/>
           </p:nvPr>
         </p:nvSpPr>
         <p:spPr>
@@ -973,8 +1003,12 @@
             <a:ext cx="6096000" cy="3429000"/>
           </a:xfrm>
           <a:custGeom>
+            <a:avLst/>
+            <a:gdLst/>
+            <a:ahLst/>
+            <a:cxnLst/>
             <a:pathLst>
-              <a:path extrusionOk="0" h="120000" w="120000">
+              <a:path w="120000" h="120000" extrusionOk="0">
                 <a:moveTo>
                   <a:pt x="0" y="0"/>
                 </a:moveTo>
@@ -998,7 +1032,7 @@
           <p:cNvPr id="88" name="Shape 88"/>
           <p:cNvSpPr txBox="1"/>
           <p:nvPr>
-            <p:ph idx="1" type="body"/>
+            <p:ph type="body" idx="1"/>
           </p:nvPr>
         </p:nvSpPr>
         <p:spPr>
@@ -1011,7 +1045,7 @@
           </a:prstGeom>
         </p:spPr>
         <p:txBody>
-          <a:bodyPr anchorCtr="0" anchor="t" bIns="91425" lIns="91425" rIns="91425" tIns="91425">
+          <a:bodyPr lIns="91425" tIns="91425" rIns="91425" bIns="91425" anchor="t" anchorCtr="0">
             <a:noAutofit/>
           </a:bodyPr>
           <a:lstStyle/>
@@ -1022,10 +1056,6 @@
               </a:spcBef>
               <a:buNone/>
             </a:pPr>
-            <a:r>
-              <a:t/>
-            </a:r>
-            <a:endParaRPr/>
           </a:p>
         </p:txBody>
       </p:sp>
@@ -1038,7 +1068,7 @@
 </file>
 
 <file path=ppt/slideLayouts/slideLayout1.xml><?xml version="1.0" encoding="utf-8"?>
-<p:sldLayout xmlns:a="http://schemas.openxmlformats.org/drawingml/2006/main" xmlns:r="http://schemas.openxmlformats.org/officeDocument/2006/relationships" xmlns:mc="http://schemas.openxmlformats.org/markup-compatibility/2006" xmlns:mv="urn:schemas-microsoft-com:mac:vml" xmlns:p="http://schemas.openxmlformats.org/presentationml/2006/main" xmlns:c="http://schemas.openxmlformats.org/drawingml/2006/chart" xmlns:dgm="http://schemas.openxmlformats.org/drawingml/2006/diagram" xmlns:o="urn:schemas-microsoft-com:office:office" xmlns:v="urn:schemas-microsoft-com:vml" xmlns:pvml="urn:schemas-microsoft-com:office:powerpoint" xmlns:com="http://schemas.openxmlformats.org/drawingml/2006/compatibility" xmlns:p14="http://schemas.microsoft.com/office/powerpoint/2010/main" type="title">
+<p:sldLayout xmlns:a="http://schemas.openxmlformats.org/drawingml/2006/main" xmlns:r="http://schemas.openxmlformats.org/officeDocument/2006/relationships" xmlns:p="http://schemas.openxmlformats.org/presentationml/2006/main" type="title">
   <p:cSld name="Title slide">
     <p:spTree>
       <p:nvGrpSpPr>
@@ -1072,7 +1102,7 @@
           </a:prstGeom>
         </p:spPr>
         <p:txBody>
-          <a:bodyPr anchorCtr="0" anchor="b" bIns="91425" lIns="91425" rIns="91425" tIns="91425"/>
+          <a:bodyPr lIns="91425" tIns="91425" rIns="91425" bIns="91425" anchor="b" anchorCtr="0"/>
           <a:lstStyle>
             <a:lvl1pPr lvl="0" algn="ctr">
               <a:spcBef>
@@ -1146,7 +1176,7 @@
           <p:cNvPr id="11" name="Shape 11"/>
           <p:cNvSpPr txBox="1"/>
           <p:nvPr>
-            <p:ph idx="1" type="subTitle"/>
+            <p:ph type="subTitle" idx="1"/>
           </p:nvPr>
         </p:nvSpPr>
         <p:spPr>
@@ -1159,7 +1189,7 @@
           </a:prstGeom>
         </p:spPr>
         <p:txBody>
-          <a:bodyPr anchorCtr="0" anchor="t" bIns="91425" lIns="91425" rIns="91425" tIns="91425"/>
+          <a:bodyPr lIns="91425" tIns="91425" rIns="91425" bIns="91425" anchor="t" anchorCtr="0"/>
           <a:lstStyle>
             <a:lvl1pPr lvl="0" algn="ctr">
               <a:lnSpc>
@@ -1296,7 +1326,7 @@
           <p:cNvPr id="12" name="Shape 12"/>
           <p:cNvSpPr txBox="1"/>
           <p:nvPr>
-            <p:ph idx="12" type="sldNum"/>
+            <p:ph type="sldNum" idx="12"/>
           </p:nvPr>
         </p:nvSpPr>
         <p:spPr>
@@ -1309,7 +1339,7 @@
           </a:prstGeom>
         </p:spPr>
         <p:txBody>
-          <a:bodyPr anchorCtr="0" anchor="ctr" bIns="91425" lIns="91425" rIns="91425" tIns="91425">
+          <a:bodyPr lIns="91425" tIns="91425" rIns="91425" bIns="91425" anchor="ctr" anchorCtr="0">
             <a:noAutofit/>
           </a:bodyPr>
           <a:lstStyle/>
@@ -1322,8 +1352,8 @@
             </a:pPr>
             <a:fld id="{00000000-1234-1234-1234-123412341234}" type="slidenum">
               <a:rPr lang="en-GB"/>
-              <a:t>‹#›</a:t>
             </a:fld>
+            <a:endParaRPr lang="en-GB"/>
           </a:p>
         </p:txBody>
       </p:sp>
@@ -1336,7 +1366,7 @@
 </file>
 
 <file path=ppt/slideLayouts/slideLayout10.xml><?xml version="1.0" encoding="utf-8"?>
-<p:sldLayout xmlns:a="http://schemas.openxmlformats.org/drawingml/2006/main" xmlns:r="http://schemas.openxmlformats.org/officeDocument/2006/relationships" xmlns:mc="http://schemas.openxmlformats.org/markup-compatibility/2006" xmlns:mv="urn:schemas-microsoft-com:mac:vml" xmlns:p="http://schemas.openxmlformats.org/presentationml/2006/main" xmlns:c="http://schemas.openxmlformats.org/drawingml/2006/chart" xmlns:dgm="http://schemas.openxmlformats.org/drawingml/2006/diagram" xmlns:o="urn:schemas-microsoft-com:office:office" xmlns:v="urn:schemas-microsoft-com:vml" xmlns:pvml="urn:schemas-microsoft-com:office:powerpoint" xmlns:com="http://schemas.openxmlformats.org/drawingml/2006/compatibility" xmlns:p14="http://schemas.microsoft.com/office/powerpoint/2010/main">
+<p:sldLayout xmlns:a="http://schemas.openxmlformats.org/drawingml/2006/main" xmlns:r="http://schemas.openxmlformats.org/officeDocument/2006/relationships" xmlns:p="http://schemas.openxmlformats.org/presentationml/2006/main">
   <p:cSld name="Big number">
     <p:spTree>
       <p:nvGrpSpPr>
@@ -1370,7 +1400,7 @@
           </a:prstGeom>
         </p:spPr>
         <p:txBody>
-          <a:bodyPr anchorCtr="0" anchor="b" bIns="91425" lIns="91425" rIns="91425" tIns="91425"/>
+          <a:bodyPr lIns="91425" tIns="91425" rIns="91425" bIns="91425" anchor="b" anchorCtr="0"/>
           <a:lstStyle>
             <a:lvl1pPr lvl="0" algn="ctr">
               <a:spcBef>
@@ -1444,7 +1474,7 @@
           <p:cNvPr id="46" name="Shape 46"/>
           <p:cNvSpPr txBox="1"/>
           <p:nvPr>
-            <p:ph idx="1" type="body"/>
+            <p:ph type="body" idx="1"/>
           </p:nvPr>
         </p:nvSpPr>
         <p:spPr>
@@ -1457,7 +1487,7 @@
           </a:prstGeom>
         </p:spPr>
         <p:txBody>
-          <a:bodyPr anchorCtr="0" anchor="t" bIns="91425" lIns="91425" rIns="91425" tIns="91425"/>
+          <a:bodyPr lIns="91425" tIns="91425" rIns="91425" bIns="91425" anchor="t" anchorCtr="0"/>
           <a:lstStyle>
             <a:lvl1pPr lvl="0" algn="ctr">
               <a:spcBef>
@@ -1522,7 +1552,7 @@
           <p:cNvPr id="47" name="Shape 47"/>
           <p:cNvSpPr txBox="1"/>
           <p:nvPr>
-            <p:ph idx="12" type="sldNum"/>
+            <p:ph type="sldNum" idx="12"/>
           </p:nvPr>
         </p:nvSpPr>
         <p:spPr>
@@ -1535,7 +1565,7 @@
           </a:prstGeom>
         </p:spPr>
         <p:txBody>
-          <a:bodyPr anchorCtr="0" anchor="ctr" bIns="91425" lIns="91425" rIns="91425" tIns="91425">
+          <a:bodyPr lIns="91425" tIns="91425" rIns="91425" bIns="91425" anchor="ctr" anchorCtr="0">
             <a:noAutofit/>
           </a:bodyPr>
           <a:lstStyle/>
@@ -1548,8 +1578,8 @@
             </a:pPr>
             <a:fld id="{00000000-1234-1234-1234-123412341234}" type="slidenum">
               <a:rPr lang="en-GB"/>
-              <a:t>‹#›</a:t>
             </a:fld>
+            <a:endParaRPr lang="en-GB"/>
           </a:p>
         </p:txBody>
       </p:sp>
@@ -1562,7 +1592,7 @@
 </file>
 
 <file path=ppt/slideLayouts/slideLayout11.xml><?xml version="1.0" encoding="utf-8"?>
-<p:sldLayout xmlns:a="http://schemas.openxmlformats.org/drawingml/2006/main" xmlns:r="http://schemas.openxmlformats.org/officeDocument/2006/relationships" xmlns:mc="http://schemas.openxmlformats.org/markup-compatibility/2006" xmlns:mv="urn:schemas-microsoft-com:mac:vml" xmlns:p="http://schemas.openxmlformats.org/presentationml/2006/main" xmlns:c="http://schemas.openxmlformats.org/drawingml/2006/chart" xmlns:dgm="http://schemas.openxmlformats.org/drawingml/2006/diagram" xmlns:o="urn:schemas-microsoft-com:office:office" xmlns:v="urn:schemas-microsoft-com:vml" xmlns:pvml="urn:schemas-microsoft-com:office:powerpoint" xmlns:com="http://schemas.openxmlformats.org/drawingml/2006/compatibility" xmlns:p14="http://schemas.microsoft.com/office/powerpoint/2010/main" type="blank">
+<p:sldLayout xmlns:a="http://schemas.openxmlformats.org/drawingml/2006/main" xmlns:r="http://schemas.openxmlformats.org/officeDocument/2006/relationships" xmlns:p="http://schemas.openxmlformats.org/presentationml/2006/main" type="blank">
   <p:cSld name="Blank">
     <p:spTree>
       <p:nvGrpSpPr>
@@ -1583,7 +1613,7 @@
           <p:cNvPr id="49" name="Shape 49"/>
           <p:cNvSpPr txBox="1"/>
           <p:nvPr>
-            <p:ph idx="12" type="sldNum"/>
+            <p:ph type="sldNum" idx="12"/>
           </p:nvPr>
         </p:nvSpPr>
         <p:spPr>
@@ -1596,7 +1626,7 @@
           </a:prstGeom>
         </p:spPr>
         <p:txBody>
-          <a:bodyPr anchorCtr="0" anchor="ctr" bIns="91425" lIns="91425" rIns="91425" tIns="91425">
+          <a:bodyPr lIns="91425" tIns="91425" rIns="91425" bIns="91425" anchor="ctr" anchorCtr="0">
             <a:noAutofit/>
           </a:bodyPr>
           <a:lstStyle/>
@@ -1609,8 +1639,8 @@
             </a:pPr>
             <a:fld id="{00000000-1234-1234-1234-123412341234}" type="slidenum">
               <a:rPr lang="en-GB"/>
-              <a:t>‹#›</a:t>
             </a:fld>
+            <a:endParaRPr lang="en-GB"/>
           </a:p>
         </p:txBody>
       </p:sp>
@@ -1623,7 +1653,7 @@
 </file>
 
 <file path=ppt/slideLayouts/slideLayout2.xml><?xml version="1.0" encoding="utf-8"?>
-<p:sldLayout xmlns:a="http://schemas.openxmlformats.org/drawingml/2006/main" xmlns:r="http://schemas.openxmlformats.org/officeDocument/2006/relationships" xmlns:mc="http://schemas.openxmlformats.org/markup-compatibility/2006" xmlns:mv="urn:schemas-microsoft-com:mac:vml" xmlns:p="http://schemas.openxmlformats.org/presentationml/2006/main" xmlns:c="http://schemas.openxmlformats.org/drawingml/2006/chart" xmlns:dgm="http://schemas.openxmlformats.org/drawingml/2006/diagram" xmlns:o="urn:schemas-microsoft-com:office:office" xmlns:v="urn:schemas-microsoft-com:vml" xmlns:pvml="urn:schemas-microsoft-com:office:powerpoint" xmlns:com="http://schemas.openxmlformats.org/drawingml/2006/compatibility" xmlns:p14="http://schemas.microsoft.com/office/powerpoint/2010/main" type="secHead">
+<p:sldLayout xmlns:a="http://schemas.openxmlformats.org/drawingml/2006/main" xmlns:r="http://schemas.openxmlformats.org/officeDocument/2006/relationships" xmlns:p="http://schemas.openxmlformats.org/presentationml/2006/main" type="secHead">
   <p:cSld name="Section header">
     <p:spTree>
       <p:nvGrpSpPr>
@@ -1657,7 +1687,7 @@
           </a:prstGeom>
         </p:spPr>
         <p:txBody>
-          <a:bodyPr anchorCtr="0" anchor="ctr" bIns="91425" lIns="91425" rIns="91425" tIns="91425"/>
+          <a:bodyPr lIns="91425" tIns="91425" rIns="91425" bIns="91425" anchor="ctr" anchorCtr="0"/>
           <a:lstStyle>
             <a:lvl1pPr lvl="0" algn="ctr">
               <a:spcBef>
@@ -1731,7 +1761,7 @@
           <p:cNvPr id="15" name="Shape 15"/>
           <p:cNvSpPr txBox="1"/>
           <p:nvPr>
-            <p:ph idx="12" type="sldNum"/>
+            <p:ph type="sldNum" idx="12"/>
           </p:nvPr>
         </p:nvSpPr>
         <p:spPr>
@@ -1744,7 +1774,7 @@
           </a:prstGeom>
         </p:spPr>
         <p:txBody>
-          <a:bodyPr anchorCtr="0" anchor="ctr" bIns="91425" lIns="91425" rIns="91425" tIns="91425">
+          <a:bodyPr lIns="91425" tIns="91425" rIns="91425" bIns="91425" anchor="ctr" anchorCtr="0">
             <a:noAutofit/>
           </a:bodyPr>
           <a:lstStyle/>
@@ -1757,8 +1787,8 @@
             </a:pPr>
             <a:fld id="{00000000-1234-1234-1234-123412341234}" type="slidenum">
               <a:rPr lang="en-GB"/>
-              <a:t>‹#›</a:t>
             </a:fld>
+            <a:endParaRPr lang="en-GB"/>
           </a:p>
         </p:txBody>
       </p:sp>
@@ -1771,7 +1801,7 @@
 </file>
 
 <file path=ppt/slideLayouts/slideLayout3.xml><?xml version="1.0" encoding="utf-8"?>
-<p:sldLayout xmlns:a="http://schemas.openxmlformats.org/drawingml/2006/main" xmlns:r="http://schemas.openxmlformats.org/officeDocument/2006/relationships" xmlns:mc="http://schemas.openxmlformats.org/markup-compatibility/2006" xmlns:mv="urn:schemas-microsoft-com:mac:vml" xmlns:p="http://schemas.openxmlformats.org/presentationml/2006/main" xmlns:c="http://schemas.openxmlformats.org/drawingml/2006/chart" xmlns:dgm="http://schemas.openxmlformats.org/drawingml/2006/diagram" xmlns:o="urn:schemas-microsoft-com:office:office" xmlns:v="urn:schemas-microsoft-com:vml" xmlns:pvml="urn:schemas-microsoft-com:office:powerpoint" xmlns:com="http://schemas.openxmlformats.org/drawingml/2006/compatibility" xmlns:p14="http://schemas.microsoft.com/office/powerpoint/2010/main" type="tx">
+<p:sldLayout xmlns:a="http://schemas.openxmlformats.org/drawingml/2006/main" xmlns:r="http://schemas.openxmlformats.org/officeDocument/2006/relationships" xmlns:p="http://schemas.openxmlformats.org/presentationml/2006/main" type="tx">
   <p:cSld name="Title and body">
     <p:spTree>
       <p:nvGrpSpPr>
@@ -1805,7 +1835,7 @@
           </a:prstGeom>
         </p:spPr>
         <p:txBody>
-          <a:bodyPr anchorCtr="0" anchor="t" bIns="91425" lIns="91425" rIns="91425" tIns="91425"/>
+          <a:bodyPr lIns="91425" tIns="91425" rIns="91425" bIns="91425" anchor="t" anchorCtr="0"/>
           <a:lstStyle>
             <a:lvl1pPr lvl="0">
               <a:spcBef>
@@ -1870,7 +1900,7 @@
           <p:cNvPr id="18" name="Shape 18"/>
           <p:cNvSpPr txBox="1"/>
           <p:nvPr>
-            <p:ph idx="1" type="body"/>
+            <p:ph type="body" idx="1"/>
           </p:nvPr>
         </p:nvSpPr>
         <p:spPr>
@@ -1883,7 +1913,7 @@
           </a:prstGeom>
         </p:spPr>
         <p:txBody>
-          <a:bodyPr anchorCtr="0" anchor="t" bIns="91425" lIns="91425" rIns="91425" tIns="91425"/>
+          <a:bodyPr lIns="91425" tIns="91425" rIns="91425" bIns="91425" anchor="t" anchorCtr="0"/>
           <a:lstStyle>
             <a:lvl1pPr lvl="0">
               <a:spcBef>
@@ -1948,7 +1978,7 @@
           <p:cNvPr id="19" name="Shape 19"/>
           <p:cNvSpPr txBox="1"/>
           <p:nvPr>
-            <p:ph idx="12" type="sldNum"/>
+            <p:ph type="sldNum" idx="12"/>
           </p:nvPr>
         </p:nvSpPr>
         <p:spPr>
@@ -1961,7 +1991,7 @@
           </a:prstGeom>
         </p:spPr>
         <p:txBody>
-          <a:bodyPr anchorCtr="0" anchor="ctr" bIns="91425" lIns="91425" rIns="91425" tIns="91425">
+          <a:bodyPr lIns="91425" tIns="91425" rIns="91425" bIns="91425" anchor="ctr" anchorCtr="0">
             <a:noAutofit/>
           </a:bodyPr>
           <a:lstStyle/>
@@ -1974,8 +2004,8 @@
             </a:pPr>
             <a:fld id="{00000000-1234-1234-1234-123412341234}" type="slidenum">
               <a:rPr lang="en-GB"/>
-              <a:t>‹#›</a:t>
             </a:fld>
+            <a:endParaRPr lang="en-GB"/>
           </a:p>
         </p:txBody>
       </p:sp>
@@ -1988,7 +2018,7 @@
 </file>
 
 <file path=ppt/slideLayouts/slideLayout4.xml><?xml version="1.0" encoding="utf-8"?>
-<p:sldLayout xmlns:a="http://schemas.openxmlformats.org/drawingml/2006/main" xmlns:r="http://schemas.openxmlformats.org/officeDocument/2006/relationships" xmlns:mc="http://schemas.openxmlformats.org/markup-compatibility/2006" xmlns:mv="urn:schemas-microsoft-com:mac:vml" xmlns:p="http://schemas.openxmlformats.org/presentationml/2006/main" xmlns:c="http://schemas.openxmlformats.org/drawingml/2006/chart" xmlns:dgm="http://schemas.openxmlformats.org/drawingml/2006/diagram" xmlns:o="urn:schemas-microsoft-com:office:office" xmlns:v="urn:schemas-microsoft-com:vml" xmlns:pvml="urn:schemas-microsoft-com:office:powerpoint" xmlns:com="http://schemas.openxmlformats.org/drawingml/2006/compatibility" xmlns:p14="http://schemas.microsoft.com/office/powerpoint/2010/main" type="twoColTx">
+<p:sldLayout xmlns:a="http://schemas.openxmlformats.org/drawingml/2006/main" xmlns:r="http://schemas.openxmlformats.org/officeDocument/2006/relationships" xmlns:p="http://schemas.openxmlformats.org/presentationml/2006/main" type="twoColTx">
   <p:cSld name="Title and two columns">
     <p:spTree>
       <p:nvGrpSpPr>
@@ -2022,7 +2052,7 @@
           </a:prstGeom>
         </p:spPr>
         <p:txBody>
-          <a:bodyPr anchorCtr="0" anchor="t" bIns="91425" lIns="91425" rIns="91425" tIns="91425"/>
+          <a:bodyPr lIns="91425" tIns="91425" rIns="91425" bIns="91425" anchor="t" anchorCtr="0"/>
           <a:lstStyle>
             <a:lvl1pPr lvl="0">
               <a:spcBef>
@@ -2087,7 +2117,7 @@
           <p:cNvPr id="22" name="Shape 22"/>
           <p:cNvSpPr txBox="1"/>
           <p:nvPr>
-            <p:ph idx="1" type="body"/>
+            <p:ph type="body" idx="1"/>
           </p:nvPr>
         </p:nvSpPr>
         <p:spPr>
@@ -2100,7 +2130,7 @@
           </a:prstGeom>
         </p:spPr>
         <p:txBody>
-          <a:bodyPr anchorCtr="0" anchor="t" bIns="91425" lIns="91425" rIns="91425" tIns="91425"/>
+          <a:bodyPr lIns="91425" tIns="91425" rIns="91425" bIns="91425" anchor="t" anchorCtr="0"/>
           <a:lstStyle>
             <a:lvl1pPr lvl="0">
               <a:spcBef>
@@ -2174,7 +2204,7 @@
           <p:cNvPr id="23" name="Shape 23"/>
           <p:cNvSpPr txBox="1"/>
           <p:nvPr>
-            <p:ph idx="2" type="body"/>
+            <p:ph type="body" idx="2"/>
           </p:nvPr>
         </p:nvSpPr>
         <p:spPr>
@@ -2187,7 +2217,7 @@
           </a:prstGeom>
         </p:spPr>
         <p:txBody>
-          <a:bodyPr anchorCtr="0" anchor="t" bIns="91425" lIns="91425" rIns="91425" tIns="91425"/>
+          <a:bodyPr lIns="91425" tIns="91425" rIns="91425" bIns="91425" anchor="t" anchorCtr="0"/>
           <a:lstStyle>
             <a:lvl1pPr lvl="0">
               <a:spcBef>
@@ -2261,7 +2291,7 @@
           <p:cNvPr id="24" name="Shape 24"/>
           <p:cNvSpPr txBox="1"/>
           <p:nvPr>
-            <p:ph idx="12" type="sldNum"/>
+            <p:ph type="sldNum" idx="12"/>
           </p:nvPr>
         </p:nvSpPr>
         <p:spPr>
@@ -2274,7 +2304,7 @@
           </a:prstGeom>
         </p:spPr>
         <p:txBody>
-          <a:bodyPr anchorCtr="0" anchor="ctr" bIns="91425" lIns="91425" rIns="91425" tIns="91425">
+          <a:bodyPr lIns="91425" tIns="91425" rIns="91425" bIns="91425" anchor="ctr" anchorCtr="0">
             <a:noAutofit/>
           </a:bodyPr>
           <a:lstStyle/>
@@ -2287,8 +2317,8 @@
             </a:pPr>
             <a:fld id="{00000000-1234-1234-1234-123412341234}" type="slidenum">
               <a:rPr lang="en-GB"/>
-              <a:t>‹#›</a:t>
             </a:fld>
+            <a:endParaRPr lang="en-GB"/>
           </a:p>
         </p:txBody>
       </p:sp>
@@ -2301,7 +2331,7 @@
 </file>
 
 <file path=ppt/slideLayouts/slideLayout5.xml><?xml version="1.0" encoding="utf-8"?>
-<p:sldLayout xmlns:a="http://schemas.openxmlformats.org/drawingml/2006/main" xmlns:r="http://schemas.openxmlformats.org/officeDocument/2006/relationships" xmlns:mc="http://schemas.openxmlformats.org/markup-compatibility/2006" xmlns:mv="urn:schemas-microsoft-com:mac:vml" xmlns:p="http://schemas.openxmlformats.org/presentationml/2006/main" xmlns:c="http://schemas.openxmlformats.org/drawingml/2006/chart" xmlns:dgm="http://schemas.openxmlformats.org/drawingml/2006/diagram" xmlns:o="urn:schemas-microsoft-com:office:office" xmlns:v="urn:schemas-microsoft-com:vml" xmlns:pvml="urn:schemas-microsoft-com:office:powerpoint" xmlns:com="http://schemas.openxmlformats.org/drawingml/2006/compatibility" xmlns:p14="http://schemas.microsoft.com/office/powerpoint/2010/main" type="titleOnly">
+<p:sldLayout xmlns:a="http://schemas.openxmlformats.org/drawingml/2006/main" xmlns:r="http://schemas.openxmlformats.org/officeDocument/2006/relationships" xmlns:p="http://schemas.openxmlformats.org/presentationml/2006/main" type="titleOnly">
   <p:cSld name="Title only">
     <p:spTree>
       <p:nvGrpSpPr>
@@ -2335,7 +2365,7 @@
           </a:prstGeom>
         </p:spPr>
         <p:txBody>
-          <a:bodyPr anchorCtr="0" anchor="t" bIns="91425" lIns="91425" rIns="91425" tIns="91425"/>
+          <a:bodyPr lIns="91425" tIns="91425" rIns="91425" bIns="91425" anchor="t" anchorCtr="0"/>
           <a:lstStyle>
             <a:lvl1pPr lvl="0">
               <a:spcBef>
@@ -2400,7 +2430,7 @@
           <p:cNvPr id="27" name="Shape 27"/>
           <p:cNvSpPr txBox="1"/>
           <p:nvPr>
-            <p:ph idx="12" type="sldNum"/>
+            <p:ph type="sldNum" idx="12"/>
           </p:nvPr>
         </p:nvSpPr>
         <p:spPr>
@@ -2413,7 +2443,7 @@
           </a:prstGeom>
         </p:spPr>
         <p:txBody>
-          <a:bodyPr anchorCtr="0" anchor="ctr" bIns="91425" lIns="91425" rIns="91425" tIns="91425">
+          <a:bodyPr lIns="91425" tIns="91425" rIns="91425" bIns="91425" anchor="ctr" anchorCtr="0">
             <a:noAutofit/>
           </a:bodyPr>
           <a:lstStyle/>
@@ -2426,8 +2456,8 @@
             </a:pPr>
             <a:fld id="{00000000-1234-1234-1234-123412341234}" type="slidenum">
               <a:rPr lang="en-GB"/>
-              <a:t>‹#›</a:t>
             </a:fld>
+            <a:endParaRPr lang="en-GB"/>
           </a:p>
         </p:txBody>
       </p:sp>
@@ -2440,7 +2470,7 @@
 </file>
 
 <file path=ppt/slideLayouts/slideLayout6.xml><?xml version="1.0" encoding="utf-8"?>
-<p:sldLayout xmlns:a="http://schemas.openxmlformats.org/drawingml/2006/main" xmlns:r="http://schemas.openxmlformats.org/officeDocument/2006/relationships" xmlns:mc="http://schemas.openxmlformats.org/markup-compatibility/2006" xmlns:mv="urn:schemas-microsoft-com:mac:vml" xmlns:p="http://schemas.openxmlformats.org/presentationml/2006/main" xmlns:c="http://schemas.openxmlformats.org/drawingml/2006/chart" xmlns:dgm="http://schemas.openxmlformats.org/drawingml/2006/diagram" xmlns:o="urn:schemas-microsoft-com:office:office" xmlns:v="urn:schemas-microsoft-com:vml" xmlns:pvml="urn:schemas-microsoft-com:office:powerpoint" xmlns:com="http://schemas.openxmlformats.org/drawingml/2006/compatibility" xmlns:p14="http://schemas.microsoft.com/office/powerpoint/2010/main">
+<p:sldLayout xmlns:a="http://schemas.openxmlformats.org/drawingml/2006/main" xmlns:r="http://schemas.openxmlformats.org/officeDocument/2006/relationships" xmlns:p="http://schemas.openxmlformats.org/presentationml/2006/main">
   <p:cSld name="One column text">
     <p:spTree>
       <p:nvGrpSpPr>
@@ -2474,7 +2504,7 @@
           </a:prstGeom>
         </p:spPr>
         <p:txBody>
-          <a:bodyPr anchorCtr="0" anchor="b" bIns="91425" lIns="91425" rIns="91425" tIns="91425"/>
+          <a:bodyPr lIns="91425" tIns="91425" rIns="91425" bIns="91425" anchor="b" anchorCtr="0"/>
           <a:lstStyle>
             <a:lvl1pPr lvl="0">
               <a:spcBef>
@@ -2548,7 +2578,7 @@
           <p:cNvPr id="30" name="Shape 30"/>
           <p:cNvSpPr txBox="1"/>
           <p:nvPr>
-            <p:ph idx="1" type="body"/>
+            <p:ph type="body" idx="1"/>
           </p:nvPr>
         </p:nvSpPr>
         <p:spPr>
@@ -2561,7 +2591,7 @@
           </a:prstGeom>
         </p:spPr>
         <p:txBody>
-          <a:bodyPr anchorCtr="0" anchor="t" bIns="91425" lIns="91425" rIns="91425" tIns="91425"/>
+          <a:bodyPr lIns="91425" tIns="91425" rIns="91425" bIns="91425" anchor="t" anchorCtr="0"/>
           <a:lstStyle>
             <a:lvl1pPr lvl="0">
               <a:spcBef>
@@ -2635,7 +2665,7 @@
           <p:cNvPr id="31" name="Shape 31"/>
           <p:cNvSpPr txBox="1"/>
           <p:nvPr>
-            <p:ph idx="12" type="sldNum"/>
+            <p:ph type="sldNum" idx="12"/>
           </p:nvPr>
         </p:nvSpPr>
         <p:spPr>
@@ -2648,7 +2678,7 @@
           </a:prstGeom>
         </p:spPr>
         <p:txBody>
-          <a:bodyPr anchorCtr="0" anchor="ctr" bIns="91425" lIns="91425" rIns="91425" tIns="91425">
+          <a:bodyPr lIns="91425" tIns="91425" rIns="91425" bIns="91425" anchor="ctr" anchorCtr="0">
             <a:noAutofit/>
           </a:bodyPr>
           <a:lstStyle/>
@@ -2661,8 +2691,8 @@
             </a:pPr>
             <a:fld id="{00000000-1234-1234-1234-123412341234}" type="slidenum">
               <a:rPr lang="en-GB"/>
-              <a:t>‹#›</a:t>
             </a:fld>
+            <a:endParaRPr lang="en-GB"/>
           </a:p>
         </p:txBody>
       </p:sp>
@@ -2675,7 +2705,7 @@
 </file>
 
 <file path=ppt/slideLayouts/slideLayout7.xml><?xml version="1.0" encoding="utf-8"?>
-<p:sldLayout xmlns:a="http://schemas.openxmlformats.org/drawingml/2006/main" xmlns:r="http://schemas.openxmlformats.org/officeDocument/2006/relationships" xmlns:mc="http://schemas.openxmlformats.org/markup-compatibility/2006" xmlns:mv="urn:schemas-microsoft-com:mac:vml" xmlns:p="http://schemas.openxmlformats.org/presentationml/2006/main" xmlns:c="http://schemas.openxmlformats.org/drawingml/2006/chart" xmlns:dgm="http://schemas.openxmlformats.org/drawingml/2006/diagram" xmlns:o="urn:schemas-microsoft-com:office:office" xmlns:v="urn:schemas-microsoft-com:vml" xmlns:pvml="urn:schemas-microsoft-com:office:powerpoint" xmlns:com="http://schemas.openxmlformats.org/drawingml/2006/compatibility" xmlns:p14="http://schemas.microsoft.com/office/powerpoint/2010/main">
+<p:sldLayout xmlns:a="http://schemas.openxmlformats.org/drawingml/2006/main" xmlns:r="http://schemas.openxmlformats.org/officeDocument/2006/relationships" xmlns:p="http://schemas.openxmlformats.org/presentationml/2006/main">
   <p:cSld name="Main point">
     <p:spTree>
       <p:nvGrpSpPr>
@@ -2709,7 +2739,7 @@
           </a:prstGeom>
         </p:spPr>
         <p:txBody>
-          <a:bodyPr anchorCtr="0" anchor="ctr" bIns="91425" lIns="91425" rIns="91425" tIns="91425"/>
+          <a:bodyPr lIns="91425" tIns="91425" rIns="91425" bIns="91425" anchor="ctr" anchorCtr="0"/>
           <a:lstStyle>
             <a:lvl1pPr lvl="0">
               <a:spcBef>
@@ -2783,7 +2813,7 @@
           <p:cNvPr id="34" name="Shape 34"/>
           <p:cNvSpPr txBox="1"/>
           <p:nvPr>
-            <p:ph idx="12" type="sldNum"/>
+            <p:ph type="sldNum" idx="12"/>
           </p:nvPr>
         </p:nvSpPr>
         <p:spPr>
@@ -2796,7 +2826,7 @@
           </a:prstGeom>
         </p:spPr>
         <p:txBody>
-          <a:bodyPr anchorCtr="0" anchor="ctr" bIns="91425" lIns="91425" rIns="91425" tIns="91425">
+          <a:bodyPr lIns="91425" tIns="91425" rIns="91425" bIns="91425" anchor="ctr" anchorCtr="0">
             <a:noAutofit/>
           </a:bodyPr>
           <a:lstStyle/>
@@ -2809,8 +2839,8 @@
             </a:pPr>
             <a:fld id="{00000000-1234-1234-1234-123412341234}" type="slidenum">
               <a:rPr lang="en-GB"/>
-              <a:t>‹#›</a:t>
             </a:fld>
+            <a:endParaRPr lang="en-GB"/>
           </a:p>
         </p:txBody>
       </p:sp>
@@ -2823,7 +2853,7 @@
 </file>
 
 <file path=ppt/slideLayouts/slideLayout8.xml><?xml version="1.0" encoding="utf-8"?>
-<p:sldLayout xmlns:a="http://schemas.openxmlformats.org/drawingml/2006/main" xmlns:r="http://schemas.openxmlformats.org/officeDocument/2006/relationships" xmlns:mc="http://schemas.openxmlformats.org/markup-compatibility/2006" xmlns:mv="urn:schemas-microsoft-com:mac:vml" xmlns:p="http://schemas.openxmlformats.org/presentationml/2006/main" xmlns:c="http://schemas.openxmlformats.org/drawingml/2006/chart" xmlns:dgm="http://schemas.openxmlformats.org/drawingml/2006/diagram" xmlns:o="urn:schemas-microsoft-com:office:office" xmlns:v="urn:schemas-microsoft-com:vml" xmlns:pvml="urn:schemas-microsoft-com:office:powerpoint" xmlns:com="http://schemas.openxmlformats.org/drawingml/2006/compatibility" xmlns:p14="http://schemas.microsoft.com/office/powerpoint/2010/main">
+<p:sldLayout xmlns:a="http://schemas.openxmlformats.org/drawingml/2006/main" xmlns:r="http://schemas.openxmlformats.org/officeDocument/2006/relationships" xmlns:p="http://schemas.openxmlformats.org/presentationml/2006/main">
   <p:cSld name="Section title and description">
     <p:spTree>
       <p:nvGrpSpPr>
@@ -2861,7 +2891,7 @@
           </a:ln>
         </p:spPr>
         <p:txBody>
-          <a:bodyPr anchorCtr="0" anchor="ctr" bIns="91425" lIns="91425" rIns="91425" tIns="91425">
+          <a:bodyPr lIns="91425" tIns="91425" rIns="91425" bIns="91425" anchor="ctr" anchorCtr="0">
             <a:noAutofit/>
           </a:bodyPr>
           <a:lstStyle/>
@@ -2872,10 +2902,6 @@
               </a:spcBef>
               <a:buNone/>
             </a:pPr>
-            <a:r>
-              <a:t/>
-            </a:r>
-            <a:endParaRPr/>
           </a:p>
         </p:txBody>
       </p:sp>
@@ -2897,7 +2923,7 @@
           </a:prstGeom>
         </p:spPr>
         <p:txBody>
-          <a:bodyPr anchorCtr="0" anchor="b" bIns="91425" lIns="91425" rIns="91425" tIns="91425"/>
+          <a:bodyPr lIns="91425" tIns="91425" rIns="91425" bIns="91425" anchor="b" anchorCtr="0"/>
           <a:lstStyle>
             <a:lvl1pPr lvl="0" algn="ctr">
               <a:spcBef>
@@ -2971,7 +2997,7 @@
           <p:cNvPr id="38" name="Shape 38"/>
           <p:cNvSpPr txBox="1"/>
           <p:nvPr>
-            <p:ph idx="1" type="subTitle"/>
+            <p:ph type="subTitle" idx="1"/>
           </p:nvPr>
         </p:nvSpPr>
         <p:spPr>
@@ -2984,7 +3010,7 @@
           </a:prstGeom>
         </p:spPr>
         <p:txBody>
-          <a:bodyPr anchorCtr="0" anchor="t" bIns="91425" lIns="91425" rIns="91425" tIns="91425"/>
+          <a:bodyPr lIns="91425" tIns="91425" rIns="91425" bIns="91425" anchor="t" anchorCtr="0"/>
           <a:lstStyle>
             <a:lvl1pPr lvl="0" algn="ctr">
               <a:lnSpc>
@@ -3121,7 +3147,7 @@
           <p:cNvPr id="39" name="Shape 39"/>
           <p:cNvSpPr txBox="1"/>
           <p:nvPr>
-            <p:ph idx="2" type="body"/>
+            <p:ph type="body" idx="2"/>
           </p:nvPr>
         </p:nvSpPr>
         <p:spPr>
@@ -3134,7 +3160,7 @@
           </a:prstGeom>
         </p:spPr>
         <p:txBody>
-          <a:bodyPr anchorCtr="0" anchor="ctr" bIns="91425" lIns="91425" rIns="91425" tIns="91425"/>
+          <a:bodyPr lIns="91425" tIns="91425" rIns="91425" bIns="91425" anchor="ctr" anchorCtr="0"/>
           <a:lstStyle>
             <a:lvl1pPr lvl="0">
               <a:spcBef>
@@ -3199,7 +3225,7 @@
           <p:cNvPr id="40" name="Shape 40"/>
           <p:cNvSpPr txBox="1"/>
           <p:nvPr>
-            <p:ph idx="12" type="sldNum"/>
+            <p:ph type="sldNum" idx="12"/>
           </p:nvPr>
         </p:nvSpPr>
         <p:spPr>
@@ -3212,7 +3238,7 @@
           </a:prstGeom>
         </p:spPr>
         <p:txBody>
-          <a:bodyPr anchorCtr="0" anchor="ctr" bIns="91425" lIns="91425" rIns="91425" tIns="91425">
+          <a:bodyPr lIns="91425" tIns="91425" rIns="91425" bIns="91425" anchor="ctr" anchorCtr="0">
             <a:noAutofit/>
           </a:bodyPr>
           <a:lstStyle/>
@@ -3225,8 +3251,8 @@
             </a:pPr>
             <a:fld id="{00000000-1234-1234-1234-123412341234}" type="slidenum">
               <a:rPr lang="en-GB"/>
-              <a:t>‹#›</a:t>
             </a:fld>
+            <a:endParaRPr lang="en-GB"/>
           </a:p>
         </p:txBody>
       </p:sp>
@@ -3239,7 +3265,7 @@
 </file>
 
 <file path=ppt/slideLayouts/slideLayout9.xml><?xml version="1.0" encoding="utf-8"?>
-<p:sldLayout xmlns:a="http://schemas.openxmlformats.org/drawingml/2006/main" xmlns:r="http://schemas.openxmlformats.org/officeDocument/2006/relationships" xmlns:mc="http://schemas.openxmlformats.org/markup-compatibility/2006" xmlns:mv="urn:schemas-microsoft-com:mac:vml" xmlns:p="http://schemas.openxmlformats.org/presentationml/2006/main" xmlns:c="http://schemas.openxmlformats.org/drawingml/2006/chart" xmlns:dgm="http://schemas.openxmlformats.org/drawingml/2006/diagram" xmlns:o="urn:schemas-microsoft-com:office:office" xmlns:v="urn:schemas-microsoft-com:vml" xmlns:pvml="urn:schemas-microsoft-com:office:powerpoint" xmlns:com="http://schemas.openxmlformats.org/drawingml/2006/compatibility" xmlns:p14="http://schemas.microsoft.com/office/powerpoint/2010/main">
+<p:sldLayout xmlns:a="http://schemas.openxmlformats.org/drawingml/2006/main" xmlns:r="http://schemas.openxmlformats.org/officeDocument/2006/relationships" xmlns:p="http://schemas.openxmlformats.org/presentationml/2006/main">
   <p:cSld name="Caption">
     <p:spTree>
       <p:nvGrpSpPr>
@@ -3260,7 +3286,7 @@
           <p:cNvPr id="42" name="Shape 42"/>
           <p:cNvSpPr txBox="1"/>
           <p:nvPr>
-            <p:ph idx="1" type="body"/>
+            <p:ph type="body" idx="1"/>
           </p:nvPr>
         </p:nvSpPr>
         <p:spPr>
@@ -3273,7 +3299,7 @@
           </a:prstGeom>
         </p:spPr>
         <p:txBody>
-          <a:bodyPr anchorCtr="0" anchor="ctr" bIns="91425" lIns="91425" rIns="91425" tIns="91425"/>
+          <a:bodyPr lIns="91425" tIns="91425" rIns="91425" bIns="91425" anchor="ctr" anchorCtr="0"/>
           <a:lstStyle>
             <a:lvl1pPr lvl="0">
               <a:lnSpc>
@@ -3297,7 +3323,7 @@
           <p:cNvPr id="43" name="Shape 43"/>
           <p:cNvSpPr txBox="1"/>
           <p:nvPr>
-            <p:ph idx="12" type="sldNum"/>
+            <p:ph type="sldNum" idx="12"/>
           </p:nvPr>
         </p:nvSpPr>
         <p:spPr>
@@ -3310,7 +3336,7 @@
           </a:prstGeom>
         </p:spPr>
         <p:txBody>
-          <a:bodyPr anchorCtr="0" anchor="ctr" bIns="91425" lIns="91425" rIns="91425" tIns="91425">
+          <a:bodyPr lIns="91425" tIns="91425" rIns="91425" bIns="91425" anchor="ctr" anchorCtr="0">
             <a:noAutofit/>
           </a:bodyPr>
           <a:lstStyle/>
@@ -3323,8 +3349,8 @@
             </a:pPr>
             <a:fld id="{00000000-1234-1234-1234-123412341234}" type="slidenum">
               <a:rPr lang="en-GB"/>
-              <a:t>‹#›</a:t>
             </a:fld>
+            <a:endParaRPr lang="en-GB"/>
           </a:p>
         </p:txBody>
       </p:sp>
@@ -3337,13 +3363,14 @@
 </file>
 
 <file path=ppt/slideMasters/slideMaster1.xml><?xml version="1.0" encoding="utf-8"?>
-<p:sldMaster xmlns:a="http://schemas.openxmlformats.org/drawingml/2006/main" xmlns:r="http://schemas.openxmlformats.org/officeDocument/2006/relationships" xmlns:mc="http://schemas.openxmlformats.org/markup-compatibility/2006" xmlns:mv="urn:schemas-microsoft-com:mac:vml" xmlns:p="http://schemas.openxmlformats.org/presentationml/2006/main" xmlns:c="http://schemas.openxmlformats.org/drawingml/2006/chart" xmlns:dgm="http://schemas.openxmlformats.org/drawingml/2006/diagram" xmlns:o="urn:schemas-microsoft-com:office:office" xmlns:v="urn:schemas-microsoft-com:vml" xmlns:pvml="urn:schemas-microsoft-com:office:powerpoint" xmlns:com="http://schemas.openxmlformats.org/drawingml/2006/compatibility" xmlns:p14="http://schemas.microsoft.com/office/powerpoint/2010/main">
+<p:sldMaster xmlns:a="http://schemas.openxmlformats.org/drawingml/2006/main" xmlns:r="http://schemas.openxmlformats.org/officeDocument/2006/relationships" xmlns:p="http://schemas.openxmlformats.org/presentationml/2006/main">
   <p:cSld>
     <p:bg>
       <p:bgPr>
         <a:solidFill>
           <a:schemeClr val="lt1"/>
         </a:solidFill>
+        <a:effectLst/>
       </p:bgPr>
     </p:bg>
     <p:spTree>
@@ -3382,7 +3409,7 @@
           </a:ln>
         </p:spPr>
         <p:txBody>
-          <a:bodyPr anchorCtr="0" anchor="t" bIns="91425" lIns="91425" rIns="91425" tIns="91425"/>
+          <a:bodyPr lIns="91425" tIns="91425" rIns="91425" bIns="91425" anchor="t" anchorCtr="0"/>
           <a:lstStyle>
             <a:lvl1pPr lvl="0">
               <a:spcBef>
@@ -3528,7 +3555,7 @@
           <p:cNvPr id="7" name="Shape 7"/>
           <p:cNvSpPr txBox="1"/>
           <p:nvPr>
-            <p:ph idx="1" type="body"/>
+            <p:ph type="body" idx="1"/>
           </p:nvPr>
         </p:nvSpPr>
         <p:spPr>
@@ -3545,7 +3572,7 @@
           </a:ln>
         </p:spPr>
         <p:txBody>
-          <a:bodyPr anchorCtr="0" anchor="t" bIns="91425" lIns="91425" rIns="91425" tIns="91425"/>
+          <a:bodyPr lIns="91425" tIns="91425" rIns="91425" bIns="91425" anchor="t" anchorCtr="0"/>
           <a:lstStyle>
             <a:lvl1pPr lvl="0">
               <a:lnSpc>
@@ -3728,7 +3755,7 @@
           <p:cNvPr id="8" name="Shape 8"/>
           <p:cNvSpPr txBox="1"/>
           <p:nvPr>
-            <p:ph idx="12" type="sldNum"/>
+            <p:ph type="sldNum" idx="12"/>
           </p:nvPr>
         </p:nvSpPr>
         <p:spPr>
@@ -3745,7 +3772,7 @@
           </a:ln>
         </p:spPr>
         <p:txBody>
-          <a:bodyPr anchorCtr="0" anchor="ctr" bIns="91425" lIns="91425" rIns="91425" tIns="91425">
+          <a:bodyPr lIns="91425" tIns="91425" rIns="91425" bIns="91425" anchor="ctr" anchorCtr="0">
             <a:noAutofit/>
           </a:bodyPr>
           <a:lstStyle/>
@@ -3762,31 +3789,35 @@
                   <a:schemeClr val="dk2"/>
                 </a:solidFill>
               </a:rPr>
-              <a:t>‹#›</a:t>
             </a:fld>
+            <a:endParaRPr lang="en-GB" sz="1000">
+              <a:solidFill>
+                <a:schemeClr val="dk2"/>
+              </a:solidFill>
+            </a:endParaRPr>
           </a:p>
         </p:txBody>
       </p:sp>
     </p:spTree>
   </p:cSld>
-  <p:clrMap accent1="accent1" accent2="accent2" accent3="accent3" accent4="accent4" accent5="accent5" accent6="accent6" bg1="lt1" bg2="dk2" tx1="dk1" tx2="lt2" folHlink="folHlink" hlink="hlink"/>
+  <p:clrMap bg1="lt1" tx1="dk1" bg2="dk2" tx2="lt2" accent1="accent1" accent2="accent2" accent3="accent3" accent4="accent4" accent5="accent5" accent6="accent6" hlink="hlink" folHlink="folHlink"/>
   <p:sldLayoutIdLst>
-    <p:sldLayoutId id="2147483648" r:id="rId1"/>
-    <p:sldLayoutId id="2147483649" r:id="rId2"/>
-    <p:sldLayoutId id="2147483650" r:id="rId3"/>
-    <p:sldLayoutId id="2147483651" r:id="rId4"/>
-    <p:sldLayoutId id="2147483652" r:id="rId5"/>
-    <p:sldLayoutId id="2147483653" r:id="rId6"/>
-    <p:sldLayoutId id="2147483654" r:id="rId7"/>
-    <p:sldLayoutId id="2147483655" r:id="rId8"/>
-    <p:sldLayoutId id="2147483656" r:id="rId9"/>
-    <p:sldLayoutId id="2147483657" r:id="rId10"/>
-    <p:sldLayoutId id="2147483658" r:id="rId11"/>
+    <p:sldLayoutId id="2147483649" r:id="rId1"/>
+    <p:sldLayoutId id="2147483650" r:id="rId2"/>
+    <p:sldLayoutId id="2147483651" r:id="rId3"/>
+    <p:sldLayoutId id="2147483652" r:id="rId4"/>
+    <p:sldLayoutId id="2147483653" r:id="rId5"/>
+    <p:sldLayoutId id="2147483654" r:id="rId6"/>
+    <p:sldLayoutId id="2147483655" r:id="rId7"/>
+    <p:sldLayoutId id="2147483656" r:id="rId8"/>
+    <p:sldLayoutId id="2147483657" r:id="rId9"/>
+    <p:sldLayoutId id="2147483658" r:id="rId10"/>
+    <p:sldLayoutId id="2147483659" r:id="rId11"/>
   </p:sldLayoutIdLst>
-  <p:hf dt="0" ftr="0" hdr="0" sldNum="0"/>
+  <p:hf sldNum="0" hdr="0" ftr="0" dt="0"/>
   <p:txStyles>
     <p:titleStyle>
-      <a:defPPr lvl="0" marR="0" rtl="0" algn="l">
+      <a:defPPr marR="0" lvl="0" algn="l" rtl="0">
         <a:lnSpc>
           <a:spcPct val="100000"/>
         </a:lnSpc>
@@ -3797,7 +3828,7 @@
           <a:spcPts val="0"/>
         </a:spcAft>
       </a:defPPr>
-      <a:lvl1pPr lvl="0" marR="0" rtl="0" algn="l">
+      <a:lvl1pPr marR="0" lvl="0" algn="l" rtl="0">
         <a:lnSpc>
           <a:spcPct val="100000"/>
         </a:lnSpc>
@@ -3808,7 +3839,7 @@
           <a:spcPts val="0"/>
         </a:spcAft>
         <a:buNone/>
-        <a:defRPr b="0" i="0" sz="1400" u="none" cap="none" strike="noStrike">
+        <a:defRPr sz="1400" b="0" i="0" u="none" strike="noStrike" cap="none">
           <a:solidFill>
             <a:srgbClr val="000000"/>
           </a:solidFill>
@@ -3820,7 +3851,7 @@
       </a:lvl1pPr>
     </p:titleStyle>
     <p:bodyStyle>
-      <a:defPPr lvl="0" marR="0" rtl="0" algn="l">
+      <a:defPPr marR="0" lvl="0" algn="l" rtl="0">
         <a:lnSpc>
           <a:spcPct val="100000"/>
         </a:lnSpc>
@@ -3831,7 +3862,7 @@
           <a:spcPts val="0"/>
         </a:spcAft>
       </a:defPPr>
-      <a:lvl1pPr lvl="0" marR="0" rtl="0" algn="l">
+      <a:lvl1pPr marR="0" lvl="0" algn="l" rtl="0">
         <a:lnSpc>
           <a:spcPct val="100000"/>
         </a:lnSpc>
@@ -3842,7 +3873,7 @@
           <a:spcPts val="0"/>
         </a:spcAft>
         <a:buNone/>
-        <a:defRPr b="0" i="0" sz="1400" u="none" cap="none" strike="noStrike">
+        <a:defRPr sz="1400" b="0" i="0" u="none" strike="noStrike" cap="none">
           <a:solidFill>
             <a:srgbClr val="000000"/>
           </a:solidFill>
@@ -3852,7 +3883,7 @@
           <a:sym typeface="Arial"/>
         </a:defRPr>
       </a:lvl1pPr>
-      <a:lvl2pPr lvl="1" marR="0" rtl="0" algn="l">
+      <a:lvl2pPr marR="0" lvl="1" algn="l" rtl="0">
         <a:lnSpc>
           <a:spcPct val="100000"/>
         </a:lnSpc>
@@ -3863,7 +3894,7 @@
           <a:spcPts val="0"/>
         </a:spcAft>
         <a:buNone/>
-        <a:defRPr b="0" i="0" sz="1400" u="none" cap="none" strike="noStrike">
+        <a:defRPr sz="1400" b="0" i="0" u="none" strike="noStrike" cap="none">
           <a:solidFill>
             <a:srgbClr val="000000"/>
           </a:solidFill>
@@ -3873,7 +3904,7 @@
           <a:sym typeface="Arial"/>
         </a:defRPr>
       </a:lvl2pPr>
-      <a:lvl3pPr lvl="2" marR="0" rtl="0" algn="l">
+      <a:lvl3pPr marR="0" lvl="2" algn="l" rtl="0">
         <a:lnSpc>
           <a:spcPct val="100000"/>
         </a:lnSpc>
@@ -3884,7 +3915,7 @@
           <a:spcPts val="0"/>
         </a:spcAft>
         <a:buNone/>
-        <a:defRPr b="0" i="0" sz="1400" u="none" cap="none" strike="noStrike">
+        <a:defRPr sz="1400" b="0" i="0" u="none" strike="noStrike" cap="none">
           <a:solidFill>
             <a:srgbClr val="000000"/>
           </a:solidFill>
@@ -3894,7 +3925,7 @@
           <a:sym typeface="Arial"/>
         </a:defRPr>
       </a:lvl3pPr>
-      <a:lvl4pPr lvl="3" marR="0" rtl="0" algn="l">
+      <a:lvl4pPr marR="0" lvl="3" algn="l" rtl="0">
         <a:lnSpc>
           <a:spcPct val="100000"/>
         </a:lnSpc>
@@ -3905,7 +3936,7 @@
           <a:spcPts val="0"/>
         </a:spcAft>
         <a:buNone/>
-        <a:defRPr b="0" i="0" sz="1400" u="none" cap="none" strike="noStrike">
+        <a:defRPr sz="1400" b="0" i="0" u="none" strike="noStrike" cap="none">
           <a:solidFill>
             <a:srgbClr val="000000"/>
           </a:solidFill>
@@ -3915,7 +3946,7 @@
           <a:sym typeface="Arial"/>
         </a:defRPr>
       </a:lvl4pPr>
-      <a:lvl5pPr lvl="4" marR="0" rtl="0" algn="l">
+      <a:lvl5pPr marR="0" lvl="4" algn="l" rtl="0">
         <a:lnSpc>
           <a:spcPct val="100000"/>
         </a:lnSpc>
@@ -3926,7 +3957,7 @@
           <a:spcPts val="0"/>
         </a:spcAft>
         <a:buNone/>
-        <a:defRPr b="0" i="0" sz="1400" u="none" cap="none" strike="noStrike">
+        <a:defRPr sz="1400" b="0" i="0" u="none" strike="noStrike" cap="none">
           <a:solidFill>
             <a:srgbClr val="000000"/>
           </a:solidFill>
@@ -3936,7 +3967,7 @@
           <a:sym typeface="Arial"/>
         </a:defRPr>
       </a:lvl5pPr>
-      <a:lvl6pPr lvl="5" marR="0" rtl="0" algn="l">
+      <a:lvl6pPr marR="0" lvl="5" algn="l" rtl="0">
         <a:lnSpc>
           <a:spcPct val="100000"/>
         </a:lnSpc>
@@ -3947,7 +3978,7 @@
           <a:spcPts val="0"/>
         </a:spcAft>
         <a:buNone/>
-        <a:defRPr b="0" i="0" sz="1400" u="none" cap="none" strike="noStrike">
+        <a:defRPr sz="1400" b="0" i="0" u="none" strike="noStrike" cap="none">
           <a:solidFill>
             <a:srgbClr val="000000"/>
           </a:solidFill>
@@ -3957,7 +3988,7 @@
           <a:sym typeface="Arial"/>
         </a:defRPr>
       </a:lvl6pPr>
-      <a:lvl7pPr lvl="6" marR="0" rtl="0" algn="l">
+      <a:lvl7pPr marR="0" lvl="6" algn="l" rtl="0">
         <a:lnSpc>
           <a:spcPct val="100000"/>
         </a:lnSpc>
@@ -3968,7 +3999,7 @@
           <a:spcPts val="0"/>
         </a:spcAft>
         <a:buNone/>
-        <a:defRPr b="0" i="0" sz="1400" u="none" cap="none" strike="noStrike">
+        <a:defRPr sz="1400" b="0" i="0" u="none" strike="noStrike" cap="none">
           <a:solidFill>
             <a:srgbClr val="000000"/>
           </a:solidFill>
@@ -3978,7 +4009,7 @@
           <a:sym typeface="Arial"/>
         </a:defRPr>
       </a:lvl7pPr>
-      <a:lvl8pPr lvl="7" marR="0" rtl="0" algn="l">
+      <a:lvl8pPr marR="0" lvl="7" algn="l" rtl="0">
         <a:lnSpc>
           <a:spcPct val="100000"/>
         </a:lnSpc>
@@ -3989,7 +4020,7 @@
           <a:spcPts val="0"/>
         </a:spcAft>
         <a:buNone/>
-        <a:defRPr b="0" i="0" sz="1400" u="none" cap="none" strike="noStrike">
+        <a:defRPr sz="1400" b="0" i="0" u="none" strike="noStrike" cap="none">
           <a:solidFill>
             <a:srgbClr val="000000"/>
           </a:solidFill>
@@ -3999,7 +4030,7 @@
           <a:sym typeface="Arial"/>
         </a:defRPr>
       </a:lvl8pPr>
-      <a:lvl9pPr lvl="8" marR="0" rtl="0" algn="l">
+      <a:lvl9pPr marR="0" lvl="8" algn="l" rtl="0">
         <a:lnSpc>
           <a:spcPct val="100000"/>
         </a:lnSpc>
@@ -4010,7 +4041,7 @@
           <a:spcPts val="0"/>
         </a:spcAft>
         <a:buNone/>
-        <a:defRPr b="0" i="0" sz="1400" u="none" cap="none" strike="noStrike">
+        <a:defRPr sz="1400" b="0" i="0" u="none" strike="noStrike" cap="none">
           <a:solidFill>
             <a:srgbClr val="000000"/>
           </a:solidFill>
@@ -4022,7 +4053,7 @@
       </a:lvl9pPr>
     </p:bodyStyle>
     <p:otherStyle>
-      <a:defPPr lvl="0" marR="0" rtl="0" algn="l">
+      <a:defPPr marR="0" lvl="0" algn="l" rtl="0">
         <a:lnSpc>
           <a:spcPct val="100000"/>
         </a:lnSpc>
@@ -4033,7 +4064,7 @@
           <a:spcPts val="0"/>
         </a:spcAft>
       </a:defPPr>
-      <a:lvl1pPr lvl="0" marR="0" rtl="0" algn="l">
+      <a:lvl1pPr marR="0" lvl="0" algn="l" rtl="0">
         <a:lnSpc>
           <a:spcPct val="100000"/>
         </a:lnSpc>
@@ -4044,7 +4075,7 @@
           <a:spcPts val="0"/>
         </a:spcAft>
         <a:buNone/>
-        <a:defRPr b="0" i="0" sz="1400" u="none" cap="none" strike="noStrike">
+        <a:defRPr sz="1400" b="0" i="0" u="none" strike="noStrike" cap="none">
           <a:solidFill>
             <a:srgbClr val="000000"/>
           </a:solidFill>
@@ -4054,7 +4085,7 @@
           <a:sym typeface="Arial"/>
         </a:defRPr>
       </a:lvl1pPr>
-      <a:lvl2pPr lvl="1" marR="0" rtl="0" algn="l">
+      <a:lvl2pPr marR="0" lvl="1" algn="l" rtl="0">
         <a:lnSpc>
           <a:spcPct val="100000"/>
         </a:lnSpc>
@@ -4065,7 +4096,7 @@
           <a:spcPts val="0"/>
         </a:spcAft>
         <a:buNone/>
-        <a:defRPr b="0" i="0" sz="1400" u="none" cap="none" strike="noStrike">
+        <a:defRPr sz="1400" b="0" i="0" u="none" strike="noStrike" cap="none">
           <a:solidFill>
             <a:srgbClr val="000000"/>
           </a:solidFill>
@@ -4075,7 +4106,7 @@
           <a:sym typeface="Arial"/>
         </a:defRPr>
       </a:lvl2pPr>
-      <a:lvl3pPr lvl="2" marR="0" rtl="0" algn="l">
+      <a:lvl3pPr marR="0" lvl="2" algn="l" rtl="0">
         <a:lnSpc>
           <a:spcPct val="100000"/>
         </a:lnSpc>
@@ -4086,7 +4117,7 @@
           <a:spcPts val="0"/>
         </a:spcAft>
         <a:buNone/>
-        <a:defRPr b="0" i="0" sz="1400" u="none" cap="none" strike="noStrike">
+        <a:defRPr sz="1400" b="0" i="0" u="none" strike="noStrike" cap="none">
           <a:solidFill>
             <a:srgbClr val="000000"/>
           </a:solidFill>
@@ -4096,7 +4127,7 @@
           <a:sym typeface="Arial"/>
         </a:defRPr>
       </a:lvl3pPr>
-      <a:lvl4pPr lvl="3" marR="0" rtl="0" algn="l">
+      <a:lvl4pPr marR="0" lvl="3" algn="l" rtl="0">
         <a:lnSpc>
           <a:spcPct val="100000"/>
         </a:lnSpc>
@@ -4107,7 +4138,7 @@
           <a:spcPts val="0"/>
         </a:spcAft>
         <a:buNone/>
-        <a:defRPr b="0" i="0" sz="1400" u="none" cap="none" strike="noStrike">
+        <a:defRPr sz="1400" b="0" i="0" u="none" strike="noStrike" cap="none">
           <a:solidFill>
             <a:srgbClr val="000000"/>
           </a:solidFill>
@@ -4117,7 +4148,7 @@
           <a:sym typeface="Arial"/>
         </a:defRPr>
       </a:lvl4pPr>
-      <a:lvl5pPr lvl="4" marR="0" rtl="0" algn="l">
+      <a:lvl5pPr marR="0" lvl="4" algn="l" rtl="0">
         <a:lnSpc>
           <a:spcPct val="100000"/>
         </a:lnSpc>
@@ -4128,7 +4159,7 @@
           <a:spcPts val="0"/>
         </a:spcAft>
         <a:buNone/>
-        <a:defRPr b="0" i="0" sz="1400" u="none" cap="none" strike="noStrike">
+        <a:defRPr sz="1400" b="0" i="0" u="none" strike="noStrike" cap="none">
           <a:solidFill>
             <a:srgbClr val="000000"/>
           </a:solidFill>
@@ -4138,7 +4169,7 @@
           <a:sym typeface="Arial"/>
         </a:defRPr>
       </a:lvl5pPr>
-      <a:lvl6pPr lvl="5" marR="0" rtl="0" algn="l">
+      <a:lvl6pPr marR="0" lvl="5" algn="l" rtl="0">
         <a:lnSpc>
           <a:spcPct val="100000"/>
         </a:lnSpc>
@@ -4149,7 +4180,7 @@
           <a:spcPts val="0"/>
         </a:spcAft>
         <a:buNone/>
-        <a:defRPr b="0" i="0" sz="1400" u="none" cap="none" strike="noStrike">
+        <a:defRPr sz="1400" b="0" i="0" u="none" strike="noStrike" cap="none">
           <a:solidFill>
             <a:srgbClr val="000000"/>
           </a:solidFill>
@@ -4159,7 +4190,7 @@
           <a:sym typeface="Arial"/>
         </a:defRPr>
       </a:lvl6pPr>
-      <a:lvl7pPr lvl="6" marR="0" rtl="0" algn="l">
+      <a:lvl7pPr marR="0" lvl="6" algn="l" rtl="0">
         <a:lnSpc>
           <a:spcPct val="100000"/>
         </a:lnSpc>
@@ -4170,7 +4201,7 @@
           <a:spcPts val="0"/>
         </a:spcAft>
         <a:buNone/>
-        <a:defRPr b="0" i="0" sz="1400" u="none" cap="none" strike="noStrike">
+        <a:defRPr sz="1400" b="0" i="0" u="none" strike="noStrike" cap="none">
           <a:solidFill>
             <a:srgbClr val="000000"/>
           </a:solidFill>
@@ -4180,7 +4211,7 @@
           <a:sym typeface="Arial"/>
         </a:defRPr>
       </a:lvl7pPr>
-      <a:lvl8pPr lvl="7" marR="0" rtl="0" algn="l">
+      <a:lvl8pPr marR="0" lvl="7" algn="l" rtl="0">
         <a:lnSpc>
           <a:spcPct val="100000"/>
         </a:lnSpc>
@@ -4191,7 +4222,7 @@
           <a:spcPts val="0"/>
         </a:spcAft>
         <a:buNone/>
-        <a:defRPr b="0" i="0" sz="1400" u="none" cap="none" strike="noStrike">
+        <a:defRPr sz="1400" b="0" i="0" u="none" strike="noStrike" cap="none">
           <a:solidFill>
             <a:srgbClr val="000000"/>
           </a:solidFill>
@@ -4201,7 +4232,7 @@
           <a:sym typeface="Arial"/>
         </a:defRPr>
       </a:lvl8pPr>
-      <a:lvl9pPr lvl="8" marR="0" rtl="0" algn="l">
+      <a:lvl9pPr marR="0" lvl="8" algn="l" rtl="0">
         <a:lnSpc>
           <a:spcPct val="100000"/>
         </a:lnSpc>
@@ -4212,7 +4243,7 @@
           <a:spcPts val="0"/>
         </a:spcAft>
         <a:buNone/>
-        <a:defRPr b="0" i="0" sz="1400" u="none" cap="none" strike="noStrike">
+        <a:defRPr sz="1400" b="0" i="0" u="none" strike="noStrike" cap="none">
           <a:solidFill>
             <a:srgbClr val="000000"/>
           </a:solidFill>
@@ -4228,7 +4259,7 @@
 </file>
 
 <file path=ppt/slides/slide1.xml><?xml version="1.0" encoding="utf-8"?>
-<p:sld xmlns:a="http://schemas.openxmlformats.org/drawingml/2006/main" xmlns:r="http://schemas.openxmlformats.org/officeDocument/2006/relationships" xmlns:mc="http://schemas.openxmlformats.org/markup-compatibility/2006" xmlns:mv="urn:schemas-microsoft-com:mac:vml" xmlns:p="http://schemas.openxmlformats.org/presentationml/2006/main" xmlns:c="http://schemas.openxmlformats.org/drawingml/2006/chart" xmlns:dgm="http://schemas.openxmlformats.org/drawingml/2006/diagram" xmlns:o="urn:schemas-microsoft-com:office:office" xmlns:v="urn:schemas-microsoft-com:vml" xmlns:pvml="urn:schemas-microsoft-com:office:powerpoint" xmlns:com="http://schemas.openxmlformats.org/drawingml/2006/compatibility" xmlns:p14="http://schemas.microsoft.com/office/powerpoint/2010/main">
+<p:sld xmlns:a="http://schemas.openxmlformats.org/drawingml/2006/main" xmlns:r="http://schemas.openxmlformats.org/officeDocument/2006/relationships" xmlns:p="http://schemas.openxmlformats.org/presentationml/2006/main">
   <p:cSld>
     <p:spTree>
       <p:nvGrpSpPr>
@@ -4262,7 +4293,7 @@
           </a:prstGeom>
         </p:spPr>
         <p:txBody>
-          <a:bodyPr anchorCtr="0" anchor="b" bIns="91425" lIns="91425" rIns="91425" tIns="91425">
+          <a:bodyPr lIns="91425" tIns="91425" rIns="91425" bIns="91425" anchor="b" anchorCtr="0">
             <a:noAutofit/>
           </a:bodyPr>
           <a:lstStyle/>
@@ -4274,13 +4305,22 @@
               <a:buNone/>
             </a:pPr>
             <a:r>
-              <a:rPr lang="en-GB" sz="3000">
+              <a:rPr lang="en-GB" sz="3000" b="1">
                 <a:solidFill>
                   <a:srgbClr val="C9394A"/>
                 </a:solidFill>
+                <a:latin typeface="微软雅黑" charset="0"/>
+                <a:ea typeface="微软雅黑" charset="0"/>
               </a:rPr>
               <a:t>定义类的方法</a:t>
             </a:r>
+            <a:endParaRPr lang="en-GB" sz="3000" b="1">
+              <a:solidFill>
+                <a:srgbClr val="C9394A"/>
+              </a:solidFill>
+              <a:latin typeface="微软雅黑" charset="0"/>
+              <a:ea typeface="微软雅黑" charset="0"/>
+            </a:endParaRPr>
           </a:p>
         </p:txBody>
       </p:sp>
@@ -4289,7 +4329,7 @@
           <p:cNvPr id="55" name="Shape 55"/>
           <p:cNvSpPr txBox="1"/>
           <p:nvPr>
-            <p:ph idx="1" type="subTitle"/>
+            <p:ph type="subTitle" idx="1"/>
           </p:nvPr>
         </p:nvSpPr>
         <p:spPr>
@@ -4302,7 +4342,7 @@
           </a:prstGeom>
         </p:spPr>
         <p:txBody>
-          <a:bodyPr anchorCtr="0" anchor="t" bIns="91425" lIns="91425" rIns="91425" tIns="91425">
+          <a:bodyPr lIns="91425" tIns="91425" rIns="91425" bIns="91425" anchor="t" anchorCtr="0">
             <a:noAutofit/>
           </a:bodyPr>
           <a:lstStyle/>
@@ -4313,10 +4353,6 @@
               </a:spcBef>
               <a:buNone/>
             </a:pPr>
-            <a:r>
-              <a:t/>
-            </a:r>
-            <a:endParaRPr/>
           </a:p>
         </p:txBody>
       </p:sp>
@@ -4329,7 +4365,7 @@
 </file>
 
 <file path=ppt/slides/slide2.xml><?xml version="1.0" encoding="utf-8"?>
-<p:sld xmlns:a="http://schemas.openxmlformats.org/drawingml/2006/main" xmlns:r="http://schemas.openxmlformats.org/officeDocument/2006/relationships" xmlns:mc="http://schemas.openxmlformats.org/markup-compatibility/2006" xmlns:mv="urn:schemas-microsoft-com:mac:vml" xmlns:p="http://schemas.openxmlformats.org/presentationml/2006/main" xmlns:c="http://schemas.openxmlformats.org/drawingml/2006/chart" xmlns:dgm="http://schemas.openxmlformats.org/drawingml/2006/diagram" xmlns:o="urn:schemas-microsoft-com:office:office" xmlns:v="urn:schemas-microsoft-com:vml" xmlns:pvml="urn:schemas-microsoft-com:office:powerpoint" xmlns:com="http://schemas.openxmlformats.org/drawingml/2006/compatibility" xmlns:p14="http://schemas.microsoft.com/office/powerpoint/2010/main">
+<p:sld xmlns:a="http://schemas.openxmlformats.org/drawingml/2006/main" xmlns:r="http://schemas.openxmlformats.org/officeDocument/2006/relationships" xmlns:p="http://schemas.openxmlformats.org/presentationml/2006/main">
   <p:cSld>
     <p:spTree>
       <p:nvGrpSpPr>
@@ -4363,7 +4399,7 @@
           </a:prstGeom>
         </p:spPr>
         <p:txBody>
-          <a:bodyPr anchorCtr="0" anchor="t" bIns="91425" lIns="91425" rIns="91425" tIns="91425">
+          <a:bodyPr lIns="91425" tIns="91425" rIns="91425" bIns="91425" anchor="t" anchorCtr="0">
             <a:noAutofit/>
           </a:bodyPr>
           <a:lstStyle/>
@@ -4379,9 +4415,18 @@
                 <a:solidFill>
                   <a:srgbClr val="C9394A"/>
                 </a:solidFill>
+                <a:latin typeface="微软雅黑" charset="0"/>
+                <a:ea typeface="微软雅黑" charset="0"/>
               </a:rPr>
               <a:t>函数和方法</a:t>
             </a:r>
+            <a:endParaRPr lang="en-GB" sz="2200">
+              <a:solidFill>
+                <a:srgbClr val="C9394A"/>
+              </a:solidFill>
+              <a:latin typeface="微软雅黑" charset="0"/>
+              <a:ea typeface="微软雅黑" charset="0"/>
+            </a:endParaRPr>
           </a:p>
         </p:txBody>
       </p:sp>
@@ -4390,7 +4435,7 @@
           <p:cNvPr id="61" name="Shape 61"/>
           <p:cNvSpPr txBox="1"/>
           <p:nvPr>
-            <p:ph idx="1" type="body"/>
+            <p:ph type="body" idx="1"/>
           </p:nvPr>
         </p:nvSpPr>
         <p:spPr>
@@ -4403,12 +4448,12 @@
           </a:prstGeom>
         </p:spPr>
         <p:txBody>
-          <a:bodyPr anchorCtr="0" anchor="t" bIns="91425" lIns="91425" rIns="91425" tIns="91425">
+          <a:bodyPr lIns="91425" tIns="91425" rIns="91425" bIns="91425" anchor="t" anchorCtr="0">
             <a:noAutofit/>
           </a:bodyPr>
           <a:lstStyle/>
           <a:p>
-            <a:pPr indent="-323850" lvl="0" marL="457200" rtl="0">
+            <a:pPr marL="457200" lvl="0" indent="-323850" rtl="0">
               <a:spcBef>
                 <a:spcPts val="0"/>
               </a:spcBef>
@@ -4418,9 +4463,10 @@
               <a:rPr lang="en-GB" sz="1500"/>
               <a:t>函数是直接用函数名调用的</a:t>
             </a:r>
+            <a:endParaRPr lang="en-GB" sz="1500"/>
           </a:p>
           <a:p>
-            <a:pPr indent="-323850" lvl="0" marL="457200">
+            <a:pPr marL="457200" lvl="0" indent="-323850">
               <a:spcBef>
                 <a:spcPts val="0"/>
               </a:spcBef>
@@ -4430,6 +4476,7 @@
               <a:rPr lang="en-GB" sz="1500"/>
               <a:t>方法是类的一部分</a:t>
             </a:r>
+            <a:endParaRPr lang="en-GB" sz="1500"/>
           </a:p>
         </p:txBody>
       </p:sp>
@@ -4441,32 +4488,32 @@
   <p:timing>
     <p:tnLst>
       <p:par>
-        <p:cTn dur="indefinite" nodeType="tmRoot" restart="never">
+        <p:cTn id="1" dur="indefinite" restart="never" nodeType="tmRoot">
           <p:childTnLst>
             <p:seq concurrent="1" nextAc="seek">
-              <p:cTn dur="indefinite" id="2" nodeType="mainSeq">
+              <p:cTn id="2" dur="indefinite" nodeType="mainSeq">
                 <p:childTnLst>
                   <p:par>
-                    <p:cTn fill="hold">
+                    <p:cTn id="3" fill="hold">
                       <p:stCondLst>
                         <p:cond delay="indefinite"/>
                       </p:stCondLst>
                       <p:childTnLst>
                         <p:par>
-                          <p:cTn fill="hold">
+                          <p:cTn id="4" fill="hold">
                             <p:stCondLst>
                               <p:cond delay="0"/>
                             </p:stCondLst>
                             <p:childTnLst>
                               <p:par>
-                                <p:cTn fill="hold" nodeType="clickEffect" presetClass="entr" presetID="10" presetSubtype="0">
+                                <p:cTn id="5" presetID="10" presetClass="entr" presetSubtype="0" fill="hold" nodeType="clickEffect">
                                   <p:stCondLst>
                                     <p:cond delay="0"/>
                                   </p:stCondLst>
                                   <p:childTnLst>
                                     <p:set>
                                       <p:cBhvr>
-                                        <p:cTn dur="1" fill="hold">
+                                        <p:cTn id="6" dur="1" fill="hold">
                                           <p:stCondLst>
                                             <p:cond delay="0"/>
                                           </p:stCondLst>
@@ -4482,9 +4529,9 @@
                                         <p:strVal val="visible"/>
                                       </p:to>
                                     </p:set>
-                                    <p:animEffect filter="fade" transition="in">
+                                    <p:animEffect transition="in" filter="fade">
                                       <p:cBhvr>
-                                        <p:cTn dur="1000"/>
+                                        <p:cTn id="7" dur="1000"/>
                                         <p:tgtEl>
                                           <p:spTgt spid="61"/>
                                         </p:tgtEl>
@@ -4525,7 +4572,7 @@
 </file>
 
 <file path=ppt/slides/slide3.xml><?xml version="1.0" encoding="utf-8"?>
-<p:sld xmlns:a="http://schemas.openxmlformats.org/drawingml/2006/main" xmlns:r="http://schemas.openxmlformats.org/officeDocument/2006/relationships" xmlns:mc="http://schemas.openxmlformats.org/markup-compatibility/2006" xmlns:mv="urn:schemas-microsoft-com:mac:vml" xmlns:p="http://schemas.openxmlformats.org/presentationml/2006/main" xmlns:c="http://schemas.openxmlformats.org/drawingml/2006/chart" xmlns:dgm="http://schemas.openxmlformats.org/drawingml/2006/diagram" xmlns:o="urn:schemas-microsoft-com:office:office" xmlns:v="urn:schemas-microsoft-com:vml" xmlns:pvml="urn:schemas-microsoft-com:office:powerpoint" xmlns:com="http://schemas.openxmlformats.org/drawingml/2006/compatibility" xmlns:p14="http://schemas.microsoft.com/office/powerpoint/2010/main">
+<p:sld xmlns:a="http://schemas.openxmlformats.org/drawingml/2006/main" xmlns:r="http://schemas.openxmlformats.org/officeDocument/2006/relationships" xmlns:p="http://schemas.openxmlformats.org/presentationml/2006/main">
   <p:cSld>
     <p:spTree>
       <p:nvGrpSpPr>
@@ -4559,7 +4606,7 @@
           </a:prstGeom>
         </p:spPr>
         <p:txBody>
-          <a:bodyPr anchorCtr="0" anchor="t" bIns="91425" lIns="91425" rIns="91425" tIns="91425">
+          <a:bodyPr lIns="91425" tIns="91425" rIns="91425" bIns="91425" anchor="t" anchorCtr="0">
             <a:noAutofit/>
           </a:bodyPr>
           <a:lstStyle/>
@@ -4575,9 +4622,18 @@
                 <a:solidFill>
                   <a:srgbClr val="C9394A"/>
                 </a:solidFill>
+                <a:latin typeface="微软雅黑" charset="0"/>
+                <a:ea typeface="微软雅黑" charset="0"/>
               </a:rPr>
               <a:t>类的方法也是类的属性</a:t>
             </a:r>
+            <a:endParaRPr lang="en-GB" sz="2200">
+              <a:solidFill>
+                <a:srgbClr val="C9394A"/>
+              </a:solidFill>
+              <a:latin typeface="微软雅黑" charset="0"/>
+              <a:ea typeface="微软雅黑" charset="0"/>
+            </a:endParaRPr>
           </a:p>
         </p:txBody>
       </p:sp>
@@ -4586,7 +4642,7 @@
           <p:cNvPr id="67" name="Shape 67"/>
           <p:cNvSpPr txBox="1"/>
           <p:nvPr>
-            <p:ph idx="1" type="body"/>
+            <p:ph type="body" idx="1"/>
           </p:nvPr>
         </p:nvSpPr>
         <p:spPr>
@@ -4599,7 +4655,7 @@
           </a:prstGeom>
         </p:spPr>
         <p:txBody>
-          <a:bodyPr anchorCtr="0" anchor="t" bIns="91425" lIns="91425" rIns="91425" tIns="91425">
+          <a:bodyPr lIns="91425" tIns="91425" rIns="91425" bIns="91425" anchor="t" anchorCtr="0">
             <a:noAutofit/>
           </a:bodyPr>
           <a:lstStyle/>
@@ -4617,7 +4673,7 @@
               <a:buClr>
                 <a:schemeClr val="dk1"/>
               </a:buClr>
-              <a:buSzPct val="73333"/>
+              <a:buSzPct val="73000"/>
               <a:buFont typeface="Arial"/>
               <a:buNone/>
             </a:pPr>
@@ -5242,6 +5298,18 @@
               </a:rPr>
               <a:t>'123'</a:t>
             </a:r>
+            <a:endParaRPr lang="en-GB" sz="1500">
+              <a:solidFill>
+                <a:srgbClr val="00A33F"/>
+              </a:solidFill>
+              <a:highlight>
+                <a:srgbClr val="FFFFFF"/>
+              </a:highlight>
+              <a:latin typeface="Courier New"/>
+              <a:ea typeface="Courier New"/>
+              <a:cs typeface="Courier New"/>
+              <a:sym typeface="Courier New"/>
+            </a:endParaRPr>
           </a:p>
           <a:p>
             <a:pPr lvl="0" rtl="0">
@@ -5250,9 +5318,6 @@
               </a:spcBef>
               <a:buNone/>
             </a:pPr>
-            <a:r>
-              <a:t/>
-            </a:r>
             <a:endParaRPr sz="1500"/>
           </a:p>
         </p:txBody>
@@ -5265,32 +5330,32 @@
   <p:timing>
     <p:tnLst>
       <p:par>
-        <p:cTn dur="indefinite" nodeType="tmRoot" restart="never">
+        <p:cTn id="1" dur="indefinite" restart="never" nodeType="tmRoot">
           <p:childTnLst>
             <p:seq concurrent="1" nextAc="seek">
-              <p:cTn dur="indefinite" id="2" nodeType="mainSeq">
+              <p:cTn id="2" dur="indefinite" nodeType="mainSeq">
                 <p:childTnLst>
                   <p:par>
-                    <p:cTn fill="hold">
+                    <p:cTn id="3" fill="hold">
                       <p:stCondLst>
                         <p:cond delay="indefinite"/>
                       </p:stCondLst>
                       <p:childTnLst>
                         <p:par>
-                          <p:cTn fill="hold">
+                          <p:cTn id="4" fill="hold">
                             <p:stCondLst>
                               <p:cond delay="0"/>
                             </p:stCondLst>
                             <p:childTnLst>
                               <p:par>
-                                <p:cTn fill="hold" nodeType="clickEffect" presetClass="entr" presetID="10" presetSubtype="0">
+                                <p:cTn id="5" presetID="10" presetClass="entr" presetSubtype="0" fill="hold" nodeType="clickEffect">
                                   <p:stCondLst>
                                     <p:cond delay="0"/>
                                   </p:stCondLst>
                                   <p:childTnLst>
                                     <p:set>
                                       <p:cBhvr>
-                                        <p:cTn dur="1" fill="hold">
+                                        <p:cTn id="6" dur="1" fill="hold">
                                           <p:stCondLst>
                                             <p:cond delay="0"/>
                                           </p:stCondLst>
@@ -5306,9 +5371,9 @@
                                         <p:strVal val="visible"/>
                                       </p:to>
                                     </p:set>
-                                    <p:animEffect filter="fade" transition="in">
+                                    <p:animEffect transition="in" filter="fade">
                                       <p:cBhvr>
-                                        <p:cTn dur="1000"/>
+                                        <p:cTn id="7" dur="1000"/>
                                         <p:tgtEl>
                                           <p:spTgt spid="67"/>
                                         </p:tgtEl>
@@ -5349,7 +5414,7 @@
 </file>
 
 <file path=ppt/slides/slide4.xml><?xml version="1.0" encoding="utf-8"?>
-<p:sld xmlns:a="http://schemas.openxmlformats.org/drawingml/2006/main" xmlns:r="http://schemas.openxmlformats.org/officeDocument/2006/relationships" xmlns:mc="http://schemas.openxmlformats.org/markup-compatibility/2006" xmlns:mv="urn:schemas-microsoft-com:mac:vml" xmlns:p="http://schemas.openxmlformats.org/presentationml/2006/main" xmlns:c="http://schemas.openxmlformats.org/drawingml/2006/chart" xmlns:dgm="http://schemas.openxmlformats.org/drawingml/2006/diagram" xmlns:o="urn:schemas-microsoft-com:office:office" xmlns:v="urn:schemas-microsoft-com:vml" xmlns:pvml="urn:schemas-microsoft-com:office:powerpoint" xmlns:com="http://schemas.openxmlformats.org/drawingml/2006/compatibility" xmlns:p14="http://schemas.microsoft.com/office/powerpoint/2010/main">
+<p:sld xmlns:a="http://schemas.openxmlformats.org/drawingml/2006/main" xmlns:r="http://schemas.openxmlformats.org/officeDocument/2006/relationships" xmlns:p="http://schemas.openxmlformats.org/presentationml/2006/main">
   <p:cSld>
     <p:spTree>
       <p:nvGrpSpPr>
@@ -5383,7 +5448,7 @@
           </a:prstGeom>
         </p:spPr>
         <p:txBody>
-          <a:bodyPr anchorCtr="0" anchor="t" bIns="91425" lIns="91425" rIns="91425" tIns="91425">
+          <a:bodyPr lIns="91425" tIns="91425" rIns="91425" bIns="91425" anchor="t" anchorCtr="0">
             <a:noAutofit/>
           </a:bodyPr>
           <a:lstStyle/>
@@ -5399,9 +5464,18 @@
                 <a:solidFill>
                   <a:srgbClr val="C9394A"/>
                 </a:solidFill>
+                <a:latin typeface="微软雅黑" charset="0"/>
+                <a:ea typeface="微软雅黑" charset="0"/>
               </a:rPr>
               <a:t>方法的访问控制</a:t>
             </a:r>
+            <a:endParaRPr lang="en-GB" sz="2200">
+              <a:solidFill>
+                <a:srgbClr val="C9394A"/>
+              </a:solidFill>
+              <a:latin typeface="微软雅黑" charset="0"/>
+              <a:ea typeface="微软雅黑" charset="0"/>
+            </a:endParaRPr>
           </a:p>
         </p:txBody>
       </p:sp>
@@ -5410,7 +5484,7 @@
           <p:cNvPr id="73" name="Shape 73"/>
           <p:cNvSpPr txBox="1"/>
           <p:nvPr>
-            <p:ph idx="1" type="body"/>
+            <p:ph type="body" idx="1"/>
           </p:nvPr>
         </p:nvSpPr>
         <p:spPr>
@@ -5423,12 +5497,12 @@
           </a:prstGeom>
         </p:spPr>
         <p:txBody>
-          <a:bodyPr anchorCtr="0" anchor="t" bIns="91425" lIns="91425" rIns="91425" tIns="91425">
+          <a:bodyPr lIns="91425" tIns="91425" rIns="91425" bIns="91425" anchor="t" anchorCtr="0">
             <a:noAutofit/>
           </a:bodyPr>
           <a:lstStyle/>
           <a:p>
-            <a:pPr indent="-323850" lvl="0" marL="457200" rtl="0">
+            <a:pPr marL="457200" lvl="0" indent="-323850" rtl="0">
               <a:spcBef>
                 <a:spcPts val="0"/>
               </a:spcBef>
@@ -5438,9 +5512,10 @@
               <a:rPr lang="en-GB" sz="1500"/>
               <a:t>跟属性一样，也是基本没有</a:t>
             </a:r>
+            <a:endParaRPr lang="en-GB" sz="1500"/>
           </a:p>
           <a:p>
-            <a:pPr indent="-323850" lvl="0" marL="457200" rtl="0">
+            <a:pPr marL="457200" lvl="0" indent="-323850" rtl="0">
               <a:spcBef>
                 <a:spcPts val="0"/>
               </a:spcBef>
@@ -5450,6 +5525,7 @@
               <a:rPr lang="en-GB" sz="1500"/>
               <a:t>一切靠自觉...</a:t>
             </a:r>
+            <a:endParaRPr lang="en-GB" sz="1500"/>
           </a:p>
         </p:txBody>
       </p:sp>
@@ -5461,32 +5537,32 @@
   <p:timing>
     <p:tnLst>
       <p:par>
-        <p:cTn dur="indefinite" nodeType="tmRoot" restart="never">
+        <p:cTn id="1" dur="indefinite" restart="never" nodeType="tmRoot">
           <p:childTnLst>
             <p:seq concurrent="1" nextAc="seek">
-              <p:cTn dur="indefinite" id="2" nodeType="mainSeq">
+              <p:cTn id="2" dur="indefinite" nodeType="mainSeq">
                 <p:childTnLst>
                   <p:par>
-                    <p:cTn fill="hold">
+                    <p:cTn id="3" fill="hold">
                       <p:stCondLst>
                         <p:cond delay="indefinite"/>
                       </p:stCondLst>
                       <p:childTnLst>
                         <p:par>
-                          <p:cTn fill="hold">
+                          <p:cTn id="4" fill="hold">
                             <p:stCondLst>
                               <p:cond delay="0"/>
                             </p:stCondLst>
                             <p:childTnLst>
                               <p:par>
-                                <p:cTn fill="hold" nodeType="clickEffect" presetClass="entr" presetID="10" presetSubtype="0">
+                                <p:cTn id="5" presetID="10" presetClass="entr" presetSubtype="0" fill="hold" nodeType="clickEffect">
                                   <p:stCondLst>
                                     <p:cond delay="0"/>
                                   </p:stCondLst>
                                   <p:childTnLst>
                                     <p:set>
                                       <p:cBhvr>
-                                        <p:cTn dur="1" fill="hold">
+                                        <p:cTn id="6" dur="1" fill="hold">
                                           <p:stCondLst>
                                             <p:cond delay="0"/>
                                           </p:stCondLst>
@@ -5502,9 +5578,9 @@
                                         <p:strVal val="visible"/>
                                       </p:to>
                                     </p:set>
-                                    <p:animEffect filter="fade" transition="in">
+                                    <p:animEffect transition="in" filter="fade">
                                       <p:cBhvr>
-                                        <p:cTn dur="1000"/>
+                                        <p:cTn id="7" dur="1000"/>
                                         <p:tgtEl>
                                           <p:spTgt spid="73"/>
                                         </p:tgtEl>
@@ -5545,7 +5621,7 @@
 </file>
 
 <file path=ppt/slides/slide5.xml><?xml version="1.0" encoding="utf-8"?>
-<p:sld xmlns:a="http://schemas.openxmlformats.org/drawingml/2006/main" xmlns:r="http://schemas.openxmlformats.org/officeDocument/2006/relationships" xmlns:mc="http://schemas.openxmlformats.org/markup-compatibility/2006" xmlns:mv="urn:schemas-microsoft-com:mac:vml" xmlns:p="http://schemas.openxmlformats.org/presentationml/2006/main" xmlns:c="http://schemas.openxmlformats.org/drawingml/2006/chart" xmlns:dgm="http://schemas.openxmlformats.org/drawingml/2006/diagram" xmlns:o="urn:schemas-microsoft-com:office:office" xmlns:v="urn:schemas-microsoft-com:vml" xmlns:pvml="urn:schemas-microsoft-com:office:powerpoint" xmlns:com="http://schemas.openxmlformats.org/drawingml/2006/compatibility" xmlns:p14="http://schemas.microsoft.com/office/powerpoint/2010/main">
+<p:sld xmlns:a="http://schemas.openxmlformats.org/drawingml/2006/main" xmlns:r="http://schemas.openxmlformats.org/officeDocument/2006/relationships" xmlns:p="http://schemas.openxmlformats.org/presentationml/2006/main">
   <p:cSld>
     <p:spTree>
       <p:nvGrpSpPr>
@@ -5579,7 +5655,7 @@
           </a:prstGeom>
         </p:spPr>
         <p:txBody>
-          <a:bodyPr anchorCtr="0" anchor="t" bIns="91425" lIns="91425" rIns="91425" tIns="91425">
+          <a:bodyPr lIns="91425" tIns="91425" rIns="91425" bIns="91425" anchor="t" anchorCtr="0">
             <a:noAutofit/>
           </a:bodyPr>
           <a:lstStyle/>
@@ -5595,9 +5671,18 @@
                 <a:solidFill>
                   <a:srgbClr val="C9394A"/>
                 </a:solidFill>
+                <a:latin typeface="微软雅黑" charset="0"/>
+                <a:ea typeface="微软雅黑" charset="0"/>
               </a:rPr>
               <a:t>靠编码规范来约束</a:t>
             </a:r>
+            <a:endParaRPr lang="en-GB" sz="2200">
+              <a:solidFill>
+                <a:srgbClr val="C9394A"/>
+              </a:solidFill>
+              <a:latin typeface="微软雅黑" charset="0"/>
+              <a:ea typeface="微软雅黑" charset="0"/>
+            </a:endParaRPr>
           </a:p>
         </p:txBody>
       </p:sp>
@@ -5606,7 +5691,7 @@
           <p:cNvPr id="79" name="Shape 79"/>
           <p:cNvSpPr txBox="1"/>
           <p:nvPr>
-            <p:ph idx="1" type="body"/>
+            <p:ph type="body" idx="1"/>
           </p:nvPr>
         </p:nvSpPr>
         <p:spPr>
@@ -5619,7 +5704,7 @@
           </a:prstGeom>
         </p:spPr>
         <p:txBody>
-          <a:bodyPr anchorCtr="0" anchor="t" bIns="91425" lIns="91425" rIns="91425" tIns="91425">
+          <a:bodyPr lIns="91425" tIns="91425" rIns="91425" bIns="91425" anchor="t" anchorCtr="0">
             <a:noAutofit/>
           </a:bodyPr>
           <a:lstStyle/>
@@ -5637,7 +5722,7 @@
               <a:buClr>
                 <a:schemeClr val="dk1"/>
               </a:buClr>
-              <a:buSzPct val="73333"/>
+              <a:buSzPct val="73000"/>
               <a:buFont typeface="Arial"/>
               <a:buNone/>
             </a:pPr>
@@ -6158,6 +6243,18 @@
               </a:rPr>
               <a:t>pass</a:t>
             </a:r>
+            <a:endParaRPr lang="en-GB" sz="1500">
+              <a:solidFill>
+                <a:srgbClr val="FF5600"/>
+              </a:solidFill>
+              <a:highlight>
+                <a:srgbClr val="FFFFFF"/>
+              </a:highlight>
+              <a:latin typeface="Courier New"/>
+              <a:ea typeface="Courier New"/>
+              <a:cs typeface="Courier New"/>
+              <a:sym typeface="Courier New"/>
+            </a:endParaRPr>
           </a:p>
           <a:p>
             <a:pPr lvl="0" rtl="0">
@@ -6166,9 +6263,6 @@
               </a:spcBef>
               <a:buNone/>
             </a:pPr>
-            <a:r>
-              <a:t/>
-            </a:r>
             <a:endParaRPr sz="1500"/>
           </a:p>
         </p:txBody>
@@ -6182,7 +6276,7 @@
 </file>
 
 <file path=ppt/slides/slide6.xml><?xml version="1.0" encoding="utf-8"?>
-<p:sld xmlns:a="http://schemas.openxmlformats.org/drawingml/2006/main" xmlns:r="http://schemas.openxmlformats.org/officeDocument/2006/relationships" xmlns:mc="http://schemas.openxmlformats.org/markup-compatibility/2006" xmlns:mv="urn:schemas-microsoft-com:mac:vml" xmlns:p="http://schemas.openxmlformats.org/presentationml/2006/main" xmlns:c="http://schemas.openxmlformats.org/drawingml/2006/chart" xmlns:dgm="http://schemas.openxmlformats.org/drawingml/2006/diagram" xmlns:o="urn:schemas-microsoft-com:office:office" xmlns:v="urn:schemas-microsoft-com:vml" xmlns:pvml="urn:schemas-microsoft-com:office:powerpoint" xmlns:com="http://schemas.openxmlformats.org/drawingml/2006/compatibility" xmlns:p14="http://schemas.microsoft.com/office/powerpoint/2010/main">
+<p:sld xmlns:a="http://schemas.openxmlformats.org/drawingml/2006/main" xmlns:r="http://schemas.openxmlformats.org/officeDocument/2006/relationships" xmlns:p="http://schemas.openxmlformats.org/presentationml/2006/main">
   <p:cSld>
     <p:spTree>
       <p:nvGrpSpPr>
@@ -6216,7 +6310,7 @@
           </a:prstGeom>
         </p:spPr>
         <p:txBody>
-          <a:bodyPr anchorCtr="0" anchor="t" bIns="91425" lIns="91425" rIns="91425" tIns="91425">
+          <a:bodyPr lIns="91425" tIns="91425" rIns="91425" bIns="91425" anchor="t" anchorCtr="0">
             <a:noAutofit/>
           </a:bodyPr>
           <a:lstStyle/>
@@ -6235,6 +6329,11 @@
               </a:rPr>
               <a:t>@classmethod</a:t>
             </a:r>
+            <a:endParaRPr lang="en-GB" sz="2200">
+              <a:solidFill>
+                <a:srgbClr val="C9394A"/>
+              </a:solidFill>
+            </a:endParaRPr>
           </a:p>
         </p:txBody>
       </p:sp>
@@ -6243,7 +6342,7 @@
           <p:cNvPr id="85" name="Shape 85"/>
           <p:cNvSpPr txBox="1"/>
           <p:nvPr>
-            <p:ph idx="1" type="body"/>
+            <p:ph type="body" idx="1"/>
           </p:nvPr>
         </p:nvSpPr>
         <p:spPr>
@@ -6256,7 +6355,7 @@
           </a:prstGeom>
         </p:spPr>
         <p:txBody>
-          <a:bodyPr anchorCtr="0" anchor="t" bIns="91425" lIns="91425" rIns="91425" tIns="91425">
+          <a:bodyPr lIns="91425" tIns="91425" rIns="91425" bIns="91425" anchor="t" anchorCtr="0">
             <a:noAutofit/>
           </a:bodyPr>
           <a:lstStyle/>
@@ -6268,9 +6367,30 @@
               <a:buNone/>
             </a:pPr>
             <a:r>
-              <a:rPr lang="en-GB" sz="1500"/>
-              <a:t>调用的时候用类明，而不是某个对象</a:t>
-            </a:r>
+              <a:rPr lang="en-GB" sz="1500">
+                <a:latin typeface="微软雅黑" charset="0"/>
+                <a:ea typeface="微软雅黑" charset="0"/>
+              </a:rPr>
+              <a:t>调用的时候用类</a:t>
+            </a:r>
+            <a:r>
+              <a:rPr lang="zh-CN" altLang="en-GB" sz="1500">
+                <a:latin typeface="微软雅黑" charset="0"/>
+                <a:ea typeface="微软雅黑" charset="0"/>
+              </a:rPr>
+              <a:t>名</a:t>
+            </a:r>
+            <a:r>
+              <a:rPr lang="en-GB" sz="1500">
+                <a:latin typeface="微软雅黑" charset="0"/>
+                <a:ea typeface="微软雅黑" charset="0"/>
+              </a:rPr>
+              <a:t>，而不是某个对象</a:t>
+            </a:r>
+            <a:endParaRPr lang="en-GB" sz="1500">
+              <a:latin typeface="微软雅黑" charset="0"/>
+              <a:ea typeface="微软雅黑" charset="0"/>
+            </a:endParaRPr>
           </a:p>
           <a:p>
             <a:pPr lvl="0" rtl="0">
@@ -6279,9 +6399,6 @@
               </a:spcBef>
               <a:buNone/>
             </a:pPr>
-            <a:r>
-              <a:t/>
-            </a:r>
             <a:endParaRPr sz="1500"/>
           </a:p>
         </p:txBody>
@@ -6295,7 +6412,7 @@
 </file>
 
 <file path=ppt/slides/slide7.xml><?xml version="1.0" encoding="utf-8"?>
-<p:sld xmlns:a="http://schemas.openxmlformats.org/drawingml/2006/main" xmlns:r="http://schemas.openxmlformats.org/officeDocument/2006/relationships" xmlns:mc="http://schemas.openxmlformats.org/markup-compatibility/2006" xmlns:mv="urn:schemas-microsoft-com:mac:vml" xmlns:p="http://schemas.openxmlformats.org/presentationml/2006/main" xmlns:c="http://schemas.openxmlformats.org/drawingml/2006/chart" xmlns:dgm="http://schemas.openxmlformats.org/drawingml/2006/diagram" xmlns:o="urn:schemas-microsoft-com:office:office" xmlns:v="urn:schemas-microsoft-com:vml" xmlns:pvml="urn:schemas-microsoft-com:office:powerpoint" xmlns:com="http://schemas.openxmlformats.org/drawingml/2006/compatibility" xmlns:p14="http://schemas.microsoft.com/office/powerpoint/2010/main">
+<p:sld xmlns:a="http://schemas.openxmlformats.org/drawingml/2006/main" xmlns:r="http://schemas.openxmlformats.org/officeDocument/2006/relationships" xmlns:p="http://schemas.openxmlformats.org/presentationml/2006/main">
   <p:cSld>
     <p:spTree>
       <p:nvGrpSpPr>
@@ -6329,7 +6446,7 @@
           </a:prstGeom>
         </p:spPr>
         <p:txBody>
-          <a:bodyPr anchorCtr="0" anchor="t" bIns="91425" lIns="91425" rIns="91425" tIns="91425">
+          <a:bodyPr lIns="91425" tIns="91425" rIns="91425" bIns="91425" anchor="t" anchorCtr="0">
             <a:noAutofit/>
           </a:bodyPr>
           <a:lstStyle/>
@@ -6348,6 +6465,11 @@
               </a:rPr>
               <a:t>@property</a:t>
             </a:r>
+            <a:endParaRPr lang="en-GB" sz="2200">
+              <a:solidFill>
+                <a:srgbClr val="C9394A"/>
+              </a:solidFill>
+            </a:endParaRPr>
           </a:p>
         </p:txBody>
       </p:sp>
@@ -6356,7 +6478,7 @@
           <p:cNvPr id="91" name="Shape 91"/>
           <p:cNvSpPr txBox="1"/>
           <p:nvPr>
-            <p:ph idx="1" type="body"/>
+            <p:ph type="body" idx="1"/>
           </p:nvPr>
         </p:nvSpPr>
         <p:spPr>
@@ -6369,7 +6491,7 @@
           </a:prstGeom>
         </p:spPr>
         <p:txBody>
-          <a:bodyPr anchorCtr="0" anchor="t" bIns="91425" lIns="91425" rIns="91425" tIns="91425">
+          <a:bodyPr lIns="91425" tIns="91425" rIns="91425" bIns="91425" anchor="t" anchorCtr="0">
             <a:noAutofit/>
           </a:bodyPr>
           <a:lstStyle/>
@@ -6381,9 +6503,16 @@
               <a:buNone/>
             </a:pPr>
             <a:r>
-              <a:rPr lang="en-GB" sz="1500"/>
+              <a:rPr lang="en-GB" sz="1500">
+                <a:latin typeface="微软雅黑" charset="0"/>
+                <a:ea typeface="微软雅黑" charset="0"/>
+              </a:rPr>
               <a:t>像访问属性一样调用方法</a:t>
             </a:r>
+            <a:endParaRPr lang="en-GB" sz="1500">
+              <a:latin typeface="微软雅黑" charset="0"/>
+              <a:ea typeface="微软雅黑" charset="0"/>
+            </a:endParaRPr>
           </a:p>
         </p:txBody>
       </p:sp>
@@ -6396,7 +6525,293 @@
 </file>
 
 <file path=ppt/theme/theme1.xml><?xml version="1.0" encoding="utf-8"?>
-<a:theme xmlns:a="http://schemas.openxmlformats.org/drawingml/2006/main" xmlns:r="http://schemas.openxmlformats.org/officeDocument/2006/relationships" name="Custom Theme">
+<a:theme xmlns:a="http://schemas.openxmlformats.org/drawingml/2006/main" name="simple-light-2">
+  <a:themeElements>
+    <a:clrScheme name="Simple Light">
+      <a:dk1>
+        <a:srgbClr val="000000"/>
+      </a:dk1>
+      <a:lt1>
+        <a:srgbClr val="FFFFFF"/>
+      </a:lt1>
+      <a:dk2>
+        <a:srgbClr val="595959"/>
+      </a:dk2>
+      <a:lt2>
+        <a:srgbClr val="EEEEEE"/>
+      </a:lt2>
+      <a:accent1>
+        <a:srgbClr val="FFAB40"/>
+      </a:accent1>
+      <a:accent2>
+        <a:srgbClr val="212121"/>
+      </a:accent2>
+      <a:accent3>
+        <a:srgbClr val="78909C"/>
+      </a:accent3>
+      <a:accent4>
+        <a:srgbClr val="FFAB40"/>
+      </a:accent4>
+      <a:accent5>
+        <a:srgbClr val="0097A7"/>
+      </a:accent5>
+      <a:accent6>
+        <a:srgbClr val="EEFF41"/>
+      </a:accent6>
+      <a:hlink>
+        <a:srgbClr val="0097A7"/>
+      </a:hlink>
+      <a:folHlink>
+        <a:srgbClr val="0097A7"/>
+      </a:folHlink>
+    </a:clrScheme>
+    <a:fontScheme name="Office">
+      <a:majorFont>
+        <a:latin typeface="Arial"/>
+        <a:ea typeface=""/>
+        <a:cs typeface=""/>
+        <a:font script="Jpan" typeface="ＭＳ Ｐゴシック"/>
+        <a:font script="Hang" typeface="맑은 고딕"/>
+        <a:font script="Hans" typeface="宋体"/>
+        <a:font script="Hant" typeface="新細明體"/>
+        <a:font script="Arab" typeface="Times New Roman"/>
+        <a:font script="Hebr" typeface="Times New Roman"/>
+        <a:font script="Thai" typeface="Angsana New"/>
+        <a:font script="Ethi" typeface="Nyala"/>
+        <a:font script="Beng" typeface="Vrinda"/>
+        <a:font script="Gujr" typeface="Shruti"/>
+        <a:font script="Khmr" typeface="MoolBoran"/>
+        <a:font script="Knda" typeface="Tunga"/>
+        <a:font script="Guru" typeface="Raavi"/>
+        <a:font script="Cans" typeface="Euphemia"/>
+        <a:font script="Cher" typeface="Plantagenet Cherokee"/>
+        <a:font script="Yiii" typeface="Microsoft Yi Baiti"/>
+        <a:font script="Tibt" typeface="Microsoft Himalaya"/>
+        <a:font script="Thaa" typeface="MV Boli"/>
+        <a:font script="Deva" typeface="Mangal"/>
+        <a:font script="Telu" typeface="Gautami"/>
+        <a:font script="Taml" typeface="Latha"/>
+        <a:font script="Syrc" typeface="Estrangelo Edessa"/>
+        <a:font script="Orya" typeface="Kalinga"/>
+        <a:font script="Mlym" typeface="Kartika"/>
+        <a:font script="Laoo" typeface="DokChampa"/>
+        <a:font script="Sinh" typeface="Iskoola Pota"/>
+        <a:font script="Mong" typeface="Mongolian Baiti"/>
+        <a:font script="Viet" typeface="Times New Roman"/>
+        <a:font script="Uigh" typeface="Microsoft Uighur"/>
+        <a:font script="Geor" typeface="Sylfaen"/>
+      </a:majorFont>
+      <a:minorFont>
+        <a:latin typeface="Arial"/>
+        <a:ea typeface=""/>
+        <a:cs typeface=""/>
+        <a:font script="Jpan" typeface="ＭＳ Ｐゴシック"/>
+        <a:font script="Hang" typeface="맑은 고딕"/>
+        <a:font script="Hans" typeface="宋体"/>
+        <a:font script="Hant" typeface="新細明體"/>
+        <a:font script="Arab" typeface="Arial"/>
+        <a:font script="Hebr" typeface="Arial"/>
+        <a:font script="Thai" typeface="Cordia New"/>
+        <a:font script="Ethi" typeface="Nyala"/>
+        <a:font script="Beng" typeface="Vrinda"/>
+        <a:font script="Gujr" typeface="Shruti"/>
+        <a:font script="Khmr" typeface="DaunPenh"/>
+        <a:font script="Knda" typeface="Tunga"/>
+        <a:font script="Guru" typeface="Raavi"/>
+        <a:font script="Cans" typeface="Euphemia"/>
+        <a:font script="Cher" typeface="Plantagenet Cherokee"/>
+        <a:font script="Yiii" typeface="Microsoft Yi Baiti"/>
+        <a:font script="Tibt" typeface="Microsoft Himalaya"/>
+        <a:font script="Thaa" typeface="MV Boli"/>
+        <a:font script="Deva" typeface="Mangal"/>
+        <a:font script="Telu" typeface="Gautami"/>
+        <a:font script="Taml" typeface="Latha"/>
+        <a:font script="Syrc" typeface="Estrangelo Edessa"/>
+        <a:font script="Orya" typeface="Kalinga"/>
+        <a:font script="Mlym" typeface="Kartika"/>
+        <a:font script="Laoo" typeface="DokChampa"/>
+        <a:font script="Sinh" typeface="Iskoola Pota"/>
+        <a:font script="Mong" typeface="Mongolian Baiti"/>
+        <a:font script="Viet" typeface="Arial"/>
+        <a:font script="Uigh" typeface="Microsoft Uighur"/>
+        <a:font script="Geor" typeface="Sylfaen"/>
+      </a:minorFont>
+    </a:fontScheme>
+    <a:fmtScheme name="Office">
+      <a:fillStyleLst>
+        <a:solidFill>
+          <a:schemeClr val="phClr"/>
+        </a:solidFill>
+        <a:gradFill rotWithShape="1">
+          <a:gsLst>
+            <a:gs pos="0">
+              <a:schemeClr val="phClr">
+                <a:tint val="50000"/>
+                <a:satMod val="300000"/>
+              </a:schemeClr>
+            </a:gs>
+            <a:gs pos="35000">
+              <a:schemeClr val="phClr">
+                <a:tint val="37000"/>
+                <a:satMod val="300000"/>
+              </a:schemeClr>
+            </a:gs>
+            <a:gs pos="100000">
+              <a:schemeClr val="phClr">
+                <a:tint val="15000"/>
+                <a:satMod val="350000"/>
+              </a:schemeClr>
+            </a:gs>
+          </a:gsLst>
+          <a:lin ang="16200000" scaled="1"/>
+        </a:gradFill>
+        <a:gradFill rotWithShape="1">
+          <a:gsLst>
+            <a:gs pos="0">
+              <a:schemeClr val="phClr">
+                <a:tint val="100000"/>
+                <a:shade val="100000"/>
+                <a:satMod val="130000"/>
+              </a:schemeClr>
+            </a:gs>
+            <a:gs pos="100000">
+              <a:schemeClr val="phClr">
+                <a:tint val="50000"/>
+                <a:shade val="100000"/>
+                <a:satMod val="350000"/>
+              </a:schemeClr>
+            </a:gs>
+          </a:gsLst>
+          <a:lin ang="16200000" scaled="0"/>
+        </a:gradFill>
+      </a:fillStyleLst>
+      <a:lnStyleLst>
+        <a:ln w="9525" cap="flat" cmpd="sng" algn="ctr">
+          <a:solidFill>
+            <a:schemeClr val="phClr">
+              <a:shade val="95000"/>
+              <a:satMod val="105000"/>
+            </a:schemeClr>
+          </a:solidFill>
+          <a:prstDash val="solid"/>
+        </a:ln>
+        <a:ln w="25400" cap="flat" cmpd="sng" algn="ctr">
+          <a:solidFill>
+            <a:schemeClr val="phClr"/>
+          </a:solidFill>
+          <a:prstDash val="solid"/>
+        </a:ln>
+        <a:ln w="38100" cap="flat" cmpd="sng" algn="ctr">
+          <a:solidFill>
+            <a:schemeClr val="phClr"/>
+          </a:solidFill>
+          <a:prstDash val="solid"/>
+        </a:ln>
+      </a:lnStyleLst>
+      <a:effectStyleLst>
+        <a:effectStyle>
+          <a:effectLst>
+            <a:outerShdw blurRad="40000" dist="20000" dir="5400000" rotWithShape="0">
+              <a:srgbClr val="000000">
+                <a:alpha val="38000"/>
+              </a:srgbClr>
+            </a:outerShdw>
+          </a:effectLst>
+        </a:effectStyle>
+        <a:effectStyle>
+          <a:effectLst>
+            <a:outerShdw blurRad="40000" dist="23000" dir="5400000" rotWithShape="0">
+              <a:srgbClr val="000000">
+                <a:alpha val="35000"/>
+              </a:srgbClr>
+            </a:outerShdw>
+          </a:effectLst>
+        </a:effectStyle>
+        <a:effectStyle>
+          <a:effectLst>
+            <a:outerShdw blurRad="40000" dist="23000" dir="5400000" rotWithShape="0">
+              <a:srgbClr val="000000">
+                <a:alpha val="35000"/>
+              </a:srgbClr>
+            </a:outerShdw>
+          </a:effectLst>
+          <a:scene3d>
+            <a:camera prst="orthographicFront">
+              <a:rot lat="0" lon="0" rev="0"/>
+            </a:camera>
+            <a:lightRig rig="threePt" dir="t">
+              <a:rot lat="0" lon="0" rev="1200000"/>
+            </a:lightRig>
+          </a:scene3d>
+          <a:sp3d>
+            <a:bevelT w="63500" h="25400"/>
+          </a:sp3d>
+        </a:effectStyle>
+      </a:effectStyleLst>
+      <a:bgFillStyleLst>
+        <a:solidFill>
+          <a:schemeClr val="phClr"/>
+        </a:solidFill>
+        <a:gradFill rotWithShape="1">
+          <a:gsLst>
+            <a:gs pos="0">
+              <a:schemeClr val="phClr">
+                <a:tint val="40000"/>
+                <a:satMod val="350000"/>
+              </a:schemeClr>
+            </a:gs>
+            <a:gs pos="40000">
+              <a:schemeClr val="phClr">
+                <a:tint val="45000"/>
+                <a:shade val="99000"/>
+                <a:satMod val="350000"/>
+              </a:schemeClr>
+            </a:gs>
+            <a:gs pos="100000">
+              <a:schemeClr val="phClr">
+                <a:shade val="20000"/>
+                <a:satMod val="255000"/>
+              </a:schemeClr>
+            </a:gs>
+          </a:gsLst>
+          <a:path path="circle">
+            <a:fillToRect l="50000" t="-80000" r="50000" b="180000"/>
+          </a:path>
+        </a:gradFill>
+        <a:gradFill rotWithShape="1">
+          <a:gsLst>
+            <a:gs pos="0">
+              <a:schemeClr val="phClr">
+                <a:tint val="80000"/>
+                <a:satMod val="300000"/>
+              </a:schemeClr>
+            </a:gs>
+            <a:gs pos="100000">
+              <a:schemeClr val="phClr">
+                <a:shade val="30000"/>
+                <a:satMod val="200000"/>
+              </a:schemeClr>
+            </a:gs>
+          </a:gsLst>
+          <a:path path="circle">
+            <a:fillToRect l="50000" t="50000" r="50000" b="50000"/>
+          </a:path>
+        </a:gradFill>
+      </a:bgFillStyleLst>
+    </a:fmtScheme>
+  </a:themeElements>
+  <a:objectDefaults/>
+  <a:extraClrSchemeLst/>
+  <a:extLst>
+    <a:ext uri="{05A4C25C-085E-4340-85A3-A5531E510DB2}">
+      <thm15:themeFamily xmlns:thm15="http://schemas.microsoft.com/office/thememl/2012/main" name="Office Theme" id="{62F939B6-93AF-4DB8-9C6B-D6C7DFDC589F}" vid="{4A3C46E8-61CC-4603-A589-7422A47A8E4A}"/>
+    </a:ext>
+  </a:extLst>
+</a:theme>
+</file>
+
+<file path=ppt/theme/theme2.xml><?xml version="1.0" encoding="utf-8"?>
+<a:theme xmlns:a="http://schemas.openxmlformats.org/drawingml/2006/main" name="Custom Theme">
   <a:themeElements>
     <a:clrScheme name="Default">
       <a:dk1>
@@ -6671,284 +7086,12 @@
       </a:bgFillStyleLst>
     </a:fmtScheme>
   </a:themeElements>
-</a:theme>
-</file>
-
-<file path=ppt/theme/theme2.xml><?xml version="1.0" encoding="utf-8"?>
-<a:theme xmlns:a="http://schemas.openxmlformats.org/drawingml/2006/main" xmlns:r="http://schemas.openxmlformats.org/officeDocument/2006/relationships" name="simple-light-2">
-  <a:themeElements>
-    <a:clrScheme name="Simple Light">
-      <a:dk1>
-        <a:srgbClr val="000000"/>
-      </a:dk1>
-      <a:lt1>
-        <a:srgbClr val="FFFFFF"/>
-      </a:lt1>
-      <a:dk2>
-        <a:srgbClr val="595959"/>
-      </a:dk2>
-      <a:lt2>
-        <a:srgbClr val="EEEEEE"/>
-      </a:lt2>
-      <a:accent1>
-        <a:srgbClr val="FFAB40"/>
-      </a:accent1>
-      <a:accent2>
-        <a:srgbClr val="212121"/>
-      </a:accent2>
-      <a:accent3>
-        <a:srgbClr val="78909C"/>
-      </a:accent3>
-      <a:accent4>
-        <a:srgbClr val="FFAB40"/>
-      </a:accent4>
-      <a:accent5>
-        <a:srgbClr val="0097A7"/>
-      </a:accent5>
-      <a:accent6>
-        <a:srgbClr val="EEFF41"/>
-      </a:accent6>
-      <a:hlink>
-        <a:srgbClr val="0097A7"/>
-      </a:hlink>
-      <a:folHlink>
-        <a:srgbClr val="0097A7"/>
-      </a:folHlink>
-    </a:clrScheme>
-    <a:fontScheme name="Office">
-      <a:majorFont>
-        <a:latin typeface="Arial"/>
-        <a:ea typeface=""/>
-        <a:cs typeface=""/>
-        <a:font script="Jpan" typeface="ＭＳ Ｐゴシック"/>
-        <a:font script="Hang" typeface="맑은 고딕"/>
-        <a:font script="Hans" typeface="宋体"/>
-        <a:font script="Hant" typeface="新細明體"/>
-        <a:font script="Arab" typeface="Times New Roman"/>
-        <a:font script="Hebr" typeface="Times New Roman"/>
-        <a:font script="Thai" typeface="Angsana New"/>
-        <a:font script="Ethi" typeface="Nyala"/>
-        <a:font script="Beng" typeface="Vrinda"/>
-        <a:font script="Gujr" typeface="Shruti"/>
-        <a:font script="Khmr" typeface="MoolBoran"/>
-        <a:font script="Knda" typeface="Tunga"/>
-        <a:font script="Guru" typeface="Raavi"/>
-        <a:font script="Cans" typeface="Euphemia"/>
-        <a:font script="Cher" typeface="Plantagenet Cherokee"/>
-        <a:font script="Yiii" typeface="Microsoft Yi Baiti"/>
-        <a:font script="Tibt" typeface="Microsoft Himalaya"/>
-        <a:font script="Thaa" typeface="MV Boli"/>
-        <a:font script="Deva" typeface="Mangal"/>
-        <a:font script="Telu" typeface="Gautami"/>
-        <a:font script="Taml" typeface="Latha"/>
-        <a:font script="Syrc" typeface="Estrangelo Edessa"/>
-        <a:font script="Orya" typeface="Kalinga"/>
-        <a:font script="Mlym" typeface="Kartika"/>
-        <a:font script="Laoo" typeface="DokChampa"/>
-        <a:font script="Sinh" typeface="Iskoola Pota"/>
-        <a:font script="Mong" typeface="Mongolian Baiti"/>
-        <a:font script="Viet" typeface="Times New Roman"/>
-        <a:font script="Uigh" typeface="Microsoft Uighur"/>
-        <a:font script="Geor" typeface="Sylfaen"/>
-      </a:majorFont>
-      <a:minorFont>
-        <a:latin typeface="Arial"/>
-        <a:ea typeface=""/>
-        <a:cs typeface=""/>
-        <a:font script="Jpan" typeface="ＭＳ Ｐゴシック"/>
-        <a:font script="Hang" typeface="맑은 고딕"/>
-        <a:font script="Hans" typeface="宋体"/>
-        <a:font script="Hant" typeface="新細明體"/>
-        <a:font script="Arab" typeface="Arial"/>
-        <a:font script="Hebr" typeface="Arial"/>
-        <a:font script="Thai" typeface="Cordia New"/>
-        <a:font script="Ethi" typeface="Nyala"/>
-        <a:font script="Beng" typeface="Vrinda"/>
-        <a:font script="Gujr" typeface="Shruti"/>
-        <a:font script="Khmr" typeface="DaunPenh"/>
-        <a:font script="Knda" typeface="Tunga"/>
-        <a:font script="Guru" typeface="Raavi"/>
-        <a:font script="Cans" typeface="Euphemia"/>
-        <a:font script="Cher" typeface="Plantagenet Cherokee"/>
-        <a:font script="Yiii" typeface="Microsoft Yi Baiti"/>
-        <a:font script="Tibt" typeface="Microsoft Himalaya"/>
-        <a:font script="Thaa" typeface="MV Boli"/>
-        <a:font script="Deva" typeface="Mangal"/>
-        <a:font script="Telu" typeface="Gautami"/>
-        <a:font script="Taml" typeface="Latha"/>
-        <a:font script="Syrc" typeface="Estrangelo Edessa"/>
-        <a:font script="Orya" typeface="Kalinga"/>
-        <a:font script="Mlym" typeface="Kartika"/>
-        <a:font script="Laoo" typeface="DokChampa"/>
-        <a:font script="Sinh" typeface="Iskoola Pota"/>
-        <a:font script="Mong" typeface="Mongolian Baiti"/>
-        <a:font script="Viet" typeface="Arial"/>
-        <a:font script="Uigh" typeface="Microsoft Uighur"/>
-        <a:font script="Geor" typeface="Sylfaen"/>
-      </a:minorFont>
-    </a:fontScheme>
-    <a:fmtScheme name="Office">
-      <a:fillStyleLst>
-        <a:solidFill>
-          <a:schemeClr val="phClr"/>
-        </a:solidFill>
-        <a:gradFill rotWithShape="1">
-          <a:gsLst>
-            <a:gs pos="0">
-              <a:schemeClr val="phClr">
-                <a:tint val="50000"/>
-                <a:satMod val="300000"/>
-              </a:schemeClr>
-            </a:gs>
-            <a:gs pos="35000">
-              <a:schemeClr val="phClr">
-                <a:tint val="37000"/>
-                <a:satMod val="300000"/>
-              </a:schemeClr>
-            </a:gs>
-            <a:gs pos="100000">
-              <a:schemeClr val="phClr">
-                <a:tint val="15000"/>
-                <a:satMod val="350000"/>
-              </a:schemeClr>
-            </a:gs>
-          </a:gsLst>
-          <a:lin ang="16200000" scaled="1"/>
-        </a:gradFill>
-        <a:gradFill rotWithShape="1">
-          <a:gsLst>
-            <a:gs pos="0">
-              <a:schemeClr val="phClr">
-                <a:tint val="100000"/>
-                <a:shade val="100000"/>
-                <a:satMod val="130000"/>
-              </a:schemeClr>
-            </a:gs>
-            <a:gs pos="100000">
-              <a:schemeClr val="phClr">
-                <a:tint val="50000"/>
-                <a:shade val="100000"/>
-                <a:satMod val="350000"/>
-              </a:schemeClr>
-            </a:gs>
-          </a:gsLst>
-          <a:lin ang="16200000" scaled="0"/>
-        </a:gradFill>
-      </a:fillStyleLst>
-      <a:lnStyleLst>
-        <a:ln w="9525" cap="flat" cmpd="sng" algn="ctr">
-          <a:solidFill>
-            <a:schemeClr val="phClr">
-              <a:shade val="95000"/>
-              <a:satMod val="105000"/>
-            </a:schemeClr>
-          </a:solidFill>
-          <a:prstDash val="solid"/>
-        </a:ln>
-        <a:ln w="25400" cap="flat" cmpd="sng" algn="ctr">
-          <a:solidFill>
-            <a:schemeClr val="phClr"/>
-          </a:solidFill>
-          <a:prstDash val="solid"/>
-        </a:ln>
-        <a:ln w="38100" cap="flat" cmpd="sng" algn="ctr">
-          <a:solidFill>
-            <a:schemeClr val="phClr"/>
-          </a:solidFill>
-          <a:prstDash val="solid"/>
-        </a:ln>
-      </a:lnStyleLst>
-      <a:effectStyleLst>
-        <a:effectStyle>
-          <a:effectLst>
-            <a:outerShdw blurRad="40000" dist="20000" dir="5400000" rotWithShape="0">
-              <a:srgbClr val="000000">
-                <a:alpha val="38000"/>
-              </a:srgbClr>
-            </a:outerShdw>
-          </a:effectLst>
-        </a:effectStyle>
-        <a:effectStyle>
-          <a:effectLst>
-            <a:outerShdw blurRad="40000" dist="23000" dir="5400000" rotWithShape="0">
-              <a:srgbClr val="000000">
-                <a:alpha val="35000"/>
-              </a:srgbClr>
-            </a:outerShdw>
-          </a:effectLst>
-        </a:effectStyle>
-        <a:effectStyle>
-          <a:effectLst>
-            <a:outerShdw blurRad="40000" dist="23000" dir="5400000" rotWithShape="0">
-              <a:srgbClr val="000000">
-                <a:alpha val="35000"/>
-              </a:srgbClr>
-            </a:outerShdw>
-          </a:effectLst>
-          <a:scene3d>
-            <a:camera prst="orthographicFront">
-              <a:rot lat="0" lon="0" rev="0"/>
-            </a:camera>
-            <a:lightRig rig="threePt" dir="t">
-              <a:rot lat="0" lon="0" rev="1200000"/>
-            </a:lightRig>
-          </a:scene3d>
-          <a:sp3d>
-            <a:bevelT w="63500" h="25400"/>
-          </a:sp3d>
-        </a:effectStyle>
-      </a:effectStyleLst>
-      <a:bgFillStyleLst>
-        <a:solidFill>
-          <a:schemeClr val="phClr"/>
-        </a:solidFill>
-        <a:gradFill rotWithShape="1">
-          <a:gsLst>
-            <a:gs pos="0">
-              <a:schemeClr val="phClr">
-                <a:tint val="40000"/>
-                <a:satMod val="350000"/>
-              </a:schemeClr>
-            </a:gs>
-            <a:gs pos="40000">
-              <a:schemeClr val="phClr">
-                <a:tint val="45000"/>
-                <a:shade val="99000"/>
-                <a:satMod val="350000"/>
-              </a:schemeClr>
-            </a:gs>
-            <a:gs pos="100000">
-              <a:schemeClr val="phClr">
-                <a:shade val="20000"/>
-                <a:satMod val="255000"/>
-              </a:schemeClr>
-            </a:gs>
-          </a:gsLst>
-          <a:path path="circle">
-            <a:fillToRect l="50000" t="-80000" r="50000" b="180000"/>
-          </a:path>
-        </a:gradFill>
-        <a:gradFill rotWithShape="1">
-          <a:gsLst>
-            <a:gs pos="0">
-              <a:schemeClr val="phClr">
-                <a:tint val="80000"/>
-                <a:satMod val="300000"/>
-              </a:schemeClr>
-            </a:gs>
-            <a:gs pos="100000">
-              <a:schemeClr val="phClr">
-                <a:shade val="30000"/>
-                <a:satMod val="200000"/>
-              </a:schemeClr>
-            </a:gs>
-          </a:gsLst>
-          <a:path path="circle">
-            <a:fillToRect l="50000" t="50000" r="50000" b="50000"/>
-          </a:path>
-        </a:gradFill>
-      </a:bgFillStyleLst>
-    </a:fmtScheme>
-  </a:themeElements>
+  <a:objectDefaults/>
+  <a:extraClrSchemeLst/>
+  <a:extLst>
+    <a:ext uri="{05A4C25C-085E-4340-85A3-A5531E510DB2}">
+      <thm15:themeFamily xmlns:thm15="http://schemas.microsoft.com/office/thememl/2012/main" name="Office Theme" id="{62F939B6-93AF-4DB8-9C6B-D6C7DFDC589F}" vid="{4A3C46E8-61CC-4603-A589-7422A47A8E4A}"/>
+    </a:ext>
+  </a:extLst>
 </a:theme>
 </file>
--- a/ppt/3.3-定义类的方法.pptx
+++ b/ppt/3.3-定义类的方法.pptx
@@ -228,6 +228,7 @@
   <p:cSld>
     <p:bg>
       <p:bgPr>
+        <a:noFill/>
         <a:effectLst/>
       </p:bgPr>
     </p:bg>
@@ -4458,6 +4459,8 @@
                 <a:spcPts val="0"/>
               </a:spcBef>
               <a:buSzPct val="100000"/>
+              <a:buFont typeface="Arial" charset="0"/>
+              <a:buChar char="•"/>
             </a:pPr>
             <a:r>
               <a:rPr lang="en-GB" sz="1500"/>
@@ -4471,6 +4474,8 @@
                 <a:spcPts val="0"/>
               </a:spcBef>
               <a:buSzPct val="100000"/>
+              <a:buFont typeface="Arial" charset="0"/>
+              <a:buChar char="•"/>
             </a:pPr>
             <a:r>
               <a:rPr lang="en-GB" sz="1500"/>
@@ -4534,6 +4539,128 @@
                                         <p:cTn id="7" dur="1000"/>
                                         <p:tgtEl>
                                           <p:spTgt spid="61"/>
+                                        </p:tgtEl>
+                                      </p:cBhvr>
+                                    </p:animEffect>
+                                  </p:childTnLst>
+                                </p:cTn>
+                              </p:par>
+                            </p:childTnLst>
+                          </p:cTn>
+                        </p:par>
+                      </p:childTnLst>
+                    </p:cTn>
+                  </p:par>
+                  <p:par>
+                    <p:cTn id="8" fill="hold">
+                      <p:stCondLst>
+                        <p:cond delay="indefinite"/>
+                      </p:stCondLst>
+                      <p:childTnLst>
+                        <p:par>
+                          <p:cTn id="9" fill="hold">
+                            <p:stCondLst>
+                              <p:cond delay="0"/>
+                            </p:stCondLst>
+                            <p:childTnLst>
+                              <p:par>
+                                <p:cTn id="10" presetID="10" presetClass="entr" presetSubtype="0" fill="hold" nodeType="clickEffect">
+                                  <p:stCondLst>
+                                    <p:cond delay="0"/>
+                                  </p:stCondLst>
+                                  <p:childTnLst>
+                                    <p:set>
+                                      <p:cBhvr>
+                                        <p:cTn id="11" dur="1" fill="hold">
+                                          <p:stCondLst>
+                                            <p:cond delay="0"/>
+                                          </p:stCondLst>
+                                        </p:cTn>
+                                        <p:tgtEl>
+                                          <p:spTgt spid="61">
+                                            <p:txEl>
+                                              <p:pRg st="0" end="0"/>
+                                            </p:txEl>
+                                          </p:spTgt>
+                                        </p:tgtEl>
+                                        <p:attrNameLst>
+                                          <p:attrName>style.visibility</p:attrName>
+                                        </p:attrNameLst>
+                                      </p:cBhvr>
+                                      <p:to>
+                                        <p:strVal val="visible"/>
+                                      </p:to>
+                                    </p:set>
+                                    <p:animEffect transition="in" filter="fade">
+                                      <p:cBhvr>
+                                        <p:cTn id="12" dur="500"/>
+                                        <p:tgtEl>
+                                          <p:spTgt spid="61">
+                                            <p:txEl>
+                                              <p:pRg st="0" end="0"/>
+                                            </p:txEl>
+                                          </p:spTgt>
+                                        </p:tgtEl>
+                                      </p:cBhvr>
+                                    </p:animEffect>
+                                  </p:childTnLst>
+                                </p:cTn>
+                              </p:par>
+                            </p:childTnLst>
+                          </p:cTn>
+                        </p:par>
+                      </p:childTnLst>
+                    </p:cTn>
+                  </p:par>
+                  <p:par>
+                    <p:cTn id="13" fill="hold">
+                      <p:stCondLst>
+                        <p:cond delay="indefinite"/>
+                      </p:stCondLst>
+                      <p:childTnLst>
+                        <p:par>
+                          <p:cTn id="14" fill="hold">
+                            <p:stCondLst>
+                              <p:cond delay="0"/>
+                            </p:stCondLst>
+                            <p:childTnLst>
+                              <p:par>
+                                <p:cTn id="15" presetID="10" presetClass="entr" presetSubtype="0" fill="hold" nodeType="clickEffect">
+                                  <p:stCondLst>
+                                    <p:cond delay="0"/>
+                                  </p:stCondLst>
+                                  <p:childTnLst>
+                                    <p:set>
+                                      <p:cBhvr>
+                                        <p:cTn id="16" dur="1" fill="hold">
+                                          <p:stCondLst>
+                                            <p:cond delay="0"/>
+                                          </p:stCondLst>
+                                        </p:cTn>
+                                        <p:tgtEl>
+                                          <p:spTgt spid="61">
+                                            <p:txEl>
+                                              <p:pRg st="1" end="1"/>
+                                            </p:txEl>
+                                          </p:spTgt>
+                                        </p:tgtEl>
+                                        <p:attrNameLst>
+                                          <p:attrName>style.visibility</p:attrName>
+                                        </p:attrNameLst>
+                                      </p:cBhvr>
+                                      <p:to>
+                                        <p:strVal val="visible"/>
+                                      </p:to>
+                                    </p:set>
+                                    <p:animEffect transition="in" filter="fade">
+                                      <p:cBhvr>
+                                        <p:cTn id="17" dur="500"/>
+                                        <p:tgtEl>
+                                          <p:spTgt spid="61">
+                                            <p:txEl>
+                                              <p:pRg st="1" end="1"/>
+                                            </p:txEl>
+                                          </p:spTgt>
                                         </p:tgtEl>
                                       </p:cBhvr>
                                     </p:animEffect>
@@ -5507,12 +5634,20 @@
                 <a:spcPts val="0"/>
               </a:spcBef>
               <a:buSzPct val="100000"/>
+              <a:buFont typeface="Arial" charset="0"/>
+              <a:buChar char="•"/>
             </a:pPr>
             <a:r>
-              <a:rPr lang="en-GB" sz="1500"/>
+              <a:rPr lang="en-GB" sz="1500">
+                <a:latin typeface="微软雅黑" charset="0"/>
+                <a:ea typeface="微软雅黑" charset="0"/>
+              </a:rPr>
               <a:t>跟属性一样，也是基本没有</a:t>
             </a:r>
-            <a:endParaRPr lang="en-GB" sz="1500"/>
+            <a:endParaRPr lang="en-GB" sz="1500">
+              <a:latin typeface="微软雅黑" charset="0"/>
+              <a:ea typeface="微软雅黑" charset="0"/>
+            </a:endParaRPr>
           </a:p>
           <a:p>
             <a:pPr marL="457200" lvl="0" indent="-323850" rtl="0">
@@ -5520,12 +5655,20 @@
                 <a:spcPts val="0"/>
               </a:spcBef>
               <a:buSzPct val="100000"/>
+              <a:buFont typeface="Arial" charset="0"/>
+              <a:buChar char="•"/>
             </a:pPr>
             <a:r>
-              <a:rPr lang="en-GB" sz="1500"/>
+              <a:rPr lang="en-GB" sz="1500">
+                <a:latin typeface="微软雅黑" charset="0"/>
+                <a:ea typeface="微软雅黑" charset="0"/>
+              </a:rPr>
               <a:t>一切靠自觉...</a:t>
             </a:r>
-            <a:endParaRPr lang="en-GB" sz="1500"/>
+            <a:endParaRPr lang="en-GB" sz="1500">
+              <a:latin typeface="微软雅黑" charset="0"/>
+              <a:ea typeface="微软雅黑" charset="0"/>
+            </a:endParaRPr>
           </a:p>
         </p:txBody>
       </p:sp>
@@ -5667,16 +5810,16 @@
               <a:buNone/>
             </a:pPr>
             <a:r>
-              <a:rPr lang="en-GB" sz="2200">
+              <a:rPr lang="zh-CN" altLang="en-GB" sz="2200">
                 <a:solidFill>
                   <a:srgbClr val="C9394A"/>
                 </a:solidFill>
                 <a:latin typeface="微软雅黑" charset="0"/>
                 <a:ea typeface="微软雅黑" charset="0"/>
               </a:rPr>
-              <a:t>靠编码规范来约束</a:t>
-            </a:r>
-            <a:endParaRPr lang="en-GB" sz="2200">
+              <a:t>常用的方法定义</a:t>
+            </a:r>
+            <a:endParaRPr lang="zh-CN" altLang="en-GB" sz="2200">
               <a:solidFill>
                 <a:srgbClr val="C9394A"/>
               </a:solidFill>
@@ -6326,6 +6469,8 @@
                 <a:solidFill>
                   <a:srgbClr val="C9394A"/>
                 </a:solidFill>
+                <a:latin typeface="微软雅黑" charset="0"/>
+                <a:ea typeface="微软雅黑" charset="0"/>
               </a:rPr>
               <a:t>@classmethod</a:t>
             </a:r>
@@ -6333,6 +6478,8 @@
               <a:solidFill>
                 <a:srgbClr val="C9394A"/>
               </a:solidFill>
+              <a:latin typeface="微软雅黑" charset="0"/>
+              <a:ea typeface="微软雅黑" charset="0"/>
             </a:endParaRPr>
           </a:p>
         </p:txBody>
@@ -6462,6 +6609,8 @@
                 <a:solidFill>
                   <a:srgbClr val="C9394A"/>
                 </a:solidFill>
+                <a:latin typeface="微软雅黑" charset="0"/>
+                <a:ea typeface="微软雅黑" charset="0"/>
               </a:rPr>
               <a:t>@property</a:t>
             </a:r>
@@ -6469,6 +6618,8 @@
               <a:solidFill>
                 <a:srgbClr val="C9394A"/>
               </a:solidFill>
+              <a:latin typeface="微软雅黑" charset="0"/>
+              <a:ea typeface="微软雅黑" charset="0"/>
             </a:endParaRPr>
           </a:p>
         </p:txBody>

--- a/ppt/3.3-定义类的方法.pptx
+++ b/ppt/3.3-定义类的方法.pptx
@@ -5,18 +5,18 @@
     <p:sldMasterId id="2147483648" r:id="rId1"/>
   </p:sldMasterIdLst>
   <p:notesMasterIdLst>
-    <p:notesMasterId r:id="rId4"/>
+    <p:notesMasterId r:id="rId9"/>
   </p:notesMasterIdLst>
   <p:sldIdLst>
-    <p:sldId id="256" r:id="rId3"/>
-    <p:sldId id="257" r:id="rId5"/>
-    <p:sldId id="258" r:id="rId6"/>
-    <p:sldId id="259" r:id="rId7"/>
-    <p:sldId id="260" r:id="rId8"/>
-    <p:sldId id="261" r:id="rId9"/>
-    <p:sldId id="262" r:id="rId10"/>
+    <p:sldId id="256" r:id="rId2"/>
+    <p:sldId id="257" r:id="rId3"/>
+    <p:sldId id="258" r:id="rId4"/>
+    <p:sldId id="259" r:id="rId5"/>
+    <p:sldId id="260" r:id="rId6"/>
+    <p:sldId id="261" r:id="rId7"/>
+    <p:sldId id="262" r:id="rId8"/>
   </p:sldIdLst>
-  <p:sldSz cx="9144000" cy="5143500"/>
+  <p:sldSz cx="9144000" cy="5143500" type="screen16x9"/>
   <p:notesSz cx="6858000" cy="9144000"/>
   <p:defaultTextStyle>
     <a:defPPr marR="0" lvl="0" algn="l" rtl="0">
@@ -234,7 +234,7 @@
     </p:bg>
     <p:spTree>
       <p:nvGrpSpPr>
-        <p:cNvPr id="2" name="Shape 2"/>
+        <p:cNvPr id="1" name="Shape 2"/>
         <p:cNvGrpSpPr/>
         <p:nvPr/>
       </p:nvGrpSpPr>
@@ -249,7 +249,9 @@
       <p:sp>
         <p:nvSpPr>
           <p:cNvPr id="3" name="Shape 3"/>
-          <p:cNvSpPr/>
+          <p:cNvSpPr>
+            <a:spLocks noGrp="1" noRot="1" noChangeAspect="1"/>
+          </p:cNvSpPr>
           <p:nvPr>
             <p:ph type="sldImg" idx="2"/>
           </p:nvPr>
@@ -264,6 +266,7 @@
             <a:gdLst/>
             <a:ahLst/>
             <a:cxnLst/>
+            <a:rect l="0" t="0" r="0" b="0"/>
             <a:pathLst>
               <a:path w="120000" h="120000" extrusionOk="0">
                 <a:moveTo>
@@ -297,7 +300,9 @@
       <p:sp>
         <p:nvSpPr>
           <p:cNvPr id="4" name="Shape 4"/>
-          <p:cNvSpPr txBox="1"/>
+          <p:cNvSpPr txBox="1">
+            <a:spLocks noGrp="1"/>
+          </p:cNvSpPr>
           <p:nvPr>
             <p:ph type="body" idx="1"/>
           </p:nvPr>
@@ -373,10 +378,17 @@
               <a:defRPr sz="1100"/>
             </a:lvl9pPr>
           </a:lstStyle>
-          <a:p/>
+          <a:p>
+            <a:endParaRPr/>
+          </a:p>
         </p:txBody>
       </p:sp>
     </p:spTree>
+    <p:extLst>
+      <p:ext uri="{BB962C8B-B14F-4D97-AF65-F5344CB8AC3E}">
+        <p14:creationId xmlns:p14="http://schemas.microsoft.com/office/powerpoint/2010/main" val="129378338"/>
+      </p:ext>
+    </p:extLst>
   </p:cSld>
   <p:clrMap bg1="lt1" tx1="dk1" bg2="dk2" tx2="lt2" accent1="accent1" accent2="accent2" accent3="accent3" accent4="accent4" accent5="accent5" accent6="accent6" hlink="hlink" folHlink="folHlink"/>
   <p:notesStyle/>
@@ -384,11 +396,11 @@
 </file>
 
 <file path=ppt/notesSlides/notesSlide1.xml><?xml version="1.0" encoding="utf-8"?>
-<p:notes xmlns:a="http://schemas.openxmlformats.org/drawingml/2006/main" xmlns:r="http://schemas.openxmlformats.org/officeDocument/2006/relationships" xmlns:p="http://schemas.openxmlformats.org/presentationml/2006/main" showMasterPhAnim="0" showMasterSp="0">
+<p:notes xmlns:a="http://schemas.openxmlformats.org/drawingml/2006/main" xmlns:r="http://schemas.openxmlformats.org/officeDocument/2006/relationships" xmlns:p="http://schemas.openxmlformats.org/presentationml/2006/main" showMasterSp="0" showMasterPhAnim="0">
   <p:cSld>
     <p:spTree>
       <p:nvGrpSpPr>
-        <p:cNvPr id="50" name="Shape 50"/>
+        <p:cNvPr id="1" name="Shape 50"/>
         <p:cNvGrpSpPr/>
         <p:nvPr/>
       </p:nvGrpSpPr>
@@ -403,14 +415,16 @@
       <p:sp>
         <p:nvSpPr>
           <p:cNvPr id="51" name="Shape 51"/>
-          <p:cNvSpPr/>
+          <p:cNvSpPr>
+            <a:spLocks noGrp="1" noRot="1" noChangeAspect="1"/>
+          </p:cNvSpPr>
           <p:nvPr>
             <p:ph type="sldImg" idx="2"/>
           </p:nvPr>
         </p:nvSpPr>
         <p:spPr>
           <a:xfrm>
-            <a:off x="381300" y="685800"/>
+            <a:off x="381000" y="685800"/>
             <a:ext cx="6096000" cy="3429000"/>
           </a:xfrm>
           <a:custGeom>
@@ -418,6 +432,7 @@
             <a:gdLst/>
             <a:ahLst/>
             <a:cxnLst/>
+            <a:rect l="0" t="0" r="0" b="0"/>
             <a:pathLst>
               <a:path w="120000" h="120000" extrusionOk="0">
                 <a:moveTo>
@@ -441,7 +456,9 @@
       <p:sp>
         <p:nvSpPr>
           <p:cNvPr id="52" name="Shape 52"/>
-          <p:cNvSpPr txBox="1"/>
+          <p:cNvSpPr txBox="1">
+            <a:spLocks noGrp="1"/>
+          </p:cNvSpPr>
           <p:nvPr>
             <p:ph type="body" idx="1"/>
           </p:nvPr>
@@ -467,10 +484,16 @@
               </a:spcBef>
               <a:buNone/>
             </a:pPr>
+            <a:endParaRPr/>
           </a:p>
         </p:txBody>
       </p:sp>
     </p:spTree>
+    <p:extLst>
+      <p:ext uri="{BB962C8B-B14F-4D97-AF65-F5344CB8AC3E}">
+        <p14:creationId xmlns:p14="http://schemas.microsoft.com/office/powerpoint/2010/main" val="2519235769"/>
+      </p:ext>
+    </p:extLst>
   </p:cSld>
   <p:clrMapOvr>
     <a:masterClrMapping/>
@@ -479,11 +502,11 @@
 </file>
 
 <file path=ppt/notesSlides/notesSlide2.xml><?xml version="1.0" encoding="utf-8"?>
-<p:notes xmlns:a="http://schemas.openxmlformats.org/drawingml/2006/main" xmlns:r="http://schemas.openxmlformats.org/officeDocument/2006/relationships" xmlns:p="http://schemas.openxmlformats.org/presentationml/2006/main" showMasterPhAnim="0" showMasterSp="0">
+<p:notes xmlns:a="http://schemas.openxmlformats.org/drawingml/2006/main" xmlns:r="http://schemas.openxmlformats.org/officeDocument/2006/relationships" xmlns:p="http://schemas.openxmlformats.org/presentationml/2006/main" showMasterSp="0" showMasterPhAnim="0">
   <p:cSld>
     <p:spTree>
       <p:nvGrpSpPr>
-        <p:cNvPr id="56" name="Shape 56"/>
+        <p:cNvPr id="1" name="Shape 56"/>
         <p:cNvGrpSpPr/>
         <p:nvPr/>
       </p:nvGrpSpPr>
@@ -498,14 +521,16 @@
       <p:sp>
         <p:nvSpPr>
           <p:cNvPr id="57" name="Shape 57"/>
-          <p:cNvSpPr/>
+          <p:cNvSpPr>
+            <a:spLocks noGrp="1" noRot="1" noChangeAspect="1"/>
+          </p:cNvSpPr>
           <p:nvPr>
             <p:ph type="sldImg" idx="2"/>
           </p:nvPr>
         </p:nvSpPr>
         <p:spPr>
           <a:xfrm>
-            <a:off x="381300" y="685800"/>
+            <a:off x="381000" y="685800"/>
             <a:ext cx="6096000" cy="3429000"/>
           </a:xfrm>
           <a:custGeom>
@@ -513,6 +538,7 @@
             <a:gdLst/>
             <a:ahLst/>
             <a:cxnLst/>
+            <a:rect l="0" t="0" r="0" b="0"/>
             <a:pathLst>
               <a:path w="120000" h="120000" extrusionOk="0">
                 <a:moveTo>
@@ -536,7 +562,9 @@
       <p:sp>
         <p:nvSpPr>
           <p:cNvPr id="58" name="Shape 58"/>
-          <p:cNvSpPr txBox="1"/>
+          <p:cNvSpPr txBox="1">
+            <a:spLocks noGrp="1"/>
+          </p:cNvSpPr>
           <p:nvPr>
             <p:ph type="body" idx="1"/>
           </p:nvPr>
@@ -566,11 +594,15 @@
               <a:rPr lang="en-GB"/>
               <a:t>首先来说说函数（function）和方法（method）的区别。它们看起来都是一块代码组成的一个功能。但是它们的含义大不一样。函数是直接用函数名调用的。而方法是必须于对象结合在一起使用的，也就是说它在定义的时候是类的一部分。</a:t>
             </a:r>
-            <a:endParaRPr lang="en-GB"/>
           </a:p>
         </p:txBody>
       </p:sp>
     </p:spTree>
+    <p:extLst>
+      <p:ext uri="{BB962C8B-B14F-4D97-AF65-F5344CB8AC3E}">
+        <p14:creationId xmlns:p14="http://schemas.microsoft.com/office/powerpoint/2010/main" val="1161134967"/>
+      </p:ext>
+    </p:extLst>
   </p:cSld>
   <p:clrMapOvr>
     <a:masterClrMapping/>
@@ -579,11 +611,11 @@
 </file>
 
 <file path=ppt/notesSlides/notesSlide3.xml><?xml version="1.0" encoding="utf-8"?>
-<p:notes xmlns:a="http://schemas.openxmlformats.org/drawingml/2006/main" xmlns:r="http://schemas.openxmlformats.org/officeDocument/2006/relationships" xmlns:p="http://schemas.openxmlformats.org/presentationml/2006/main" showMasterPhAnim="0" showMasterSp="0">
+<p:notes xmlns:a="http://schemas.openxmlformats.org/drawingml/2006/main" xmlns:r="http://schemas.openxmlformats.org/officeDocument/2006/relationships" xmlns:p="http://schemas.openxmlformats.org/presentationml/2006/main" showMasterSp="0" showMasterPhAnim="0">
   <p:cSld>
     <p:spTree>
       <p:nvGrpSpPr>
-        <p:cNvPr id="62" name="Shape 62"/>
+        <p:cNvPr id="1" name="Shape 62"/>
         <p:cNvGrpSpPr/>
         <p:nvPr/>
       </p:nvGrpSpPr>
@@ -598,14 +630,16 @@
       <p:sp>
         <p:nvSpPr>
           <p:cNvPr id="63" name="Shape 63"/>
-          <p:cNvSpPr/>
+          <p:cNvSpPr>
+            <a:spLocks noGrp="1" noRot="1" noChangeAspect="1"/>
+          </p:cNvSpPr>
           <p:nvPr>
             <p:ph type="sldImg" idx="2"/>
           </p:nvPr>
         </p:nvSpPr>
         <p:spPr>
           <a:xfrm>
-            <a:off x="381300" y="685800"/>
+            <a:off x="381000" y="685800"/>
             <a:ext cx="6096000" cy="3429000"/>
           </a:xfrm>
           <a:custGeom>
@@ -613,6 +647,7 @@
             <a:gdLst/>
             <a:ahLst/>
             <a:cxnLst/>
+            <a:rect l="0" t="0" r="0" b="0"/>
             <a:pathLst>
               <a:path w="120000" h="120000" extrusionOk="0">
                 <a:moveTo>
@@ -636,7 +671,9 @@
       <p:sp>
         <p:nvSpPr>
           <p:cNvPr id="64" name="Shape 64"/>
-          <p:cNvSpPr txBox="1"/>
+          <p:cNvSpPr txBox="1">
+            <a:spLocks noGrp="1"/>
+          </p:cNvSpPr>
           <p:nvPr>
             <p:ph type="body" idx="1"/>
           </p:nvPr>
@@ -666,11 +703,15 @@
               <a:rPr lang="en-GB"/>
               <a:t>在Python里面，一切皆对象。怎么来理解呢，我们其实可以把Python里类的方法看做是的一个属性，它的类型是method类。我们在这里举一个简单的例子，我在这里把原本a这个对象的一个方法test，给替换成了一个字符串。当然我们在实际的工作中一般不会这么干，我只是在这里说明下，语法上是允许的。由于这种一切皆对象的特性，使得Python的使用非常灵活，因为method和function也是被看作对象，有时候可以把它们作为参数传入函数或方法里，使用非常方便。</a:t>
             </a:r>
-            <a:endParaRPr lang="en-GB"/>
           </a:p>
         </p:txBody>
       </p:sp>
     </p:spTree>
+    <p:extLst>
+      <p:ext uri="{BB962C8B-B14F-4D97-AF65-F5344CB8AC3E}">
+        <p14:creationId xmlns:p14="http://schemas.microsoft.com/office/powerpoint/2010/main" val="1863180550"/>
+      </p:ext>
+    </p:extLst>
   </p:cSld>
   <p:clrMapOvr>
     <a:masterClrMapping/>
@@ -679,11 +720,11 @@
 </file>
 
 <file path=ppt/notesSlides/notesSlide4.xml><?xml version="1.0" encoding="utf-8"?>
-<p:notes xmlns:a="http://schemas.openxmlformats.org/drawingml/2006/main" xmlns:r="http://schemas.openxmlformats.org/officeDocument/2006/relationships" xmlns:p="http://schemas.openxmlformats.org/presentationml/2006/main" showMasterPhAnim="0" showMasterSp="0">
+<p:notes xmlns:a="http://schemas.openxmlformats.org/drawingml/2006/main" xmlns:r="http://schemas.openxmlformats.org/officeDocument/2006/relationships" xmlns:p="http://schemas.openxmlformats.org/presentationml/2006/main" showMasterSp="0" showMasterPhAnim="0">
   <p:cSld>
     <p:spTree>
       <p:nvGrpSpPr>
-        <p:cNvPr id="68" name="Shape 68"/>
+        <p:cNvPr id="1" name="Shape 68"/>
         <p:cNvGrpSpPr/>
         <p:nvPr/>
       </p:nvGrpSpPr>
@@ -698,14 +739,16 @@
       <p:sp>
         <p:nvSpPr>
           <p:cNvPr id="69" name="Shape 69"/>
-          <p:cNvSpPr/>
+          <p:cNvSpPr>
+            <a:spLocks noGrp="1" noRot="1" noChangeAspect="1"/>
+          </p:cNvSpPr>
           <p:nvPr>
             <p:ph type="sldImg" idx="2"/>
           </p:nvPr>
         </p:nvSpPr>
         <p:spPr>
           <a:xfrm>
-            <a:off x="381300" y="685800"/>
+            <a:off x="381000" y="685800"/>
             <a:ext cx="6096000" cy="3429000"/>
           </a:xfrm>
           <a:custGeom>
@@ -713,6 +756,7 @@
             <a:gdLst/>
             <a:ahLst/>
             <a:cxnLst/>
+            <a:rect l="0" t="0" r="0" b="0"/>
             <a:pathLst>
               <a:path w="120000" h="120000" extrusionOk="0">
                 <a:moveTo>
@@ -736,7 +780,9 @@
       <p:sp>
         <p:nvSpPr>
           <p:cNvPr id="70" name="Shape 70"/>
-          <p:cNvSpPr txBox="1"/>
+          <p:cNvSpPr txBox="1">
+            <a:spLocks noGrp="1"/>
+          </p:cNvSpPr>
           <p:nvPr>
             <p:ph type="body" idx="1"/>
           </p:nvPr>
@@ -766,11 +812,15 @@
               <a:rPr lang="en-GB"/>
               <a:t>接下来谈谈方法的控制访问。既然我们可以把类的方法看做是类的属性，那它的访问控制其实和属性一样，就是基本木有...</a:t>
             </a:r>
-            <a:endParaRPr lang="en-GB"/>
           </a:p>
         </p:txBody>
       </p:sp>
     </p:spTree>
+    <p:extLst>
+      <p:ext uri="{BB962C8B-B14F-4D97-AF65-F5344CB8AC3E}">
+        <p14:creationId xmlns:p14="http://schemas.microsoft.com/office/powerpoint/2010/main" val="4253557631"/>
+      </p:ext>
+    </p:extLst>
   </p:cSld>
   <p:clrMapOvr>
     <a:masterClrMapping/>
@@ -779,11 +829,11 @@
 </file>
 
 <file path=ppt/notesSlides/notesSlide5.xml><?xml version="1.0" encoding="utf-8"?>
-<p:notes xmlns:a="http://schemas.openxmlformats.org/drawingml/2006/main" xmlns:r="http://schemas.openxmlformats.org/officeDocument/2006/relationships" xmlns:p="http://schemas.openxmlformats.org/presentationml/2006/main" showMasterPhAnim="0" showMasterSp="0">
+<p:notes xmlns:a="http://schemas.openxmlformats.org/drawingml/2006/main" xmlns:r="http://schemas.openxmlformats.org/officeDocument/2006/relationships" xmlns:p="http://schemas.openxmlformats.org/presentationml/2006/main" showMasterSp="0" showMasterPhAnim="0">
   <p:cSld>
     <p:spTree>
       <p:nvGrpSpPr>
-        <p:cNvPr id="74" name="Shape 74"/>
+        <p:cNvPr id="1" name="Shape 74"/>
         <p:cNvGrpSpPr/>
         <p:nvPr/>
       </p:nvGrpSpPr>
@@ -798,14 +848,16 @@
       <p:sp>
         <p:nvSpPr>
           <p:cNvPr id="75" name="Shape 75"/>
-          <p:cNvSpPr/>
+          <p:cNvSpPr>
+            <a:spLocks noGrp="1" noRot="1" noChangeAspect="1"/>
+          </p:cNvSpPr>
           <p:nvPr>
             <p:ph type="sldImg" idx="2"/>
           </p:nvPr>
         </p:nvSpPr>
         <p:spPr>
           <a:xfrm>
-            <a:off x="381300" y="685800"/>
+            <a:off x="381000" y="685800"/>
             <a:ext cx="6096000" cy="3429000"/>
           </a:xfrm>
           <a:custGeom>
@@ -813,6 +865,7 @@
             <a:gdLst/>
             <a:ahLst/>
             <a:cxnLst/>
+            <a:rect l="0" t="0" r="0" b="0"/>
             <a:pathLst>
               <a:path w="120000" h="120000" extrusionOk="0">
                 <a:moveTo>
@@ -836,7 +889,9 @@
       <p:sp>
         <p:nvSpPr>
           <p:cNvPr id="76" name="Shape 76"/>
-          <p:cNvSpPr txBox="1"/>
+          <p:cNvSpPr txBox="1">
+            <a:spLocks noGrp="1"/>
+          </p:cNvSpPr>
           <p:nvPr>
             <p:ph type="body" idx="1"/>
           </p:nvPr>
@@ -866,11 +921,15 @@
               <a:rPr lang="en-GB"/>
               <a:t>下面举个简单的例子，跟定义属性一样。如果方法名称前面没有下划线，代表这个方法是公开的，如果有一个下划线，代表它是私有方法，但Python本身并没有限制。如果前面有两个下划线，代表这个方法是这个类私有的，但是和属性里介绍的一样，Python在这里只是耍了个小聪明，这个方法并不算是真正私有的。</a:t>
             </a:r>
-            <a:endParaRPr lang="en-GB"/>
           </a:p>
         </p:txBody>
       </p:sp>
     </p:spTree>
+    <p:extLst>
+      <p:ext uri="{BB962C8B-B14F-4D97-AF65-F5344CB8AC3E}">
+        <p14:creationId xmlns:p14="http://schemas.microsoft.com/office/powerpoint/2010/main" val="1800703199"/>
+      </p:ext>
+    </p:extLst>
   </p:cSld>
   <p:clrMapOvr>
     <a:masterClrMapping/>
@@ -879,11 +938,11 @@
 </file>
 
 <file path=ppt/notesSlides/notesSlide6.xml><?xml version="1.0" encoding="utf-8"?>
-<p:notes xmlns:a="http://schemas.openxmlformats.org/drawingml/2006/main" xmlns:r="http://schemas.openxmlformats.org/officeDocument/2006/relationships" xmlns:p="http://schemas.openxmlformats.org/presentationml/2006/main" showMasterPhAnim="0" showMasterSp="0">
+<p:notes xmlns:a="http://schemas.openxmlformats.org/drawingml/2006/main" xmlns:r="http://schemas.openxmlformats.org/officeDocument/2006/relationships" xmlns:p="http://schemas.openxmlformats.org/presentationml/2006/main" showMasterSp="0" showMasterPhAnim="0">
   <p:cSld>
     <p:spTree>
       <p:nvGrpSpPr>
-        <p:cNvPr id="80" name="Shape 80"/>
+        <p:cNvPr id="1" name="Shape 80"/>
         <p:cNvGrpSpPr/>
         <p:nvPr/>
       </p:nvGrpSpPr>
@@ -898,14 +957,16 @@
       <p:sp>
         <p:nvSpPr>
           <p:cNvPr id="81" name="Shape 81"/>
-          <p:cNvSpPr/>
+          <p:cNvSpPr>
+            <a:spLocks noGrp="1" noRot="1" noChangeAspect="1"/>
+          </p:cNvSpPr>
           <p:nvPr>
             <p:ph type="sldImg" idx="2"/>
           </p:nvPr>
         </p:nvSpPr>
         <p:spPr>
           <a:xfrm>
-            <a:off x="381300" y="685800"/>
+            <a:off x="381000" y="685800"/>
             <a:ext cx="6096000" cy="3429000"/>
           </a:xfrm>
           <a:custGeom>
@@ -913,6 +974,7 @@
             <a:gdLst/>
             <a:ahLst/>
             <a:cxnLst/>
+            <a:rect l="0" t="0" r="0" b="0"/>
             <a:pathLst>
               <a:path w="120000" h="120000" extrusionOk="0">
                 <a:moveTo>
@@ -936,7 +998,9 @@
       <p:sp>
         <p:nvSpPr>
           <p:cNvPr id="82" name="Shape 82"/>
-          <p:cNvSpPr txBox="1"/>
+          <p:cNvSpPr txBox="1">
+            <a:spLocks noGrp="1"/>
+          </p:cNvSpPr>
           <p:nvPr>
             <p:ph type="body" idx="1"/>
           </p:nvPr>
@@ -962,10 +1026,16 @@
               </a:spcBef>
               <a:buNone/>
             </a:pPr>
+            <a:endParaRPr/>
           </a:p>
         </p:txBody>
       </p:sp>
     </p:spTree>
+    <p:extLst>
+      <p:ext uri="{BB962C8B-B14F-4D97-AF65-F5344CB8AC3E}">
+        <p14:creationId xmlns:p14="http://schemas.microsoft.com/office/powerpoint/2010/main" val="1629725859"/>
+      </p:ext>
+    </p:extLst>
   </p:cSld>
   <p:clrMapOvr>
     <a:masterClrMapping/>
@@ -974,11 +1044,11 @@
 </file>
 
 <file path=ppt/notesSlides/notesSlide7.xml><?xml version="1.0" encoding="utf-8"?>
-<p:notes xmlns:a="http://schemas.openxmlformats.org/drawingml/2006/main" xmlns:r="http://schemas.openxmlformats.org/officeDocument/2006/relationships" xmlns:p="http://schemas.openxmlformats.org/presentationml/2006/main" showMasterPhAnim="0" showMasterSp="0">
+<p:notes xmlns:a="http://schemas.openxmlformats.org/drawingml/2006/main" xmlns:r="http://schemas.openxmlformats.org/officeDocument/2006/relationships" xmlns:p="http://schemas.openxmlformats.org/presentationml/2006/main" showMasterSp="0" showMasterPhAnim="0">
   <p:cSld>
     <p:spTree>
       <p:nvGrpSpPr>
-        <p:cNvPr id="86" name="Shape 86"/>
+        <p:cNvPr id="1" name="Shape 86"/>
         <p:cNvGrpSpPr/>
         <p:nvPr/>
       </p:nvGrpSpPr>
@@ -993,14 +1063,16 @@
       <p:sp>
         <p:nvSpPr>
           <p:cNvPr id="87" name="Shape 87"/>
-          <p:cNvSpPr/>
+          <p:cNvSpPr>
+            <a:spLocks noGrp="1" noRot="1" noChangeAspect="1"/>
+          </p:cNvSpPr>
           <p:nvPr>
             <p:ph type="sldImg" idx="2"/>
           </p:nvPr>
         </p:nvSpPr>
         <p:spPr>
           <a:xfrm>
-            <a:off x="381300" y="685800"/>
+            <a:off x="381000" y="685800"/>
             <a:ext cx="6096000" cy="3429000"/>
           </a:xfrm>
           <a:custGeom>
@@ -1008,6 +1080,7 @@
             <a:gdLst/>
             <a:ahLst/>
             <a:cxnLst/>
+            <a:rect l="0" t="0" r="0" b="0"/>
             <a:pathLst>
               <a:path w="120000" h="120000" extrusionOk="0">
                 <a:moveTo>
@@ -1031,7 +1104,9 @@
       <p:sp>
         <p:nvSpPr>
           <p:cNvPr id="88" name="Shape 88"/>
-          <p:cNvSpPr txBox="1"/>
+          <p:cNvSpPr txBox="1">
+            <a:spLocks noGrp="1"/>
+          </p:cNvSpPr>
           <p:nvPr>
             <p:ph type="body" idx="1"/>
           </p:nvPr>
@@ -1057,10 +1132,16 @@
               </a:spcBef>
               <a:buNone/>
             </a:pPr>
+            <a:endParaRPr/>
           </a:p>
         </p:txBody>
       </p:sp>
     </p:spTree>
+    <p:extLst>
+      <p:ext uri="{BB962C8B-B14F-4D97-AF65-F5344CB8AC3E}">
+        <p14:creationId xmlns:p14="http://schemas.microsoft.com/office/powerpoint/2010/main" val="3002520410"/>
+      </p:ext>
+    </p:extLst>
   </p:cSld>
   <p:clrMapOvr>
     <a:masterClrMapping/>
@@ -1073,7 +1154,7 @@
   <p:cSld name="Title slide">
     <p:spTree>
       <p:nvGrpSpPr>
-        <p:cNvPr id="9" name="Shape 9"/>
+        <p:cNvPr id="1" name="Shape 9"/>
         <p:cNvGrpSpPr/>
         <p:nvPr/>
       </p:nvGrpSpPr>
@@ -1088,7 +1169,9 @@
       <p:sp>
         <p:nvSpPr>
           <p:cNvPr id="10" name="Shape 10"/>
-          <p:cNvSpPr txBox="1"/>
+          <p:cNvSpPr txBox="1">
+            <a:spLocks noGrp="1"/>
+          </p:cNvSpPr>
           <p:nvPr>
             <p:ph type="ctrTitle"/>
           </p:nvPr>
@@ -1169,13 +1252,17 @@
               <a:defRPr sz="5200"/>
             </a:lvl9pPr>
           </a:lstStyle>
-          <a:p/>
+          <a:p>
+            <a:endParaRPr/>
+          </a:p>
         </p:txBody>
       </p:sp>
       <p:sp>
         <p:nvSpPr>
           <p:cNvPr id="11" name="Shape 11"/>
-          <p:cNvSpPr txBox="1"/>
+          <p:cNvSpPr txBox="1">
+            <a:spLocks noGrp="1"/>
+          </p:cNvSpPr>
           <p:nvPr>
             <p:ph type="subTitle" idx="1"/>
           </p:nvPr>
@@ -1319,13 +1406,17 @@
               <a:defRPr sz="2800"/>
             </a:lvl9pPr>
           </a:lstStyle>
-          <a:p/>
+          <a:p>
+            <a:endParaRPr/>
+          </a:p>
         </p:txBody>
       </p:sp>
       <p:sp>
         <p:nvSpPr>
           <p:cNvPr id="12" name="Shape 12"/>
-          <p:cNvSpPr txBox="1"/>
+          <p:cNvSpPr txBox="1">
+            <a:spLocks noGrp="1"/>
+          </p:cNvSpPr>
           <p:nvPr>
             <p:ph type="sldNum" idx="12"/>
           </p:nvPr>
@@ -1353,6 +1444,7 @@
             </a:pPr>
             <a:fld id="{00000000-1234-1234-1234-123412341234}" type="slidenum">
               <a:rPr lang="en-GB"/>
+              <a:t>‹#›</a:t>
             </a:fld>
             <a:endParaRPr lang="en-GB"/>
           </a:p>
@@ -1371,7 +1463,7 @@
   <p:cSld name="Big number">
     <p:spTree>
       <p:nvGrpSpPr>
-        <p:cNvPr id="44" name="Shape 44"/>
+        <p:cNvPr id="1" name="Shape 44"/>
         <p:cNvGrpSpPr/>
         <p:nvPr/>
       </p:nvGrpSpPr>
@@ -1386,7 +1478,9 @@
       <p:sp>
         <p:nvSpPr>
           <p:cNvPr id="45" name="Shape 45"/>
-          <p:cNvSpPr txBox="1"/>
+          <p:cNvSpPr txBox="1">
+            <a:spLocks noGrp="1"/>
+          </p:cNvSpPr>
           <p:nvPr>
             <p:ph type="title"/>
           </p:nvPr>
@@ -1467,13 +1561,17 @@
               <a:defRPr sz="12000"/>
             </a:lvl9pPr>
           </a:lstStyle>
-          <a:p/>
+          <a:p>
+            <a:endParaRPr/>
+          </a:p>
         </p:txBody>
       </p:sp>
       <p:sp>
         <p:nvSpPr>
           <p:cNvPr id="46" name="Shape 46"/>
-          <p:cNvSpPr txBox="1"/>
+          <p:cNvSpPr txBox="1">
+            <a:spLocks noGrp="1"/>
+          </p:cNvSpPr>
           <p:nvPr>
             <p:ph type="body" idx="1"/>
           </p:nvPr>
@@ -1545,13 +1643,17 @@
               <a:defRPr/>
             </a:lvl9pPr>
           </a:lstStyle>
-          <a:p/>
+          <a:p>
+            <a:endParaRPr/>
+          </a:p>
         </p:txBody>
       </p:sp>
       <p:sp>
         <p:nvSpPr>
           <p:cNvPr id="47" name="Shape 47"/>
-          <p:cNvSpPr txBox="1"/>
+          <p:cNvSpPr txBox="1">
+            <a:spLocks noGrp="1"/>
+          </p:cNvSpPr>
           <p:nvPr>
             <p:ph type="sldNum" idx="12"/>
           </p:nvPr>
@@ -1579,6 +1681,7 @@
             </a:pPr>
             <a:fld id="{00000000-1234-1234-1234-123412341234}" type="slidenum">
               <a:rPr lang="en-GB"/>
+              <a:t>‹#›</a:t>
             </a:fld>
             <a:endParaRPr lang="en-GB"/>
           </a:p>
@@ -1597,7 +1700,7 @@
   <p:cSld name="Blank">
     <p:spTree>
       <p:nvGrpSpPr>
-        <p:cNvPr id="48" name="Shape 48"/>
+        <p:cNvPr id="1" name="Shape 48"/>
         <p:cNvGrpSpPr/>
         <p:nvPr/>
       </p:nvGrpSpPr>
@@ -1612,7 +1715,9 @@
       <p:sp>
         <p:nvSpPr>
           <p:cNvPr id="49" name="Shape 49"/>
-          <p:cNvSpPr txBox="1"/>
+          <p:cNvSpPr txBox="1">
+            <a:spLocks noGrp="1"/>
+          </p:cNvSpPr>
           <p:nvPr>
             <p:ph type="sldNum" idx="12"/>
           </p:nvPr>
@@ -1640,6 +1745,7 @@
             </a:pPr>
             <a:fld id="{00000000-1234-1234-1234-123412341234}" type="slidenum">
               <a:rPr lang="en-GB"/>
+              <a:t>‹#›</a:t>
             </a:fld>
             <a:endParaRPr lang="en-GB"/>
           </a:p>
@@ -1658,7 +1764,7 @@
   <p:cSld name="Section header">
     <p:spTree>
       <p:nvGrpSpPr>
-        <p:cNvPr id="13" name="Shape 13"/>
+        <p:cNvPr id="1" name="Shape 13"/>
         <p:cNvGrpSpPr/>
         <p:nvPr/>
       </p:nvGrpSpPr>
@@ -1673,7 +1779,9 @@
       <p:sp>
         <p:nvSpPr>
           <p:cNvPr id="14" name="Shape 14"/>
-          <p:cNvSpPr txBox="1"/>
+          <p:cNvSpPr txBox="1">
+            <a:spLocks noGrp="1"/>
+          </p:cNvSpPr>
           <p:nvPr>
             <p:ph type="title"/>
           </p:nvPr>
@@ -1754,13 +1862,17 @@
               <a:defRPr sz="3600"/>
             </a:lvl9pPr>
           </a:lstStyle>
-          <a:p/>
+          <a:p>
+            <a:endParaRPr/>
+          </a:p>
         </p:txBody>
       </p:sp>
       <p:sp>
         <p:nvSpPr>
           <p:cNvPr id="15" name="Shape 15"/>
-          <p:cNvSpPr txBox="1"/>
+          <p:cNvSpPr txBox="1">
+            <a:spLocks noGrp="1"/>
+          </p:cNvSpPr>
           <p:nvPr>
             <p:ph type="sldNum" idx="12"/>
           </p:nvPr>
@@ -1788,6 +1900,7 @@
             </a:pPr>
             <a:fld id="{00000000-1234-1234-1234-123412341234}" type="slidenum">
               <a:rPr lang="en-GB"/>
+              <a:t>‹#›</a:t>
             </a:fld>
             <a:endParaRPr lang="en-GB"/>
           </a:p>
@@ -1806,7 +1919,7 @@
   <p:cSld name="Title and body">
     <p:spTree>
       <p:nvGrpSpPr>
-        <p:cNvPr id="16" name="Shape 16"/>
+        <p:cNvPr id="1" name="Shape 16"/>
         <p:cNvGrpSpPr/>
         <p:nvPr/>
       </p:nvGrpSpPr>
@@ -1821,7 +1934,9 @@
       <p:sp>
         <p:nvSpPr>
           <p:cNvPr id="17" name="Shape 17"/>
-          <p:cNvSpPr txBox="1"/>
+          <p:cNvSpPr txBox="1">
+            <a:spLocks noGrp="1"/>
+          </p:cNvSpPr>
           <p:nvPr>
             <p:ph type="title"/>
           </p:nvPr>
@@ -1893,13 +2008,17 @@
               <a:defRPr/>
             </a:lvl9pPr>
           </a:lstStyle>
-          <a:p/>
+          <a:p>
+            <a:endParaRPr/>
+          </a:p>
         </p:txBody>
       </p:sp>
       <p:sp>
         <p:nvSpPr>
           <p:cNvPr id="18" name="Shape 18"/>
-          <p:cNvSpPr txBox="1"/>
+          <p:cNvSpPr txBox="1">
+            <a:spLocks noGrp="1"/>
+          </p:cNvSpPr>
           <p:nvPr>
             <p:ph type="body" idx="1"/>
           </p:nvPr>
@@ -1971,13 +2090,17 @@
               <a:defRPr/>
             </a:lvl9pPr>
           </a:lstStyle>
-          <a:p/>
+          <a:p>
+            <a:endParaRPr/>
+          </a:p>
         </p:txBody>
       </p:sp>
       <p:sp>
         <p:nvSpPr>
           <p:cNvPr id="19" name="Shape 19"/>
-          <p:cNvSpPr txBox="1"/>
+          <p:cNvSpPr txBox="1">
+            <a:spLocks noGrp="1"/>
+          </p:cNvSpPr>
           <p:nvPr>
             <p:ph type="sldNum" idx="12"/>
           </p:nvPr>
@@ -2005,6 +2128,7 @@
             </a:pPr>
             <a:fld id="{00000000-1234-1234-1234-123412341234}" type="slidenum">
               <a:rPr lang="en-GB"/>
+              <a:t>‹#›</a:t>
             </a:fld>
             <a:endParaRPr lang="en-GB"/>
           </a:p>
@@ -2023,7 +2147,7 @@
   <p:cSld name="Title and two columns">
     <p:spTree>
       <p:nvGrpSpPr>
-        <p:cNvPr id="20" name="Shape 20"/>
+        <p:cNvPr id="1" name="Shape 20"/>
         <p:cNvGrpSpPr/>
         <p:nvPr/>
       </p:nvGrpSpPr>
@@ -2038,7 +2162,9 @@
       <p:sp>
         <p:nvSpPr>
           <p:cNvPr id="21" name="Shape 21"/>
-          <p:cNvSpPr txBox="1"/>
+          <p:cNvSpPr txBox="1">
+            <a:spLocks noGrp="1"/>
+          </p:cNvSpPr>
           <p:nvPr>
             <p:ph type="title"/>
           </p:nvPr>
@@ -2110,13 +2236,17 @@
               <a:defRPr/>
             </a:lvl9pPr>
           </a:lstStyle>
-          <a:p/>
+          <a:p>
+            <a:endParaRPr/>
+          </a:p>
         </p:txBody>
       </p:sp>
       <p:sp>
         <p:nvSpPr>
           <p:cNvPr id="22" name="Shape 22"/>
-          <p:cNvSpPr txBox="1"/>
+          <p:cNvSpPr txBox="1">
+            <a:spLocks noGrp="1"/>
+          </p:cNvSpPr>
           <p:nvPr>
             <p:ph type="body" idx="1"/>
           </p:nvPr>
@@ -2197,13 +2327,17 @@
               <a:defRPr sz="1200"/>
             </a:lvl9pPr>
           </a:lstStyle>
-          <a:p/>
+          <a:p>
+            <a:endParaRPr/>
+          </a:p>
         </p:txBody>
       </p:sp>
       <p:sp>
         <p:nvSpPr>
           <p:cNvPr id="23" name="Shape 23"/>
-          <p:cNvSpPr txBox="1"/>
+          <p:cNvSpPr txBox="1">
+            <a:spLocks noGrp="1"/>
+          </p:cNvSpPr>
           <p:nvPr>
             <p:ph type="body" idx="2"/>
           </p:nvPr>
@@ -2284,13 +2418,17 @@
               <a:defRPr sz="1200"/>
             </a:lvl9pPr>
           </a:lstStyle>
-          <a:p/>
+          <a:p>
+            <a:endParaRPr/>
+          </a:p>
         </p:txBody>
       </p:sp>
       <p:sp>
         <p:nvSpPr>
           <p:cNvPr id="24" name="Shape 24"/>
-          <p:cNvSpPr txBox="1"/>
+          <p:cNvSpPr txBox="1">
+            <a:spLocks noGrp="1"/>
+          </p:cNvSpPr>
           <p:nvPr>
             <p:ph type="sldNum" idx="12"/>
           </p:nvPr>
@@ -2318,6 +2456,7 @@
             </a:pPr>
             <a:fld id="{00000000-1234-1234-1234-123412341234}" type="slidenum">
               <a:rPr lang="en-GB"/>
+              <a:t>‹#›</a:t>
             </a:fld>
             <a:endParaRPr lang="en-GB"/>
           </a:p>
@@ -2336,7 +2475,7 @@
   <p:cSld name="Title only">
     <p:spTree>
       <p:nvGrpSpPr>
-        <p:cNvPr id="25" name="Shape 25"/>
+        <p:cNvPr id="1" name="Shape 25"/>
         <p:cNvGrpSpPr/>
         <p:nvPr/>
       </p:nvGrpSpPr>
@@ -2351,7 +2490,9 @@
       <p:sp>
         <p:nvSpPr>
           <p:cNvPr id="26" name="Shape 26"/>
-          <p:cNvSpPr txBox="1"/>
+          <p:cNvSpPr txBox="1">
+            <a:spLocks noGrp="1"/>
+          </p:cNvSpPr>
           <p:nvPr>
             <p:ph type="title"/>
           </p:nvPr>
@@ -2423,13 +2564,17 @@
               <a:defRPr/>
             </a:lvl9pPr>
           </a:lstStyle>
-          <a:p/>
+          <a:p>
+            <a:endParaRPr/>
+          </a:p>
         </p:txBody>
       </p:sp>
       <p:sp>
         <p:nvSpPr>
           <p:cNvPr id="27" name="Shape 27"/>
-          <p:cNvSpPr txBox="1"/>
+          <p:cNvSpPr txBox="1">
+            <a:spLocks noGrp="1"/>
+          </p:cNvSpPr>
           <p:nvPr>
             <p:ph type="sldNum" idx="12"/>
           </p:nvPr>
@@ -2457,6 +2602,7 @@
             </a:pPr>
             <a:fld id="{00000000-1234-1234-1234-123412341234}" type="slidenum">
               <a:rPr lang="en-GB"/>
+              <a:t>‹#›</a:t>
             </a:fld>
             <a:endParaRPr lang="en-GB"/>
           </a:p>
@@ -2475,7 +2621,7 @@
   <p:cSld name="One column text">
     <p:spTree>
       <p:nvGrpSpPr>
-        <p:cNvPr id="28" name="Shape 28"/>
+        <p:cNvPr id="1" name="Shape 28"/>
         <p:cNvGrpSpPr/>
         <p:nvPr/>
       </p:nvGrpSpPr>
@@ -2490,7 +2636,9 @@
       <p:sp>
         <p:nvSpPr>
           <p:cNvPr id="29" name="Shape 29"/>
-          <p:cNvSpPr txBox="1"/>
+          <p:cNvSpPr txBox="1">
+            <a:spLocks noGrp="1"/>
+          </p:cNvSpPr>
           <p:nvPr>
             <p:ph type="title"/>
           </p:nvPr>
@@ -2571,13 +2719,17 @@
               <a:defRPr sz="2400"/>
             </a:lvl9pPr>
           </a:lstStyle>
-          <a:p/>
+          <a:p>
+            <a:endParaRPr/>
+          </a:p>
         </p:txBody>
       </p:sp>
       <p:sp>
         <p:nvSpPr>
           <p:cNvPr id="30" name="Shape 30"/>
-          <p:cNvSpPr txBox="1"/>
+          <p:cNvSpPr txBox="1">
+            <a:spLocks noGrp="1"/>
+          </p:cNvSpPr>
           <p:nvPr>
             <p:ph type="body" idx="1"/>
           </p:nvPr>
@@ -2658,13 +2810,17 @@
               <a:defRPr sz="1200"/>
             </a:lvl9pPr>
           </a:lstStyle>
-          <a:p/>
+          <a:p>
+            <a:endParaRPr/>
+          </a:p>
         </p:txBody>
       </p:sp>
       <p:sp>
         <p:nvSpPr>
           <p:cNvPr id="31" name="Shape 31"/>
-          <p:cNvSpPr txBox="1"/>
+          <p:cNvSpPr txBox="1">
+            <a:spLocks noGrp="1"/>
+          </p:cNvSpPr>
           <p:nvPr>
             <p:ph type="sldNum" idx="12"/>
           </p:nvPr>
@@ -2692,6 +2848,7 @@
             </a:pPr>
             <a:fld id="{00000000-1234-1234-1234-123412341234}" type="slidenum">
               <a:rPr lang="en-GB"/>
+              <a:t>‹#›</a:t>
             </a:fld>
             <a:endParaRPr lang="en-GB"/>
           </a:p>
@@ -2710,7 +2867,7 @@
   <p:cSld name="Main point">
     <p:spTree>
       <p:nvGrpSpPr>
-        <p:cNvPr id="32" name="Shape 32"/>
+        <p:cNvPr id="1" name="Shape 32"/>
         <p:cNvGrpSpPr/>
         <p:nvPr/>
       </p:nvGrpSpPr>
@@ -2725,7 +2882,9 @@
       <p:sp>
         <p:nvSpPr>
           <p:cNvPr id="33" name="Shape 33"/>
-          <p:cNvSpPr txBox="1"/>
+          <p:cNvSpPr txBox="1">
+            <a:spLocks noGrp="1"/>
+          </p:cNvSpPr>
           <p:nvPr>
             <p:ph type="title"/>
           </p:nvPr>
@@ -2806,13 +2965,17 @@
               <a:defRPr sz="4800"/>
             </a:lvl9pPr>
           </a:lstStyle>
-          <a:p/>
+          <a:p>
+            <a:endParaRPr/>
+          </a:p>
         </p:txBody>
       </p:sp>
       <p:sp>
         <p:nvSpPr>
           <p:cNvPr id="34" name="Shape 34"/>
-          <p:cNvSpPr txBox="1"/>
+          <p:cNvSpPr txBox="1">
+            <a:spLocks noGrp="1"/>
+          </p:cNvSpPr>
           <p:nvPr>
             <p:ph type="sldNum" idx="12"/>
           </p:nvPr>
@@ -2840,6 +3003,7 @@
             </a:pPr>
             <a:fld id="{00000000-1234-1234-1234-123412341234}" type="slidenum">
               <a:rPr lang="en-GB"/>
+              <a:t>‹#›</a:t>
             </a:fld>
             <a:endParaRPr lang="en-GB"/>
           </a:p>
@@ -2858,7 +3022,7 @@
   <p:cSld name="Section title and description">
     <p:spTree>
       <p:nvGrpSpPr>
-        <p:cNvPr id="35" name="Shape 35"/>
+        <p:cNvPr id="1" name="Shape 35"/>
         <p:cNvGrpSpPr/>
         <p:nvPr/>
       </p:nvGrpSpPr>
@@ -2903,13 +3067,16 @@
               </a:spcBef>
               <a:buNone/>
             </a:pPr>
+            <a:endParaRPr/>
           </a:p>
         </p:txBody>
       </p:sp>
       <p:sp>
         <p:nvSpPr>
           <p:cNvPr id="37" name="Shape 37"/>
-          <p:cNvSpPr txBox="1"/>
+          <p:cNvSpPr txBox="1">
+            <a:spLocks noGrp="1"/>
+          </p:cNvSpPr>
           <p:nvPr>
             <p:ph type="title"/>
           </p:nvPr>
@@ -2990,13 +3157,17 @@
               <a:defRPr sz="4200"/>
             </a:lvl9pPr>
           </a:lstStyle>
-          <a:p/>
+          <a:p>
+            <a:endParaRPr/>
+          </a:p>
         </p:txBody>
       </p:sp>
       <p:sp>
         <p:nvSpPr>
           <p:cNvPr id="38" name="Shape 38"/>
-          <p:cNvSpPr txBox="1"/>
+          <p:cNvSpPr txBox="1">
+            <a:spLocks noGrp="1"/>
+          </p:cNvSpPr>
           <p:nvPr>
             <p:ph type="subTitle" idx="1"/>
           </p:nvPr>
@@ -3140,13 +3311,17 @@
               <a:defRPr sz="2100"/>
             </a:lvl9pPr>
           </a:lstStyle>
-          <a:p/>
+          <a:p>
+            <a:endParaRPr/>
+          </a:p>
         </p:txBody>
       </p:sp>
       <p:sp>
         <p:nvSpPr>
           <p:cNvPr id="39" name="Shape 39"/>
-          <p:cNvSpPr txBox="1"/>
+          <p:cNvSpPr txBox="1">
+            <a:spLocks noGrp="1"/>
+          </p:cNvSpPr>
           <p:nvPr>
             <p:ph type="body" idx="2"/>
           </p:nvPr>
@@ -3218,13 +3393,17 @@
               <a:defRPr/>
             </a:lvl9pPr>
           </a:lstStyle>
-          <a:p/>
+          <a:p>
+            <a:endParaRPr/>
+          </a:p>
         </p:txBody>
       </p:sp>
       <p:sp>
         <p:nvSpPr>
           <p:cNvPr id="40" name="Shape 40"/>
-          <p:cNvSpPr txBox="1"/>
+          <p:cNvSpPr txBox="1">
+            <a:spLocks noGrp="1"/>
+          </p:cNvSpPr>
           <p:nvPr>
             <p:ph type="sldNum" idx="12"/>
           </p:nvPr>
@@ -3252,6 +3431,7 @@
             </a:pPr>
             <a:fld id="{00000000-1234-1234-1234-123412341234}" type="slidenum">
               <a:rPr lang="en-GB"/>
+              <a:t>‹#›</a:t>
             </a:fld>
             <a:endParaRPr lang="en-GB"/>
           </a:p>
@@ -3270,7 +3450,7 @@
   <p:cSld name="Caption">
     <p:spTree>
       <p:nvGrpSpPr>
-        <p:cNvPr id="41" name="Shape 41"/>
+        <p:cNvPr id="1" name="Shape 41"/>
         <p:cNvGrpSpPr/>
         <p:nvPr/>
       </p:nvGrpSpPr>
@@ -3285,7 +3465,9 @@
       <p:sp>
         <p:nvSpPr>
           <p:cNvPr id="42" name="Shape 42"/>
-          <p:cNvSpPr txBox="1"/>
+          <p:cNvSpPr txBox="1">
+            <a:spLocks noGrp="1"/>
+          </p:cNvSpPr>
           <p:nvPr>
             <p:ph type="body" idx="1"/>
           </p:nvPr>
@@ -3316,13 +3498,17 @@
               <a:defRPr/>
             </a:lvl1pPr>
           </a:lstStyle>
-          <a:p/>
+          <a:p>
+            <a:endParaRPr/>
+          </a:p>
         </p:txBody>
       </p:sp>
       <p:sp>
         <p:nvSpPr>
           <p:cNvPr id="43" name="Shape 43"/>
-          <p:cNvSpPr txBox="1"/>
+          <p:cNvSpPr txBox="1">
+            <a:spLocks noGrp="1"/>
+          </p:cNvSpPr>
           <p:nvPr>
             <p:ph type="sldNum" idx="12"/>
           </p:nvPr>
@@ -3350,6 +3536,7 @@
             </a:pPr>
             <a:fld id="{00000000-1234-1234-1234-123412341234}" type="slidenum">
               <a:rPr lang="en-GB"/>
+              <a:t>‹#›</a:t>
             </a:fld>
             <a:endParaRPr lang="en-GB"/>
           </a:p>
@@ -3376,7 +3563,7 @@
     </p:bg>
     <p:spTree>
       <p:nvGrpSpPr>
-        <p:cNvPr id="5" name="Shape 5"/>
+        <p:cNvPr id="1" name="Shape 5"/>
         <p:cNvGrpSpPr/>
         <p:nvPr/>
       </p:nvGrpSpPr>
@@ -3391,7 +3578,9 @@
       <p:sp>
         <p:nvSpPr>
           <p:cNvPr id="6" name="Shape 6"/>
-          <p:cNvSpPr txBox="1"/>
+          <p:cNvSpPr txBox="1">
+            <a:spLocks noGrp="1"/>
+          </p:cNvSpPr>
           <p:nvPr>
             <p:ph type="title"/>
           </p:nvPr>
@@ -3548,13 +3737,17 @@
               </a:defRPr>
             </a:lvl9pPr>
           </a:lstStyle>
-          <a:p/>
+          <a:p>
+            <a:endParaRPr/>
+          </a:p>
         </p:txBody>
       </p:sp>
       <p:sp>
         <p:nvSpPr>
           <p:cNvPr id="7" name="Shape 7"/>
-          <p:cNvSpPr txBox="1"/>
+          <p:cNvSpPr txBox="1">
+            <a:spLocks noGrp="1"/>
+          </p:cNvSpPr>
           <p:nvPr>
             <p:ph type="body" idx="1"/>
           </p:nvPr>
@@ -3748,13 +3941,17 @@
               </a:defRPr>
             </a:lvl9pPr>
           </a:lstStyle>
-          <a:p/>
+          <a:p>
+            <a:endParaRPr/>
+          </a:p>
         </p:txBody>
       </p:sp>
       <p:sp>
         <p:nvSpPr>
           <p:cNvPr id="8" name="Shape 8"/>
-          <p:cNvSpPr txBox="1"/>
+          <p:cNvSpPr txBox="1">
+            <a:spLocks noGrp="1"/>
+          </p:cNvSpPr>
           <p:nvPr>
             <p:ph type="sldNum" idx="12"/>
           </p:nvPr>
@@ -3790,6 +3987,7 @@
                   <a:schemeClr val="dk2"/>
                 </a:solidFill>
               </a:rPr>
+              <a:t>‹#›</a:t>
             </a:fld>
             <a:endParaRPr lang="en-GB" sz="1000">
               <a:solidFill>
@@ -4264,7 +4462,7 @@
   <p:cSld>
     <p:spTree>
       <p:nvGrpSpPr>
-        <p:cNvPr id="53" name="Shape 53"/>
+        <p:cNvPr id="1" name="Shape 53"/>
         <p:cNvGrpSpPr/>
         <p:nvPr/>
       </p:nvGrpSpPr>
@@ -4279,7 +4477,9 @@
       <p:sp>
         <p:nvSpPr>
           <p:cNvPr id="54" name="Shape 54"/>
-          <p:cNvSpPr txBox="1"/>
+          <p:cNvSpPr txBox="1">
+            <a:spLocks noGrp="1"/>
+          </p:cNvSpPr>
           <p:nvPr>
             <p:ph type="ctrTitle"/>
           </p:nvPr>
@@ -4287,7 +4487,7 @@
         <p:spPr>
           <a:xfrm>
             <a:off x="311708" y="744575"/>
-            <a:ext cx="8520600" cy="2052600"/>
+            <a:ext cx="8520592" cy="2089550"/>
           </a:xfrm>
           <a:prstGeom prst="rect">
             <a:avLst/>
@@ -4306,7 +4506,7 @@
               <a:buNone/>
             </a:pPr>
             <a:r>
-              <a:rPr lang="en-GB" sz="3000" b="1">
+              <a:rPr lang="en-GB" sz="3000" b="1" dirty="0" err="1">
                 <a:solidFill>
                   <a:srgbClr val="C9394A"/>
                 </a:solidFill>
@@ -4315,7 +4515,7 @@
               </a:rPr>
               <a:t>定义类的方法</a:t>
             </a:r>
-            <a:endParaRPr lang="en-GB" sz="3000" b="1">
+            <a:endParaRPr lang="en-GB" sz="3000" b="1" dirty="0">
               <a:solidFill>
                 <a:srgbClr val="C9394A"/>
               </a:solidFill>
@@ -4328,7 +4528,9 @@
       <p:sp>
         <p:nvSpPr>
           <p:cNvPr id="55" name="Shape 55"/>
-          <p:cNvSpPr txBox="1"/>
+          <p:cNvSpPr txBox="1">
+            <a:spLocks noGrp="1"/>
+          </p:cNvSpPr>
           <p:nvPr>
             <p:ph type="subTitle" idx="1"/>
           </p:nvPr>
@@ -4354,6 +4556,7 @@
               </a:spcBef>
               <a:buNone/>
             </a:pPr>
+            <a:endParaRPr/>
           </a:p>
         </p:txBody>
       </p:sp>
@@ -4370,7 +4573,7 @@
   <p:cSld>
     <p:spTree>
       <p:nvGrpSpPr>
-        <p:cNvPr id="59" name="Shape 59"/>
+        <p:cNvPr id="1" name="Shape 59"/>
         <p:cNvGrpSpPr/>
         <p:nvPr/>
       </p:nvGrpSpPr>
@@ -4385,15 +4588,17 @@
       <p:sp>
         <p:nvSpPr>
           <p:cNvPr id="60" name="Shape 60"/>
-          <p:cNvSpPr txBox="1"/>
+          <p:cNvSpPr txBox="1">
+            <a:spLocks noGrp="1"/>
+          </p:cNvSpPr>
           <p:nvPr>
             <p:ph type="title"/>
           </p:nvPr>
         </p:nvSpPr>
         <p:spPr>
           <a:xfrm>
-            <a:off x="311700" y="445025"/>
-            <a:ext cx="8520600" cy="572700"/>
+            <a:off x="1016923" y="1598483"/>
+            <a:ext cx="5120912" cy="582928"/>
           </a:xfrm>
           <a:prstGeom prst="rect">
             <a:avLst/>
@@ -4412,7 +4617,7 @@
               <a:buNone/>
             </a:pPr>
             <a:r>
-              <a:rPr lang="en-GB" sz="2200">
+              <a:rPr lang="en-GB" sz="2200" dirty="0" err="1">
                 <a:solidFill>
                   <a:srgbClr val="C9394A"/>
                 </a:solidFill>
@@ -4421,7 +4626,7 @@
               </a:rPr>
               <a:t>函数和方法</a:t>
             </a:r>
-            <a:endParaRPr lang="en-GB" sz="2200">
+            <a:endParaRPr lang="en-GB" sz="2200" dirty="0">
               <a:solidFill>
                 <a:srgbClr val="C9394A"/>
               </a:solidFill>
@@ -4434,15 +4639,17 @@
       <p:sp>
         <p:nvSpPr>
           <p:cNvPr id="61" name="Shape 61"/>
-          <p:cNvSpPr txBox="1"/>
+          <p:cNvSpPr txBox="1">
+            <a:spLocks noGrp="1"/>
+          </p:cNvSpPr>
           <p:nvPr>
             <p:ph type="body" idx="1"/>
           </p:nvPr>
         </p:nvSpPr>
         <p:spPr>
           <a:xfrm>
-            <a:off x="311700" y="1152475"/>
-            <a:ext cx="8520600" cy="3416400"/>
+            <a:off x="1016923" y="2371675"/>
+            <a:ext cx="6698700" cy="1184325"/>
           </a:xfrm>
           <a:prstGeom prst="rect">
             <a:avLst/>
@@ -4463,10 +4670,10 @@
               <a:buChar char="•"/>
             </a:pPr>
             <a:r>
-              <a:rPr lang="en-GB" sz="1500"/>
+              <a:rPr lang="en-GB" sz="1500" dirty="0" err="1"/>
               <a:t>函数是直接用函数名调用的</a:t>
             </a:r>
-            <a:endParaRPr lang="en-GB" sz="1500"/>
+            <a:endParaRPr lang="en-GB" sz="1500" dirty="0"/>
           </a:p>
           <a:p>
             <a:pPr marL="457200" lvl="0" indent="-323850">
@@ -4478,10 +4685,45 @@
               <a:buChar char="•"/>
             </a:pPr>
             <a:r>
-              <a:rPr lang="en-GB" sz="1500"/>
+              <a:rPr lang="en-GB" sz="1500" dirty="0" err="1"/>
               <a:t>方法是类的一部分</a:t>
             </a:r>
-            <a:endParaRPr lang="en-GB" sz="1500"/>
+            <a:endParaRPr lang="en-GB" sz="1500" dirty="0"/>
+          </a:p>
+        </p:txBody>
+      </p:sp>
+      <p:sp>
+        <p:nvSpPr>
+          <p:cNvPr id="2" name="矩形 1"/>
+          <p:cNvSpPr/>
+          <p:nvPr/>
+        </p:nvSpPr>
+        <p:spPr>
+          <a:xfrm>
+            <a:off x="3367317" y="546849"/>
+            <a:ext cx="2492990" cy="553998"/>
+          </a:xfrm>
+          <a:prstGeom prst="rect">
+            <a:avLst/>
+          </a:prstGeom>
+        </p:spPr>
+        <p:txBody>
+          <a:bodyPr wrap="none">
+            <a:spAutoFit/>
+          </a:bodyPr>
+          <a:lstStyle/>
+          <a:p>
+            <a:r>
+              <a:rPr lang="en-GB" altLang="zh-CN" sz="3000" b="1" dirty="0" err="1">
+                <a:solidFill>
+                  <a:srgbClr val="C9394A"/>
+                </a:solidFill>
+                <a:latin typeface="微软雅黑" charset="0"/>
+                <a:ea typeface="微软雅黑" charset="0"/>
+              </a:rPr>
+              <a:t>定义类的方法</a:t>
+            </a:r>
+            <a:endParaRPr lang="zh-CN" altLang="en-US" sz="3000" dirty="0"/>
           </a:p>
         </p:txBody>
       </p:sp>
@@ -4676,14 +4918,14 @@
                 </p:childTnLst>
               </p:cTn>
               <p:prevCondLst>
-                <p:cond evt="onPrev">
+                <p:cond evt="onPrev" delay="0">
                   <p:tgtEl>
                     <p:sldTgt/>
                   </p:tgtEl>
                 </p:cond>
               </p:prevCondLst>
               <p:nextCondLst>
-                <p:cond evt="onNext">
+                <p:cond evt="onNext" delay="0">
                   <p:tgtEl>
                     <p:sldTgt/>
                   </p:tgtEl>
@@ -4703,7 +4945,7 @@
   <p:cSld>
     <p:spTree>
       <p:nvGrpSpPr>
-        <p:cNvPr id="65" name="Shape 65"/>
+        <p:cNvPr id="1" name="Shape 65"/>
         <p:cNvGrpSpPr/>
         <p:nvPr/>
       </p:nvGrpSpPr>
@@ -4718,14 +4960,16 @@
       <p:sp>
         <p:nvSpPr>
           <p:cNvPr id="66" name="Shape 66"/>
-          <p:cNvSpPr txBox="1"/>
+          <p:cNvSpPr txBox="1">
+            <a:spLocks noGrp="1"/>
+          </p:cNvSpPr>
           <p:nvPr>
             <p:ph type="title"/>
           </p:nvPr>
         </p:nvSpPr>
         <p:spPr>
           <a:xfrm>
-            <a:off x="311700" y="445025"/>
+            <a:off x="311700" y="1039963"/>
             <a:ext cx="8520600" cy="572700"/>
           </a:xfrm>
           <a:prstGeom prst="rect">
@@ -4745,7 +4989,7 @@
               <a:buNone/>
             </a:pPr>
             <a:r>
-              <a:rPr lang="en-GB" sz="2200">
+              <a:rPr lang="en-GB" sz="2200" dirty="0" err="1" smtClean="0">
                 <a:solidFill>
                   <a:srgbClr val="C9394A"/>
                 </a:solidFill>
@@ -4754,7 +4998,7 @@
               </a:rPr>
               <a:t>类的方法也是类的属性</a:t>
             </a:r>
-            <a:endParaRPr lang="en-GB" sz="2200">
+            <a:endParaRPr lang="en-GB" sz="2200" dirty="0">
               <a:solidFill>
                 <a:srgbClr val="C9394A"/>
               </a:solidFill>
@@ -4767,14 +5011,16 @@
       <p:sp>
         <p:nvSpPr>
           <p:cNvPr id="67" name="Shape 67"/>
-          <p:cNvSpPr txBox="1"/>
+          <p:cNvSpPr txBox="1">
+            <a:spLocks noGrp="1"/>
+          </p:cNvSpPr>
           <p:nvPr>
             <p:ph type="body" idx="1"/>
           </p:nvPr>
         </p:nvSpPr>
         <p:spPr>
           <a:xfrm>
-            <a:off x="311700" y="1152475"/>
+            <a:off x="311700" y="1612663"/>
             <a:ext cx="8520600" cy="3416400"/>
           </a:xfrm>
           <a:prstGeom prst="rect">
@@ -4805,7 +5051,7 @@
               <a:buNone/>
             </a:pPr>
             <a:r>
-              <a:rPr lang="en-GB" sz="1500">
+              <a:rPr lang="en-GB" sz="1500" dirty="0">
                 <a:solidFill>
                   <a:srgbClr val="FF5600"/>
                 </a:solidFill>
@@ -4820,7 +5066,7 @@
               <a:t>&gt;&gt;&gt;</a:t>
             </a:r>
             <a:r>
-              <a:rPr lang="en-GB" sz="1500">
+              <a:rPr lang="en-GB" sz="1500" dirty="0">
                 <a:solidFill>
                   <a:schemeClr val="dk1"/>
                 </a:solidFill>
@@ -4835,7 +5081,7 @@
               <a:t> </a:t>
             </a:r>
             <a:r>
-              <a:rPr lang="en-GB" sz="1500">
+              <a:rPr lang="en-GB" sz="1500" dirty="0">
                 <a:solidFill>
                   <a:srgbClr val="FF5600"/>
                 </a:solidFill>
@@ -4850,7 +5096,7 @@
               <a:t>class</a:t>
             </a:r>
             <a:r>
-              <a:rPr lang="en-GB" sz="1500">
+              <a:rPr lang="en-GB" sz="1500" dirty="0">
                 <a:solidFill>
                   <a:schemeClr val="dk1"/>
                 </a:solidFill>
@@ -4865,7 +5111,7 @@
               <a:t> Test(</a:t>
             </a:r>
             <a:r>
-              <a:rPr lang="en-GB" sz="1500">
+              <a:rPr lang="en-GB" sz="1500" dirty="0">
                 <a:solidFill>
                   <a:srgbClr val="A535AE"/>
                 </a:solidFill>
@@ -4880,7 +5126,7 @@
               <a:t>object</a:t>
             </a:r>
             <a:r>
-              <a:rPr lang="en-GB" sz="1500">
+              <a:rPr lang="en-GB" sz="1500" dirty="0">
                 <a:solidFill>
                   <a:schemeClr val="dk1"/>
                 </a:solidFill>
@@ -4895,7 +5141,7 @@
               <a:t>):</a:t>
             </a:r>
             <a:br>
-              <a:rPr lang="en-GB" sz="1500">
+              <a:rPr lang="en-GB" sz="1500" dirty="0">
                 <a:solidFill>
                   <a:schemeClr val="dk1"/>
                 </a:solidFill>
@@ -4909,7 +5155,7 @@
               </a:rPr>
             </a:br>
             <a:r>
-              <a:rPr lang="en-GB" sz="1500">
+              <a:rPr lang="en-GB" sz="1500" dirty="0">
                 <a:solidFill>
                   <a:schemeClr val="dk1"/>
                 </a:solidFill>
@@ -4924,7 +5170,7 @@
               <a:t>...     </a:t>
             </a:r>
             <a:r>
-              <a:rPr lang="en-GB" sz="1500">
+              <a:rPr lang="en-GB" sz="1500" dirty="0" err="1">
                 <a:solidFill>
                   <a:srgbClr val="FF5600"/>
                 </a:solidFill>
@@ -4939,7 +5185,7 @@
               <a:t>def</a:t>
             </a:r>
             <a:r>
-              <a:rPr lang="en-GB" sz="1500">
+              <a:rPr lang="en-GB" sz="1500" dirty="0">
                 <a:solidFill>
                   <a:schemeClr val="dk1"/>
                 </a:solidFill>
@@ -4954,7 +5200,7 @@
               <a:t> test(self):</a:t>
             </a:r>
             <a:br>
-              <a:rPr lang="en-GB" sz="1500">
+              <a:rPr lang="en-GB" sz="1500" dirty="0">
                 <a:solidFill>
                   <a:schemeClr val="dk1"/>
                 </a:solidFill>
@@ -4968,7 +5214,7 @@
               </a:rPr>
             </a:br>
             <a:r>
-              <a:rPr lang="en-GB" sz="1500">
+              <a:rPr lang="en-GB" sz="1500" dirty="0">
                 <a:solidFill>
                   <a:schemeClr val="dk1"/>
                 </a:solidFill>
@@ -4983,7 +5229,7 @@
               <a:t>...         </a:t>
             </a:r>
             <a:r>
-              <a:rPr lang="en-GB" sz="1500">
+              <a:rPr lang="en-GB" sz="1500" dirty="0">
                 <a:solidFill>
                   <a:srgbClr val="FF5600"/>
                 </a:solidFill>
@@ -4997,8 +5243,23 @@
               </a:rPr>
               <a:t>pass</a:t>
             </a:r>
+            <a:r>
+              <a:rPr lang="en-GB" sz="1500" dirty="0">
+                <a:solidFill>
+                  <a:schemeClr val="dk1"/>
+                </a:solidFill>
+                <a:highlight>
+                  <a:srgbClr val="FFFFFF"/>
+                </a:highlight>
+                <a:latin typeface="Courier New"/>
+                <a:ea typeface="Courier New"/>
+                <a:cs typeface="Courier New"/>
+                <a:sym typeface="Courier New"/>
+              </a:rPr>
+              <a:t/>
+            </a:r>
             <a:br>
-              <a:rPr lang="en-GB" sz="1500">
+              <a:rPr lang="en-GB" sz="1500" dirty="0">
                 <a:solidFill>
                   <a:schemeClr val="dk1"/>
                 </a:solidFill>
@@ -5012,7 +5273,7 @@
               </a:rPr>
             </a:br>
             <a:r>
-              <a:rPr lang="en-GB" sz="1500">
+              <a:rPr lang="en-GB" sz="1500" dirty="0">
                 <a:solidFill>
                   <a:schemeClr val="dk1"/>
                 </a:solidFill>
@@ -5027,7 +5288,7 @@
               <a:t>... </a:t>
             </a:r>
             <a:br>
-              <a:rPr lang="en-GB" sz="1500">
+              <a:rPr lang="en-GB" sz="1500" dirty="0">
                 <a:solidFill>
                   <a:schemeClr val="dk1"/>
                 </a:solidFill>
@@ -5041,7 +5302,7 @@
               </a:rPr>
             </a:br>
             <a:r>
-              <a:rPr lang="en-GB" sz="1500">
+              <a:rPr lang="en-GB" sz="1500" dirty="0">
                 <a:solidFill>
                   <a:srgbClr val="FF5600"/>
                 </a:solidFill>
@@ -5056,7 +5317,7 @@
               <a:t>&gt;&gt;&gt;</a:t>
             </a:r>
             <a:r>
-              <a:rPr lang="en-GB" sz="1500">
+              <a:rPr lang="en-GB" sz="1500" dirty="0">
                 <a:solidFill>
                   <a:schemeClr val="dk1"/>
                 </a:solidFill>
@@ -5071,7 +5332,7 @@
               <a:t> a </a:t>
             </a:r>
             <a:r>
-              <a:rPr lang="en-GB" sz="1500">
+              <a:rPr lang="en-GB" sz="1500" dirty="0">
                 <a:solidFill>
                   <a:srgbClr val="FF5600"/>
                 </a:solidFill>
@@ -5086,7 +5347,7 @@
               <a:t>=</a:t>
             </a:r>
             <a:r>
-              <a:rPr lang="en-GB" sz="1500">
+              <a:rPr lang="en-GB" sz="1500" dirty="0">
                 <a:solidFill>
                   <a:schemeClr val="dk1"/>
                 </a:solidFill>
@@ -5101,7 +5362,7 @@
               <a:t> Test()</a:t>
             </a:r>
             <a:br>
-              <a:rPr lang="en-GB" sz="1500">
+              <a:rPr lang="en-GB" sz="1500" dirty="0">
                 <a:solidFill>
                   <a:schemeClr val="dk1"/>
                 </a:solidFill>
@@ -5115,7 +5376,7 @@
               </a:rPr>
             </a:br>
             <a:r>
-              <a:rPr lang="en-GB" sz="1500">
+              <a:rPr lang="en-GB" sz="1500" dirty="0">
                 <a:solidFill>
                   <a:srgbClr val="FF5600"/>
                 </a:solidFill>
@@ -5130,7 +5391,7 @@
               <a:t>&gt;&gt;&gt;</a:t>
             </a:r>
             <a:r>
-              <a:rPr lang="en-GB" sz="1500">
+              <a:rPr lang="en-GB" sz="1500" dirty="0">
                 <a:solidFill>
                   <a:schemeClr val="dk1"/>
                 </a:solidFill>
@@ -5142,10 +5403,40 @@
                 <a:cs typeface="Courier New"/>
                 <a:sym typeface="Courier New"/>
               </a:rPr>
-              <a:t> a.test</a:t>
+              <a:t> </a:t>
+            </a:r>
+            <a:r>
+              <a:rPr lang="en-GB" sz="1500" dirty="0" err="1">
+                <a:solidFill>
+                  <a:schemeClr val="dk1"/>
+                </a:solidFill>
+                <a:highlight>
+                  <a:srgbClr val="FFFFFF"/>
+                </a:highlight>
+                <a:latin typeface="Courier New"/>
+                <a:ea typeface="Courier New"/>
+                <a:cs typeface="Courier New"/>
+                <a:sym typeface="Courier New"/>
+              </a:rPr>
+              <a:t>a.test</a:t>
+            </a:r>
+            <a:r>
+              <a:rPr lang="en-GB" sz="1500" dirty="0">
+                <a:solidFill>
+                  <a:schemeClr val="dk1"/>
+                </a:solidFill>
+                <a:highlight>
+                  <a:srgbClr val="FFFFFF"/>
+                </a:highlight>
+                <a:latin typeface="Courier New"/>
+                <a:ea typeface="Courier New"/>
+                <a:cs typeface="Courier New"/>
+                <a:sym typeface="Courier New"/>
+              </a:rPr>
+              <a:t/>
             </a:r>
             <a:br>
-              <a:rPr lang="en-GB" sz="1500">
+              <a:rPr lang="en-GB" sz="1500" dirty="0">
                 <a:solidFill>
                   <a:schemeClr val="dk1"/>
                 </a:solidFill>
@@ -5159,7 +5450,7 @@
               </a:rPr>
             </a:br>
             <a:r>
-              <a:rPr lang="en-GB" sz="1500">
+              <a:rPr lang="en-GB" sz="1500" dirty="0">
                 <a:solidFill>
                   <a:srgbClr val="FF5600"/>
                 </a:solidFill>
@@ -5174,7 +5465,7 @@
               <a:t>&lt;</a:t>
             </a:r>
             <a:r>
-              <a:rPr lang="en-GB" sz="1500">
+              <a:rPr lang="en-GB" sz="1500" dirty="0">
                 <a:solidFill>
                   <a:schemeClr val="dk1"/>
                 </a:solidFill>
@@ -5186,10 +5477,40 @@
                 <a:cs typeface="Courier New"/>
                 <a:sym typeface="Courier New"/>
               </a:rPr>
-              <a:t>bound method Test.test of </a:t>
-            </a:r>
-            <a:r>
-              <a:rPr lang="en-GB" sz="1500">
+              <a:t>bound method </a:t>
+            </a:r>
+            <a:r>
+              <a:rPr lang="en-GB" sz="1500" dirty="0" err="1">
+                <a:solidFill>
+                  <a:schemeClr val="dk1"/>
+                </a:solidFill>
+                <a:highlight>
+                  <a:srgbClr val="FFFFFF"/>
+                </a:highlight>
+                <a:latin typeface="Courier New"/>
+                <a:ea typeface="Courier New"/>
+                <a:cs typeface="Courier New"/>
+                <a:sym typeface="Courier New"/>
+              </a:rPr>
+              <a:t>Test.test</a:t>
+            </a:r>
+            <a:r>
+              <a:rPr lang="en-GB" sz="1500" dirty="0">
+                <a:solidFill>
+                  <a:schemeClr val="dk1"/>
+                </a:solidFill>
+                <a:highlight>
+                  <a:srgbClr val="FFFFFF"/>
+                </a:highlight>
+                <a:latin typeface="Courier New"/>
+                <a:ea typeface="Courier New"/>
+                <a:cs typeface="Courier New"/>
+                <a:sym typeface="Courier New"/>
+              </a:rPr>
+              <a:t> of </a:t>
+            </a:r>
+            <a:r>
+              <a:rPr lang="en-GB" sz="1500" dirty="0">
                 <a:solidFill>
                   <a:srgbClr val="FF5600"/>
                 </a:solidFill>
@@ -5204,7 +5525,7 @@
               <a:t>&lt;</a:t>
             </a:r>
             <a:r>
-              <a:rPr lang="en-GB" sz="1500">
+              <a:rPr lang="en-GB" sz="1500" dirty="0">
                 <a:solidFill>
                   <a:schemeClr val="dk1"/>
                 </a:solidFill>
@@ -5216,10 +5537,40 @@
                 <a:cs typeface="Courier New"/>
                 <a:sym typeface="Courier New"/>
               </a:rPr>
-              <a:t>__main__.Test </a:t>
-            </a:r>
-            <a:r>
-              <a:rPr lang="en-GB" sz="1500">
+              <a:t>__</a:t>
+            </a:r>
+            <a:r>
+              <a:rPr lang="en-GB" sz="1500" dirty="0" err="1">
+                <a:solidFill>
+                  <a:schemeClr val="dk1"/>
+                </a:solidFill>
+                <a:highlight>
+                  <a:srgbClr val="FFFFFF"/>
+                </a:highlight>
+                <a:latin typeface="Courier New"/>
+                <a:ea typeface="Courier New"/>
+                <a:cs typeface="Courier New"/>
+                <a:sym typeface="Courier New"/>
+              </a:rPr>
+              <a:t>main__.Test</a:t>
+            </a:r>
+            <a:r>
+              <a:rPr lang="en-GB" sz="1500" dirty="0">
+                <a:solidFill>
+                  <a:schemeClr val="dk1"/>
+                </a:solidFill>
+                <a:highlight>
+                  <a:srgbClr val="FFFFFF"/>
+                </a:highlight>
+                <a:latin typeface="Courier New"/>
+                <a:ea typeface="Courier New"/>
+                <a:cs typeface="Courier New"/>
+                <a:sym typeface="Courier New"/>
+              </a:rPr>
+              <a:t> </a:t>
+            </a:r>
+            <a:r>
+              <a:rPr lang="en-GB" sz="1500" dirty="0">
                 <a:solidFill>
                   <a:srgbClr val="A535AE"/>
                 </a:solidFill>
@@ -5234,7 +5585,7 @@
               <a:t>object</a:t>
             </a:r>
             <a:r>
-              <a:rPr lang="en-GB" sz="1500">
+              <a:rPr lang="en-GB" sz="1500" dirty="0">
                 <a:solidFill>
                   <a:schemeClr val="dk1"/>
                 </a:solidFill>
@@ -5249,7 +5600,7 @@
               <a:t> at 0x7f110d219310</a:t>
             </a:r>
             <a:r>
-              <a:rPr lang="en-GB" sz="1500">
+              <a:rPr lang="en-GB" sz="1500" dirty="0">
                 <a:solidFill>
                   <a:srgbClr val="FF5600"/>
                 </a:solidFill>
@@ -5263,8 +5614,23 @@
               </a:rPr>
               <a:t>&gt;&gt;</a:t>
             </a:r>
+            <a:r>
+              <a:rPr lang="en-GB" sz="1500" dirty="0">
+                <a:solidFill>
+                  <a:schemeClr val="dk1"/>
+                </a:solidFill>
+                <a:highlight>
+                  <a:srgbClr val="FFFFFF"/>
+                </a:highlight>
+                <a:latin typeface="Courier New"/>
+                <a:ea typeface="Courier New"/>
+                <a:cs typeface="Courier New"/>
+                <a:sym typeface="Courier New"/>
+              </a:rPr>
+              <a:t/>
+            </a:r>
             <a:br>
-              <a:rPr lang="en-GB" sz="1500">
+              <a:rPr lang="en-GB" sz="1500" dirty="0">
                 <a:solidFill>
                   <a:schemeClr val="dk1"/>
                 </a:solidFill>
@@ -5278,7 +5644,7 @@
               </a:rPr>
             </a:br>
             <a:r>
-              <a:rPr lang="en-GB" sz="1500">
+              <a:rPr lang="en-GB" sz="1500" dirty="0">
                 <a:solidFill>
                   <a:srgbClr val="FF5600"/>
                 </a:solidFill>
@@ -5293,7 +5659,7 @@
               <a:t>&gt;&gt;&gt;</a:t>
             </a:r>
             <a:r>
-              <a:rPr lang="en-GB" sz="1500">
+              <a:rPr lang="en-GB" sz="1500" dirty="0">
                 <a:solidFill>
                   <a:schemeClr val="dk1"/>
                 </a:solidFill>
@@ -5305,10 +5671,40 @@
                 <a:cs typeface="Courier New"/>
                 <a:sym typeface="Courier New"/>
               </a:rPr>
-              <a:t> a.test </a:t>
-            </a:r>
-            <a:r>
-              <a:rPr lang="en-GB" sz="1500">
+              <a:t> </a:t>
+            </a:r>
+            <a:r>
+              <a:rPr lang="en-GB" sz="1500" dirty="0" err="1">
+                <a:solidFill>
+                  <a:schemeClr val="dk1"/>
+                </a:solidFill>
+                <a:highlight>
+                  <a:srgbClr val="FFFFFF"/>
+                </a:highlight>
+                <a:latin typeface="Courier New"/>
+                <a:ea typeface="Courier New"/>
+                <a:cs typeface="Courier New"/>
+                <a:sym typeface="Courier New"/>
+              </a:rPr>
+              <a:t>a.test</a:t>
+            </a:r>
+            <a:r>
+              <a:rPr lang="en-GB" sz="1500" dirty="0">
+                <a:solidFill>
+                  <a:schemeClr val="dk1"/>
+                </a:solidFill>
+                <a:highlight>
+                  <a:srgbClr val="FFFFFF"/>
+                </a:highlight>
+                <a:latin typeface="Courier New"/>
+                <a:ea typeface="Courier New"/>
+                <a:cs typeface="Courier New"/>
+                <a:sym typeface="Courier New"/>
+              </a:rPr>
+              <a:t> </a:t>
+            </a:r>
+            <a:r>
+              <a:rPr lang="en-GB" sz="1500" dirty="0">
                 <a:solidFill>
                   <a:srgbClr val="FF5600"/>
                 </a:solidFill>
@@ -5323,7 +5719,7 @@
               <a:t>=</a:t>
             </a:r>
             <a:r>
-              <a:rPr lang="en-GB" sz="1500">
+              <a:rPr lang="en-GB" sz="1500" dirty="0">
                 <a:solidFill>
                   <a:schemeClr val="dk1"/>
                 </a:solidFill>
@@ -5338,7 +5734,7 @@
               <a:t> </a:t>
             </a:r>
             <a:r>
-              <a:rPr lang="en-GB" sz="1500">
+              <a:rPr lang="en-GB" sz="1500" dirty="0">
                 <a:solidFill>
                   <a:srgbClr val="00A33F"/>
                 </a:solidFill>
@@ -5352,8 +5748,23 @@
               </a:rPr>
               <a:t>'123'</a:t>
             </a:r>
+            <a:r>
+              <a:rPr lang="en-GB" sz="1500" dirty="0">
+                <a:solidFill>
+                  <a:schemeClr val="dk1"/>
+                </a:solidFill>
+                <a:highlight>
+                  <a:srgbClr val="FFFFFF"/>
+                </a:highlight>
+                <a:latin typeface="Courier New"/>
+                <a:ea typeface="Courier New"/>
+                <a:cs typeface="Courier New"/>
+                <a:sym typeface="Courier New"/>
+              </a:rPr>
+              <a:t/>
+            </a:r>
             <a:br>
-              <a:rPr lang="en-GB" sz="1500">
+              <a:rPr lang="en-GB" sz="1500" dirty="0">
                 <a:solidFill>
                   <a:schemeClr val="dk1"/>
                 </a:solidFill>
@@ -5367,7 +5778,7 @@
               </a:rPr>
             </a:br>
             <a:r>
-              <a:rPr lang="en-GB" sz="1500">
+              <a:rPr lang="en-GB" sz="1500" dirty="0">
                 <a:solidFill>
                   <a:srgbClr val="FF5600"/>
                 </a:solidFill>
@@ -5382,7 +5793,7 @@
               <a:t>&gt;&gt;&gt;</a:t>
             </a:r>
             <a:r>
-              <a:rPr lang="en-GB" sz="1500">
+              <a:rPr lang="en-GB" sz="1500" dirty="0">
                 <a:solidFill>
                   <a:schemeClr val="dk1"/>
                 </a:solidFill>
@@ -5394,10 +5805,40 @@
                 <a:cs typeface="Courier New"/>
                 <a:sym typeface="Courier New"/>
               </a:rPr>
-              <a:t> a.test</a:t>
+              <a:t> </a:t>
+            </a:r>
+            <a:r>
+              <a:rPr lang="en-GB" sz="1500" dirty="0" err="1">
+                <a:solidFill>
+                  <a:schemeClr val="dk1"/>
+                </a:solidFill>
+                <a:highlight>
+                  <a:srgbClr val="FFFFFF"/>
+                </a:highlight>
+                <a:latin typeface="Courier New"/>
+                <a:ea typeface="Courier New"/>
+                <a:cs typeface="Courier New"/>
+                <a:sym typeface="Courier New"/>
+              </a:rPr>
+              <a:t>a.test</a:t>
+            </a:r>
+            <a:r>
+              <a:rPr lang="en-GB" sz="1500" dirty="0">
+                <a:solidFill>
+                  <a:schemeClr val="dk1"/>
+                </a:solidFill>
+                <a:highlight>
+                  <a:srgbClr val="FFFFFF"/>
+                </a:highlight>
+                <a:latin typeface="Courier New"/>
+                <a:ea typeface="Courier New"/>
+                <a:cs typeface="Courier New"/>
+                <a:sym typeface="Courier New"/>
+              </a:rPr>
+              <a:t/>
             </a:r>
             <a:br>
-              <a:rPr lang="en-GB" sz="1500">
+              <a:rPr lang="en-GB" sz="1500" dirty="0">
                 <a:solidFill>
                   <a:schemeClr val="dk1"/>
                 </a:solidFill>
@@ -5411,7 +5852,7 @@
               </a:rPr>
             </a:br>
             <a:r>
-              <a:rPr lang="en-GB" sz="1500">
+              <a:rPr lang="en-GB" sz="1500" dirty="0">
                 <a:solidFill>
                   <a:srgbClr val="00A33F"/>
                 </a:solidFill>
@@ -5425,18 +5866,6 @@
               </a:rPr>
               <a:t>'123'</a:t>
             </a:r>
-            <a:endParaRPr lang="en-GB" sz="1500">
-              <a:solidFill>
-                <a:srgbClr val="00A33F"/>
-              </a:solidFill>
-              <a:highlight>
-                <a:srgbClr val="FFFFFF"/>
-              </a:highlight>
-              <a:latin typeface="Courier New"/>
-              <a:ea typeface="Courier New"/>
-              <a:cs typeface="Courier New"/>
-              <a:sym typeface="Courier New"/>
-            </a:endParaRPr>
           </a:p>
           <a:p>
             <a:pPr lvl="0" rtl="0">
@@ -5445,7 +5874,42 @@
               </a:spcBef>
               <a:buNone/>
             </a:pPr>
-            <a:endParaRPr sz="1500"/>
+            <a:endParaRPr sz="1500" dirty="0"/>
+          </a:p>
+        </p:txBody>
+      </p:sp>
+      <p:sp>
+        <p:nvSpPr>
+          <p:cNvPr id="2" name="矩形 1"/>
+          <p:cNvSpPr/>
+          <p:nvPr/>
+        </p:nvSpPr>
+        <p:spPr>
+          <a:xfrm>
+            <a:off x="3176069" y="313409"/>
+            <a:ext cx="2492990" cy="553998"/>
+          </a:xfrm>
+          <a:prstGeom prst="rect">
+            <a:avLst/>
+          </a:prstGeom>
+        </p:spPr>
+        <p:txBody>
+          <a:bodyPr wrap="none">
+            <a:spAutoFit/>
+          </a:bodyPr>
+          <a:lstStyle/>
+          <a:p>
+            <a:r>
+              <a:rPr lang="en-GB" altLang="zh-CN" sz="3000" b="1" dirty="0" err="1">
+                <a:solidFill>
+                  <a:srgbClr val="C9394A"/>
+                </a:solidFill>
+                <a:latin typeface="微软雅黑" charset="0"/>
+                <a:ea typeface="微软雅黑" charset="0"/>
+              </a:rPr>
+              <a:t>定义类的方法</a:t>
+            </a:r>
+            <a:endParaRPr lang="zh-CN" altLang="en-US" sz="3000" dirty="0"/>
           </a:p>
         </p:txBody>
       </p:sp>
@@ -5518,14 +5982,14 @@
                 </p:childTnLst>
               </p:cTn>
               <p:prevCondLst>
-                <p:cond evt="onPrev">
+                <p:cond evt="onPrev" delay="0">
                   <p:tgtEl>
                     <p:sldTgt/>
                   </p:tgtEl>
                 </p:cond>
               </p:prevCondLst>
               <p:nextCondLst>
-                <p:cond evt="onNext">
+                <p:cond evt="onNext" delay="0">
                   <p:tgtEl>
                     <p:sldTgt/>
                   </p:tgtEl>
@@ -5545,7 +6009,7 @@
   <p:cSld>
     <p:spTree>
       <p:nvGrpSpPr>
-        <p:cNvPr id="71" name="Shape 71"/>
+        <p:cNvPr id="1" name="Shape 71"/>
         <p:cNvGrpSpPr/>
         <p:nvPr/>
       </p:nvGrpSpPr>
@@ -5560,15 +6024,17 @@
       <p:sp>
         <p:nvSpPr>
           <p:cNvPr id="72" name="Shape 72"/>
-          <p:cNvSpPr txBox="1"/>
+          <p:cNvSpPr txBox="1">
+            <a:spLocks noGrp="1"/>
+          </p:cNvSpPr>
           <p:nvPr>
             <p:ph type="title"/>
           </p:nvPr>
         </p:nvSpPr>
         <p:spPr>
           <a:xfrm>
-            <a:off x="311700" y="445025"/>
-            <a:ext cx="8520600" cy="572700"/>
+            <a:off x="1267935" y="1478954"/>
+            <a:ext cx="6190700" cy="612810"/>
           </a:xfrm>
           <a:prstGeom prst="rect">
             <a:avLst/>
@@ -5587,7 +6053,7 @@
               <a:buNone/>
             </a:pPr>
             <a:r>
-              <a:rPr lang="en-GB" sz="2200">
+              <a:rPr lang="en-GB" sz="2200" dirty="0" err="1">
                 <a:solidFill>
                   <a:srgbClr val="C9394A"/>
                 </a:solidFill>
@@ -5596,7 +6062,7 @@
               </a:rPr>
               <a:t>方法的访问控制</a:t>
             </a:r>
-            <a:endParaRPr lang="en-GB" sz="2200">
+            <a:endParaRPr lang="en-GB" sz="2200" dirty="0">
               <a:solidFill>
                 <a:srgbClr val="C9394A"/>
               </a:solidFill>
@@ -5609,15 +6075,17 @@
       <p:sp>
         <p:nvSpPr>
           <p:cNvPr id="73" name="Shape 73"/>
-          <p:cNvSpPr txBox="1"/>
+          <p:cNvSpPr txBox="1">
+            <a:spLocks noGrp="1"/>
+          </p:cNvSpPr>
           <p:nvPr>
             <p:ph type="body" idx="1"/>
           </p:nvPr>
         </p:nvSpPr>
         <p:spPr>
           <a:xfrm>
-            <a:off x="311700" y="1152475"/>
-            <a:ext cx="8520600" cy="3416400"/>
+            <a:off x="1190241" y="2246169"/>
+            <a:ext cx="6346088" cy="1819385"/>
           </a:xfrm>
           <a:prstGeom prst="rect">
             <a:avLst/>
@@ -5638,13 +6106,13 @@
               <a:buChar char="•"/>
             </a:pPr>
             <a:r>
-              <a:rPr lang="en-GB" sz="1500">
+              <a:rPr lang="en-GB" sz="1500" dirty="0" err="1">
                 <a:latin typeface="微软雅黑" charset="0"/>
                 <a:ea typeface="微软雅黑" charset="0"/>
               </a:rPr>
               <a:t>跟属性一样，也是基本没有</a:t>
             </a:r>
-            <a:endParaRPr lang="en-GB" sz="1500">
+            <a:endParaRPr lang="en-GB" sz="1500" dirty="0">
               <a:latin typeface="微软雅黑" charset="0"/>
               <a:ea typeface="微软雅黑" charset="0"/>
             </a:endParaRPr>
@@ -5659,16 +6127,54 @@
               <a:buChar char="•"/>
             </a:pPr>
             <a:r>
-              <a:rPr lang="en-GB" sz="1500">
+              <a:rPr lang="en-GB" sz="1500" dirty="0" err="1">
                 <a:latin typeface="微软雅黑" charset="0"/>
                 <a:ea typeface="微软雅黑" charset="0"/>
               </a:rPr>
-              <a:t>一切靠自觉...</a:t>
-            </a:r>
-            <a:endParaRPr lang="en-GB" sz="1500">
-              <a:latin typeface="微软雅黑" charset="0"/>
-              <a:ea typeface="微软雅黑" charset="0"/>
-            </a:endParaRPr>
+              <a:t>一切靠自觉</a:t>
+            </a:r>
+            <a:r>
+              <a:rPr lang="en-GB" sz="1500" dirty="0">
+                <a:latin typeface="微软雅黑" charset="0"/>
+                <a:ea typeface="微软雅黑" charset="0"/>
+              </a:rPr>
+              <a:t>...</a:t>
+            </a:r>
+          </a:p>
+        </p:txBody>
+      </p:sp>
+      <p:sp>
+        <p:nvSpPr>
+          <p:cNvPr id="2" name="矩形 1"/>
+          <p:cNvSpPr/>
+          <p:nvPr/>
+        </p:nvSpPr>
+        <p:spPr>
+          <a:xfrm>
+            <a:off x="3373293" y="465281"/>
+            <a:ext cx="2492990" cy="553998"/>
+          </a:xfrm>
+          <a:prstGeom prst="rect">
+            <a:avLst/>
+          </a:prstGeom>
+        </p:spPr>
+        <p:txBody>
+          <a:bodyPr wrap="none">
+            <a:spAutoFit/>
+          </a:bodyPr>
+          <a:lstStyle/>
+          <a:p>
+            <a:r>
+              <a:rPr lang="en-GB" altLang="zh-CN" sz="3000" b="1" dirty="0" err="1">
+                <a:solidFill>
+                  <a:srgbClr val="C9394A"/>
+                </a:solidFill>
+                <a:latin typeface="微软雅黑" charset="0"/>
+                <a:ea typeface="微软雅黑" charset="0"/>
+              </a:rPr>
+              <a:t>定义类的方法</a:t>
+            </a:r>
+            <a:endParaRPr lang="zh-CN" altLang="en-US" sz="3000" dirty="0"/>
           </a:p>
         </p:txBody>
       </p:sp>
@@ -5741,14 +6247,14 @@
                 </p:childTnLst>
               </p:cTn>
               <p:prevCondLst>
-                <p:cond evt="onPrev">
+                <p:cond evt="onPrev" delay="0">
                   <p:tgtEl>
                     <p:sldTgt/>
                   </p:tgtEl>
                 </p:cond>
               </p:prevCondLst>
               <p:nextCondLst>
-                <p:cond evt="onNext">
+                <p:cond evt="onNext" delay="0">
                   <p:tgtEl>
                     <p:sldTgt/>
                   </p:tgtEl>
@@ -5768,7 +6274,7 @@
   <p:cSld>
     <p:spTree>
       <p:nvGrpSpPr>
-        <p:cNvPr id="77" name="Shape 77"/>
+        <p:cNvPr id="1" name="Shape 77"/>
         <p:cNvGrpSpPr/>
         <p:nvPr/>
       </p:nvGrpSpPr>
@@ -5783,15 +6289,17 @@
       <p:sp>
         <p:nvSpPr>
           <p:cNvPr id="78" name="Shape 78"/>
-          <p:cNvSpPr txBox="1"/>
+          <p:cNvSpPr txBox="1">
+            <a:spLocks noGrp="1"/>
+          </p:cNvSpPr>
           <p:nvPr>
             <p:ph type="title"/>
           </p:nvPr>
         </p:nvSpPr>
         <p:spPr>
           <a:xfrm>
-            <a:off x="311700" y="445025"/>
-            <a:ext cx="8520600" cy="572700"/>
+            <a:off x="998994" y="1107324"/>
+            <a:ext cx="4891242" cy="648669"/>
           </a:xfrm>
           <a:prstGeom prst="rect">
             <a:avLst/>
@@ -5810,7 +6318,7 @@
               <a:buNone/>
             </a:pPr>
             <a:r>
-              <a:rPr lang="zh-CN" altLang="en-GB" sz="2200">
+              <a:rPr lang="zh-CN" altLang="en-GB" sz="2200" dirty="0">
                 <a:solidFill>
                   <a:srgbClr val="C9394A"/>
                 </a:solidFill>
@@ -5819,28 +6327,23 @@
               </a:rPr>
               <a:t>常用的方法定义</a:t>
             </a:r>
-            <a:endParaRPr lang="zh-CN" altLang="en-GB" sz="2200">
-              <a:solidFill>
-                <a:srgbClr val="C9394A"/>
-              </a:solidFill>
-              <a:latin typeface="微软雅黑" charset="0"/>
-              <a:ea typeface="微软雅黑" charset="0"/>
-            </a:endParaRPr>
           </a:p>
         </p:txBody>
       </p:sp>
       <p:sp>
         <p:nvSpPr>
           <p:cNvPr id="79" name="Shape 79"/>
-          <p:cNvSpPr txBox="1"/>
+          <p:cNvSpPr txBox="1">
+            <a:spLocks noGrp="1"/>
+          </p:cNvSpPr>
           <p:nvPr>
             <p:ph type="body" idx="1"/>
           </p:nvPr>
         </p:nvSpPr>
         <p:spPr>
           <a:xfrm>
-            <a:off x="311700" y="1152475"/>
-            <a:ext cx="8520600" cy="3416400"/>
+            <a:off x="998994" y="1765810"/>
+            <a:ext cx="6381947" cy="3377690"/>
           </a:xfrm>
           <a:prstGeom prst="rect">
             <a:avLst/>
@@ -5870,7 +6373,7 @@
               <a:buNone/>
             </a:pPr>
             <a:r>
-              <a:rPr lang="en-GB" sz="1500">
+              <a:rPr lang="en-GB" sz="1500" dirty="0">
                 <a:solidFill>
                   <a:srgbClr val="FF5600"/>
                 </a:solidFill>
@@ -5885,7 +6388,7 @@
               <a:t>class</a:t>
             </a:r>
             <a:r>
-              <a:rPr lang="en-GB" sz="1500">
+              <a:rPr lang="en-GB" sz="1500" dirty="0">
                 <a:solidFill>
                   <a:schemeClr val="dk1"/>
                 </a:solidFill>
@@ -5900,7 +6403,7 @@
               <a:t> </a:t>
             </a:r>
             <a:r>
-              <a:rPr lang="en-GB" sz="1500">
+              <a:rPr lang="en-GB" sz="1500" dirty="0">
                 <a:solidFill>
                   <a:srgbClr val="21439C"/>
                 </a:solidFill>
@@ -5915,7 +6418,7 @@
               <a:t>Example</a:t>
             </a:r>
             <a:r>
-              <a:rPr lang="en-GB" sz="1500">
+              <a:rPr lang="en-GB" sz="1500" dirty="0">
                 <a:solidFill>
                   <a:schemeClr val="dk1"/>
                 </a:solidFill>
@@ -5930,7 +6433,7 @@
               <a:t>(</a:t>
             </a:r>
             <a:r>
-              <a:rPr lang="en-GB" sz="1500">
+              <a:rPr lang="en-GB" sz="1500" dirty="0">
                 <a:solidFill>
                   <a:srgbClr val="A535AE"/>
                 </a:solidFill>
@@ -5945,7 +6448,7 @@
               <a:t>object</a:t>
             </a:r>
             <a:r>
-              <a:rPr lang="en-GB" sz="1500">
+              <a:rPr lang="en-GB" sz="1500" dirty="0">
                 <a:solidFill>
                   <a:schemeClr val="dk1"/>
                 </a:solidFill>
@@ -5960,7 +6463,7 @@
               <a:t>):</a:t>
             </a:r>
             <a:br>
-              <a:rPr lang="en-GB" sz="1500">
+              <a:rPr lang="en-GB" sz="1500" dirty="0">
                 <a:solidFill>
                   <a:schemeClr val="dk1"/>
                 </a:solidFill>
@@ -5974,7 +6477,7 @@
               </a:rPr>
             </a:br>
             <a:r>
-              <a:rPr lang="en-GB" sz="1500">
+              <a:rPr lang="en-GB" sz="1500" dirty="0">
                 <a:solidFill>
                   <a:schemeClr val="dk1"/>
                 </a:solidFill>
@@ -5989,7 +6492,7 @@
               <a:t>    </a:t>
             </a:r>
             <a:r>
-              <a:rPr lang="en-GB" sz="1500">
+              <a:rPr lang="en-GB" sz="1500" dirty="0" err="1">
                 <a:solidFill>
                   <a:srgbClr val="FF5600"/>
                 </a:solidFill>
@@ -6004,7 +6507,7 @@
               <a:t>def</a:t>
             </a:r>
             <a:r>
-              <a:rPr lang="en-GB" sz="1500">
+              <a:rPr lang="en-GB" sz="1500" dirty="0">
                 <a:solidFill>
                   <a:schemeClr val="dk1"/>
                 </a:solidFill>
@@ -6019,7 +6522,7 @@
               <a:t> </a:t>
             </a:r>
             <a:r>
-              <a:rPr lang="en-GB" sz="1500">
+              <a:rPr lang="en-GB" sz="1500" dirty="0">
                 <a:solidFill>
                   <a:srgbClr val="21439C"/>
                 </a:solidFill>
@@ -6034,7 +6537,7 @@
               <a:t>add</a:t>
             </a:r>
             <a:r>
-              <a:rPr lang="en-GB" sz="1500">
+              <a:rPr lang="en-GB" sz="1500" dirty="0">
                 <a:solidFill>
                   <a:schemeClr val="dk1"/>
                 </a:solidFill>
@@ -6049,7 +6552,7 @@
               <a:t>(self):</a:t>
             </a:r>
             <a:br>
-              <a:rPr lang="en-GB" sz="1500">
+              <a:rPr lang="en-GB" sz="1500" dirty="0">
                 <a:solidFill>
                   <a:schemeClr val="dk1"/>
                 </a:solidFill>
@@ -6063,7 +6566,7 @@
               </a:rPr>
             </a:br>
             <a:r>
-              <a:rPr lang="en-GB" sz="1500">
+              <a:rPr lang="en-GB" sz="1500" dirty="0">
                 <a:solidFill>
                   <a:schemeClr val="dk1"/>
                 </a:solidFill>
@@ -6078,7 +6581,7 @@
               <a:t>        </a:t>
             </a:r>
             <a:r>
-              <a:rPr lang="en-GB" sz="1500">
+              <a:rPr lang="en-GB" sz="1500" dirty="0">
                 <a:solidFill>
                   <a:srgbClr val="FF5600"/>
                 </a:solidFill>
@@ -6092,8 +6595,23 @@
               </a:rPr>
               <a:t>pass</a:t>
             </a:r>
+            <a:r>
+              <a:rPr lang="en-GB" sz="1500" dirty="0">
+                <a:solidFill>
+                  <a:schemeClr val="dk1"/>
+                </a:solidFill>
+                <a:highlight>
+                  <a:srgbClr val="FFFFFF"/>
+                </a:highlight>
+                <a:latin typeface="Courier New"/>
+                <a:ea typeface="Courier New"/>
+                <a:cs typeface="Courier New"/>
+                <a:sym typeface="Courier New"/>
+              </a:rPr>
+              <a:t/>
+            </a:r>
             <a:br>
-              <a:rPr lang="en-GB" sz="1500">
+              <a:rPr lang="en-GB" sz="1500" dirty="0">
                 <a:solidFill>
                   <a:schemeClr val="dk1"/>
                 </a:solidFill>
@@ -6106,8 +6624,23 @@
                 <a:sym typeface="Courier New"/>
               </a:rPr>
             </a:br>
+            <a:r>
+              <a:rPr lang="en-GB" sz="1500" dirty="0">
+                <a:solidFill>
+                  <a:schemeClr val="dk1"/>
+                </a:solidFill>
+                <a:highlight>
+                  <a:srgbClr val="FFFFFF"/>
+                </a:highlight>
+                <a:latin typeface="Courier New"/>
+                <a:ea typeface="Courier New"/>
+                <a:cs typeface="Courier New"/>
+                <a:sym typeface="Courier New"/>
+              </a:rPr>
+              <a:t/>
+            </a:r>
             <a:br>
-              <a:rPr lang="en-GB" sz="1500">
+              <a:rPr lang="en-GB" sz="1500" dirty="0">
                 <a:solidFill>
                   <a:schemeClr val="dk1"/>
                 </a:solidFill>
@@ -6121,7 +6654,7 @@
               </a:rPr>
             </a:br>
             <a:r>
-              <a:rPr lang="en-GB" sz="1500">
+              <a:rPr lang="en-GB" sz="1500" dirty="0">
                 <a:solidFill>
                   <a:schemeClr val="dk1"/>
                 </a:solidFill>
@@ -6136,7 +6669,7 @@
               <a:t>    </a:t>
             </a:r>
             <a:r>
-              <a:rPr lang="en-GB" sz="1500">
+              <a:rPr lang="en-GB" sz="1500" dirty="0" err="1">
                 <a:solidFill>
                   <a:srgbClr val="FF5600"/>
                 </a:solidFill>
@@ -6151,7 +6684,7 @@
               <a:t>def</a:t>
             </a:r>
             <a:r>
-              <a:rPr lang="en-GB" sz="1500">
+              <a:rPr lang="en-GB" sz="1500" dirty="0">
                 <a:solidFill>
                   <a:schemeClr val="dk1"/>
                 </a:solidFill>
@@ -6166,7 +6699,7 @@
               <a:t> </a:t>
             </a:r>
             <a:r>
-              <a:rPr lang="en-GB" sz="1500">
+              <a:rPr lang="en-GB" sz="1500" dirty="0">
                 <a:solidFill>
                   <a:srgbClr val="21439C"/>
                 </a:solidFill>
@@ -6181,7 +6714,7 @@
               <a:t>_minus</a:t>
             </a:r>
             <a:r>
-              <a:rPr lang="en-GB" sz="1500">
+              <a:rPr lang="en-GB" sz="1500" dirty="0">
                 <a:solidFill>
                   <a:schemeClr val="dk1"/>
                 </a:solidFill>
@@ -6196,7 +6729,7 @@
               <a:t>(self):</a:t>
             </a:r>
             <a:br>
-              <a:rPr lang="en-GB" sz="1500">
+              <a:rPr lang="en-GB" sz="1500" dirty="0">
                 <a:solidFill>
                   <a:schemeClr val="dk1"/>
                 </a:solidFill>
@@ -6210,7 +6743,7 @@
               </a:rPr>
             </a:br>
             <a:r>
-              <a:rPr lang="en-GB" sz="1500">
+              <a:rPr lang="en-GB" sz="1500" dirty="0">
                 <a:solidFill>
                   <a:schemeClr val="dk1"/>
                 </a:solidFill>
@@ -6225,7 +6758,7 @@
               <a:t>        </a:t>
             </a:r>
             <a:r>
-              <a:rPr lang="en-GB" sz="1500">
+              <a:rPr lang="en-GB" sz="1500" dirty="0">
                 <a:solidFill>
                   <a:srgbClr val="FF5600"/>
                 </a:solidFill>
@@ -6239,8 +6772,23 @@
               </a:rPr>
               <a:t>pass</a:t>
             </a:r>
+            <a:r>
+              <a:rPr lang="en-GB" sz="1500" dirty="0">
+                <a:solidFill>
+                  <a:schemeClr val="dk1"/>
+                </a:solidFill>
+                <a:highlight>
+                  <a:srgbClr val="FFFFFF"/>
+                </a:highlight>
+                <a:latin typeface="Courier New"/>
+                <a:ea typeface="Courier New"/>
+                <a:cs typeface="Courier New"/>
+                <a:sym typeface="Courier New"/>
+              </a:rPr>
+              <a:t/>
+            </a:r>
             <a:br>
-              <a:rPr lang="en-GB" sz="1500">
+              <a:rPr lang="en-GB" sz="1500" dirty="0">
                 <a:solidFill>
                   <a:schemeClr val="dk1"/>
                 </a:solidFill>
@@ -6253,8 +6801,23 @@
                 <a:sym typeface="Courier New"/>
               </a:rPr>
             </a:br>
+            <a:r>
+              <a:rPr lang="en-GB" sz="1500" dirty="0">
+                <a:solidFill>
+                  <a:schemeClr val="dk1"/>
+                </a:solidFill>
+                <a:highlight>
+                  <a:srgbClr val="FFFFFF"/>
+                </a:highlight>
+                <a:latin typeface="Courier New"/>
+                <a:ea typeface="Courier New"/>
+                <a:cs typeface="Courier New"/>
+                <a:sym typeface="Courier New"/>
+              </a:rPr>
+              <a:t/>
+            </a:r>
             <a:br>
-              <a:rPr lang="en-GB" sz="1500">
+              <a:rPr lang="en-GB" sz="1500" dirty="0">
                 <a:solidFill>
                   <a:schemeClr val="dk1"/>
                 </a:solidFill>
@@ -6268,7 +6831,7 @@
               </a:rPr>
             </a:br>
             <a:r>
-              <a:rPr lang="en-GB" sz="1500">
+              <a:rPr lang="en-GB" sz="1500" dirty="0">
                 <a:solidFill>
                   <a:schemeClr val="dk1"/>
                 </a:solidFill>
@@ -6283,7 +6846,7 @@
               <a:t>    </a:t>
             </a:r>
             <a:r>
-              <a:rPr lang="en-GB" sz="1500">
+              <a:rPr lang="en-GB" sz="1500" dirty="0" err="1">
                 <a:solidFill>
                   <a:srgbClr val="FF5600"/>
                 </a:solidFill>
@@ -6298,7 +6861,7 @@
               <a:t>def</a:t>
             </a:r>
             <a:r>
-              <a:rPr lang="en-GB" sz="1500">
+              <a:rPr lang="en-GB" sz="1500" dirty="0">
                 <a:solidFill>
                   <a:schemeClr val="dk1"/>
                 </a:solidFill>
@@ -6313,7 +6876,7 @@
               <a:t> </a:t>
             </a:r>
             <a:r>
-              <a:rPr lang="en-GB" sz="1500">
+              <a:rPr lang="en-GB" sz="1500" dirty="0">
                 <a:solidFill>
                   <a:srgbClr val="21439C"/>
                 </a:solidFill>
@@ -6328,7 +6891,7 @@
               <a:t>__multiply</a:t>
             </a:r>
             <a:r>
-              <a:rPr lang="en-GB" sz="1500">
+              <a:rPr lang="en-GB" sz="1500" dirty="0">
                 <a:solidFill>
                   <a:schemeClr val="dk1"/>
                 </a:solidFill>
@@ -6343,7 +6906,7 @@
               <a:t>(self):</a:t>
             </a:r>
             <a:br>
-              <a:rPr lang="en-GB" sz="1500">
+              <a:rPr lang="en-GB" sz="1500" dirty="0">
                 <a:solidFill>
                   <a:schemeClr val="dk1"/>
                 </a:solidFill>
@@ -6357,7 +6920,7 @@
               </a:rPr>
             </a:br>
             <a:r>
-              <a:rPr lang="en-GB" sz="1500">
+              <a:rPr lang="en-GB" sz="1500" dirty="0">
                 <a:solidFill>
                   <a:schemeClr val="dk1"/>
                 </a:solidFill>
@@ -6372,7 +6935,7 @@
               <a:t>        </a:t>
             </a:r>
             <a:r>
-              <a:rPr lang="en-GB" sz="1500">
+              <a:rPr lang="en-GB" sz="1500" dirty="0">
                 <a:solidFill>
                   <a:srgbClr val="FF5600"/>
                 </a:solidFill>
@@ -6386,18 +6949,6 @@
               </a:rPr>
               <a:t>pass</a:t>
             </a:r>
-            <a:endParaRPr lang="en-GB" sz="1500">
-              <a:solidFill>
-                <a:srgbClr val="FF5600"/>
-              </a:solidFill>
-              <a:highlight>
-                <a:srgbClr val="FFFFFF"/>
-              </a:highlight>
-              <a:latin typeface="Courier New"/>
-              <a:ea typeface="Courier New"/>
-              <a:cs typeface="Courier New"/>
-              <a:sym typeface="Courier New"/>
-            </a:endParaRPr>
           </a:p>
           <a:p>
             <a:pPr lvl="0" rtl="0">
@@ -6406,7 +6957,42 @@
               </a:spcBef>
               <a:buNone/>
             </a:pPr>
-            <a:endParaRPr sz="1500"/>
+            <a:endParaRPr sz="1500" dirty="0"/>
+          </a:p>
+        </p:txBody>
+      </p:sp>
+      <p:sp>
+        <p:nvSpPr>
+          <p:cNvPr id="2" name="矩形 1"/>
+          <p:cNvSpPr/>
+          <p:nvPr/>
+        </p:nvSpPr>
+        <p:spPr>
+          <a:xfrm>
+            <a:off x="3444615" y="409768"/>
+            <a:ext cx="2492990" cy="553998"/>
+          </a:xfrm>
+          <a:prstGeom prst="rect">
+            <a:avLst/>
+          </a:prstGeom>
+        </p:spPr>
+        <p:txBody>
+          <a:bodyPr wrap="none">
+            <a:spAutoFit/>
+          </a:bodyPr>
+          <a:lstStyle/>
+          <a:p>
+            <a:r>
+              <a:rPr lang="en-GB" altLang="zh-CN" sz="3000" b="1" dirty="0" err="1">
+                <a:solidFill>
+                  <a:srgbClr val="C9394A"/>
+                </a:solidFill>
+                <a:latin typeface="微软雅黑" charset="0"/>
+                <a:ea typeface="微软雅黑" charset="0"/>
+              </a:rPr>
+              <a:t>定义类的方法</a:t>
+            </a:r>
+            <a:endParaRPr lang="zh-CN" altLang="en-US" sz="3000" dirty="0"/>
           </a:p>
         </p:txBody>
       </p:sp>
@@ -6423,7 +7009,7 @@
   <p:cSld>
     <p:spTree>
       <p:nvGrpSpPr>
-        <p:cNvPr id="83" name="Shape 83"/>
+        <p:cNvPr id="1" name="Shape 83"/>
         <p:cNvGrpSpPr/>
         <p:nvPr/>
       </p:nvGrpSpPr>
@@ -6438,15 +7024,17 @@
       <p:sp>
         <p:nvSpPr>
           <p:cNvPr id="84" name="Shape 84"/>
-          <p:cNvSpPr txBox="1"/>
+          <p:cNvSpPr txBox="1">
+            <a:spLocks noGrp="1"/>
+          </p:cNvSpPr>
           <p:nvPr>
             <p:ph type="title"/>
           </p:nvPr>
         </p:nvSpPr>
         <p:spPr>
           <a:xfrm>
-            <a:off x="311700" y="445025"/>
-            <a:ext cx="8520600" cy="572700"/>
+            <a:off x="995120" y="1512160"/>
+            <a:ext cx="5491453" cy="564999"/>
           </a:xfrm>
           <a:prstGeom prst="rect">
             <a:avLst/>
@@ -6465,16 +7053,26 @@
               <a:buNone/>
             </a:pPr>
             <a:r>
-              <a:rPr lang="en-GB" sz="2200">
+              <a:rPr lang="en-GB" sz="2200" dirty="0">
                 <a:solidFill>
                   <a:srgbClr val="C9394A"/>
                 </a:solidFill>
                 <a:latin typeface="微软雅黑" charset="0"/>
                 <a:ea typeface="微软雅黑" charset="0"/>
               </a:rPr>
-              <a:t>@classmethod</a:t>
-            </a:r>
-            <a:endParaRPr lang="en-GB" sz="2200">
+              <a:t>@</a:t>
+            </a:r>
+            <a:r>
+              <a:rPr lang="en-GB" sz="2200" dirty="0" err="1">
+                <a:solidFill>
+                  <a:srgbClr val="C9394A"/>
+                </a:solidFill>
+                <a:latin typeface="微软雅黑" charset="0"/>
+                <a:ea typeface="微软雅黑" charset="0"/>
+              </a:rPr>
+              <a:t>classmethod</a:t>
+            </a:r>
+            <a:endParaRPr lang="en-GB" sz="2200" dirty="0">
               <a:solidFill>
                 <a:srgbClr val="C9394A"/>
               </a:solidFill>
@@ -6487,15 +7085,17 @@
       <p:sp>
         <p:nvSpPr>
           <p:cNvPr id="85" name="Shape 85"/>
-          <p:cNvSpPr txBox="1"/>
+          <p:cNvSpPr txBox="1">
+            <a:spLocks noGrp="1"/>
+          </p:cNvSpPr>
           <p:nvPr>
             <p:ph type="body" idx="1"/>
           </p:nvPr>
         </p:nvSpPr>
         <p:spPr>
           <a:xfrm>
-            <a:off x="311700" y="1152475"/>
-            <a:ext cx="8520600" cy="3416400"/>
+            <a:off x="995120" y="2246169"/>
+            <a:ext cx="5891876" cy="1811854"/>
           </a:xfrm>
           <a:prstGeom prst="rect">
             <a:avLst/>
@@ -6514,27 +7114,34 @@
               <a:buNone/>
             </a:pPr>
             <a:r>
-              <a:rPr lang="en-GB" sz="1500">
+              <a:rPr lang="en-GB" sz="1500" dirty="0" err="1">
                 <a:latin typeface="微软雅黑" charset="0"/>
                 <a:ea typeface="微软雅黑" charset="0"/>
               </a:rPr>
               <a:t>调用的时候用类</a:t>
             </a:r>
             <a:r>
-              <a:rPr lang="zh-CN" altLang="en-GB" sz="1500">
+              <a:rPr lang="zh-CN" altLang="en-GB" sz="1500" dirty="0">
                 <a:latin typeface="微软雅黑" charset="0"/>
                 <a:ea typeface="微软雅黑" charset="0"/>
               </a:rPr>
               <a:t>名</a:t>
             </a:r>
             <a:r>
-              <a:rPr lang="en-GB" sz="1500">
+              <a:rPr lang="en-GB" sz="1500" dirty="0">
                 <a:latin typeface="微软雅黑" charset="0"/>
                 <a:ea typeface="微软雅黑" charset="0"/>
               </a:rPr>
-              <a:t>，而不是某个对象</a:t>
-            </a:r>
-            <a:endParaRPr lang="en-GB" sz="1500">
+              <a:t>，</a:t>
+            </a:r>
+            <a:r>
+              <a:rPr lang="en-GB" sz="1500" dirty="0" err="1">
+                <a:latin typeface="微软雅黑" charset="0"/>
+                <a:ea typeface="微软雅黑" charset="0"/>
+              </a:rPr>
+              <a:t>而不是某个对象</a:t>
+            </a:r>
+            <a:endParaRPr lang="en-GB" sz="1500" dirty="0">
               <a:latin typeface="微软雅黑" charset="0"/>
               <a:ea typeface="微软雅黑" charset="0"/>
             </a:endParaRPr>
@@ -6546,7 +7153,42 @@
               </a:spcBef>
               <a:buNone/>
             </a:pPr>
-            <a:endParaRPr sz="1500"/>
+            <a:endParaRPr sz="1500" dirty="0"/>
+          </a:p>
+        </p:txBody>
+      </p:sp>
+      <p:sp>
+        <p:nvSpPr>
+          <p:cNvPr id="2" name="矩形 1"/>
+          <p:cNvSpPr/>
+          <p:nvPr/>
+        </p:nvSpPr>
+        <p:spPr>
+          <a:xfrm>
+            <a:off x="3337434" y="596658"/>
+            <a:ext cx="2492990" cy="553998"/>
+          </a:xfrm>
+          <a:prstGeom prst="rect">
+            <a:avLst/>
+          </a:prstGeom>
+        </p:spPr>
+        <p:txBody>
+          <a:bodyPr wrap="none">
+            <a:spAutoFit/>
+          </a:bodyPr>
+          <a:lstStyle/>
+          <a:p>
+            <a:r>
+              <a:rPr lang="en-GB" altLang="zh-CN" sz="3000" b="1" dirty="0" err="1">
+                <a:solidFill>
+                  <a:srgbClr val="C9394A"/>
+                </a:solidFill>
+                <a:latin typeface="微软雅黑" charset="0"/>
+                <a:ea typeface="微软雅黑" charset="0"/>
+              </a:rPr>
+              <a:t>定义类的方法</a:t>
+            </a:r>
+            <a:endParaRPr lang="zh-CN" altLang="en-US" sz="3000" dirty="0"/>
           </a:p>
         </p:txBody>
       </p:sp>
@@ -6563,7 +7205,7 @@
   <p:cSld>
     <p:spTree>
       <p:nvGrpSpPr>
-        <p:cNvPr id="89" name="Shape 89"/>
+        <p:cNvPr id="1" name="Shape 89"/>
         <p:cNvGrpSpPr/>
         <p:nvPr/>
       </p:nvGrpSpPr>
@@ -6578,15 +7220,17 @@
       <p:sp>
         <p:nvSpPr>
           <p:cNvPr id="90" name="Shape 90"/>
-          <p:cNvSpPr txBox="1"/>
+          <p:cNvSpPr txBox="1">
+            <a:spLocks noGrp="1"/>
+          </p:cNvSpPr>
           <p:nvPr>
             <p:ph type="title"/>
           </p:nvPr>
         </p:nvSpPr>
         <p:spPr>
           <a:xfrm>
-            <a:off x="311700" y="445025"/>
-            <a:ext cx="8520600" cy="572700"/>
+            <a:off x="1309770" y="1407236"/>
+            <a:ext cx="4409712" cy="624763"/>
           </a:xfrm>
           <a:prstGeom prst="rect">
             <a:avLst/>
@@ -6605,7 +7249,7 @@
               <a:buNone/>
             </a:pPr>
             <a:r>
-              <a:rPr lang="en-GB" sz="2200">
+              <a:rPr lang="en-GB" sz="2200" dirty="0">
                 <a:solidFill>
                   <a:srgbClr val="C9394A"/>
                 </a:solidFill>
@@ -6614,28 +7258,23 @@
               </a:rPr>
               <a:t>@property</a:t>
             </a:r>
-            <a:endParaRPr lang="en-GB" sz="2200">
-              <a:solidFill>
-                <a:srgbClr val="C9394A"/>
-              </a:solidFill>
-              <a:latin typeface="微软雅黑" charset="0"/>
-              <a:ea typeface="微软雅黑" charset="0"/>
-            </a:endParaRPr>
           </a:p>
         </p:txBody>
       </p:sp>
       <p:sp>
         <p:nvSpPr>
           <p:cNvPr id="91" name="Shape 91"/>
-          <p:cNvSpPr txBox="1"/>
+          <p:cNvSpPr txBox="1">
+            <a:spLocks noGrp="1"/>
+          </p:cNvSpPr>
           <p:nvPr>
             <p:ph type="body" idx="1"/>
           </p:nvPr>
         </p:nvSpPr>
         <p:spPr>
           <a:xfrm>
-            <a:off x="311700" y="1152475"/>
-            <a:ext cx="8520600" cy="3416400"/>
+            <a:off x="1309770" y="2090781"/>
+            <a:ext cx="4648771" cy="1584749"/>
           </a:xfrm>
           <a:prstGeom prst="rect">
             <a:avLst/>
@@ -6654,16 +7293,51 @@
               <a:buNone/>
             </a:pPr>
             <a:r>
-              <a:rPr lang="en-GB" sz="1500">
+              <a:rPr lang="en-GB" sz="1500" dirty="0" err="1">
                 <a:latin typeface="微软雅黑" charset="0"/>
                 <a:ea typeface="微软雅黑" charset="0"/>
               </a:rPr>
               <a:t>像访问属性一样调用方法</a:t>
             </a:r>
-            <a:endParaRPr lang="en-GB" sz="1500">
+            <a:endParaRPr lang="en-GB" sz="1500" dirty="0">
               <a:latin typeface="微软雅黑" charset="0"/>
               <a:ea typeface="微软雅黑" charset="0"/>
             </a:endParaRPr>
+          </a:p>
+        </p:txBody>
+      </p:sp>
+      <p:sp>
+        <p:nvSpPr>
+          <p:cNvPr id="2" name="矩形 1"/>
+          <p:cNvSpPr/>
+          <p:nvPr/>
+        </p:nvSpPr>
+        <p:spPr>
+          <a:xfrm>
+            <a:off x="3329356" y="541250"/>
+            <a:ext cx="2492990" cy="553998"/>
+          </a:xfrm>
+          <a:prstGeom prst="rect">
+            <a:avLst/>
+          </a:prstGeom>
+        </p:spPr>
+        <p:txBody>
+          <a:bodyPr wrap="none">
+            <a:spAutoFit/>
+          </a:bodyPr>
+          <a:lstStyle/>
+          <a:p>
+            <a:r>
+              <a:rPr lang="en-GB" altLang="zh-CN" sz="3000" b="1" dirty="0" err="1">
+                <a:solidFill>
+                  <a:srgbClr val="C9394A"/>
+                </a:solidFill>
+                <a:latin typeface="微软雅黑" charset="0"/>
+                <a:ea typeface="微软雅黑" charset="0"/>
+              </a:rPr>
+              <a:t>定义类的方法</a:t>
+            </a:r>
+            <a:endParaRPr lang="zh-CN" altLang="en-US" sz="3000" dirty="0"/>
           </a:p>
         </p:txBody>
       </p:sp>

--- a/ppt/3.3-定义类的方法.pptx
+++ b/ppt/3.3-定义类的方法.pptx
@@ -5,16 +5,16 @@
     <p:sldMasterId id="2147483648" r:id="rId1"/>
   </p:sldMasterIdLst>
   <p:notesMasterIdLst>
-    <p:notesMasterId r:id="rId9"/>
+    <p:notesMasterId r:id="rId4"/>
   </p:notesMasterIdLst>
   <p:sldIdLst>
-    <p:sldId id="256" r:id="rId2"/>
-    <p:sldId id="257" r:id="rId3"/>
-    <p:sldId id="258" r:id="rId4"/>
-    <p:sldId id="259" r:id="rId5"/>
-    <p:sldId id="260" r:id="rId6"/>
-    <p:sldId id="261" r:id="rId7"/>
-    <p:sldId id="262" r:id="rId8"/>
+    <p:sldId id="256" r:id="rId3"/>
+    <p:sldId id="257" r:id="rId5"/>
+    <p:sldId id="258" r:id="rId6"/>
+    <p:sldId id="259" r:id="rId7"/>
+    <p:sldId id="260" r:id="rId8"/>
+    <p:sldId id="261" r:id="rId9"/>
+    <p:sldId id="262" r:id="rId10"/>
   </p:sldIdLst>
   <p:sldSz cx="9144000" cy="5143500" type="screen16x9"/>
   <p:notesSz cx="6858000" cy="9144000"/>
@@ -378,17 +378,10 @@
               <a:defRPr sz="1100"/>
             </a:lvl9pPr>
           </a:lstStyle>
-          <a:p>
-            <a:endParaRPr/>
-          </a:p>
+          <a:p/>
         </p:txBody>
       </p:sp>
     </p:spTree>
-    <p:extLst>
-      <p:ext uri="{BB962C8B-B14F-4D97-AF65-F5344CB8AC3E}">
-        <p14:creationId xmlns:p14="http://schemas.microsoft.com/office/powerpoint/2010/main" val="129378338"/>
-      </p:ext>
-    </p:extLst>
   </p:cSld>
   <p:clrMap bg1="lt1" tx1="dk1" bg2="dk2" tx2="lt2" accent1="accent1" accent2="accent2" accent3="accent3" accent4="accent4" accent5="accent5" accent6="accent6" hlink="hlink" folHlink="folHlink"/>
   <p:notesStyle/>
@@ -396,7 +389,7 @@
 </file>
 
 <file path=ppt/notesSlides/notesSlide1.xml><?xml version="1.0" encoding="utf-8"?>
-<p:notes xmlns:a="http://schemas.openxmlformats.org/drawingml/2006/main" xmlns:r="http://schemas.openxmlformats.org/officeDocument/2006/relationships" xmlns:p="http://schemas.openxmlformats.org/presentationml/2006/main" showMasterSp="0" showMasterPhAnim="0">
+<p:notes xmlns:a="http://schemas.openxmlformats.org/drawingml/2006/main" xmlns:r="http://schemas.openxmlformats.org/officeDocument/2006/relationships" xmlns:p="http://schemas.openxmlformats.org/presentationml/2006/main" showMasterPhAnim="0" showMasterSp="0">
   <p:cSld>
     <p:spTree>
       <p:nvGrpSpPr>
@@ -484,16 +477,10 @@
               </a:spcBef>
               <a:buNone/>
             </a:pPr>
-            <a:endParaRPr/>
           </a:p>
         </p:txBody>
       </p:sp>
     </p:spTree>
-    <p:extLst>
-      <p:ext uri="{BB962C8B-B14F-4D97-AF65-F5344CB8AC3E}">
-        <p14:creationId xmlns:p14="http://schemas.microsoft.com/office/powerpoint/2010/main" val="2519235769"/>
-      </p:ext>
-    </p:extLst>
   </p:cSld>
   <p:clrMapOvr>
     <a:masterClrMapping/>
@@ -502,7 +489,7 @@
 </file>
 
 <file path=ppt/notesSlides/notesSlide2.xml><?xml version="1.0" encoding="utf-8"?>
-<p:notes xmlns:a="http://schemas.openxmlformats.org/drawingml/2006/main" xmlns:r="http://schemas.openxmlformats.org/officeDocument/2006/relationships" xmlns:p="http://schemas.openxmlformats.org/presentationml/2006/main" showMasterSp="0" showMasterPhAnim="0">
+<p:notes xmlns:a="http://schemas.openxmlformats.org/drawingml/2006/main" xmlns:r="http://schemas.openxmlformats.org/officeDocument/2006/relationships" xmlns:p="http://schemas.openxmlformats.org/presentationml/2006/main" showMasterPhAnim="0" showMasterSp="0">
   <p:cSld>
     <p:spTree>
       <p:nvGrpSpPr>
@@ -594,15 +581,11 @@
               <a:rPr lang="en-GB"/>
               <a:t>首先来说说函数（function）和方法（method）的区别。它们看起来都是一块代码组成的一个功能。但是它们的含义大不一样。函数是直接用函数名调用的。而方法是必须于对象结合在一起使用的，也就是说它在定义的时候是类的一部分。</a:t>
             </a:r>
+            <a:endParaRPr lang="en-GB"/>
           </a:p>
         </p:txBody>
       </p:sp>
     </p:spTree>
-    <p:extLst>
-      <p:ext uri="{BB962C8B-B14F-4D97-AF65-F5344CB8AC3E}">
-        <p14:creationId xmlns:p14="http://schemas.microsoft.com/office/powerpoint/2010/main" val="1161134967"/>
-      </p:ext>
-    </p:extLst>
   </p:cSld>
   <p:clrMapOvr>
     <a:masterClrMapping/>
@@ -611,7 +594,7 @@
 </file>
 
 <file path=ppt/notesSlides/notesSlide3.xml><?xml version="1.0" encoding="utf-8"?>
-<p:notes xmlns:a="http://schemas.openxmlformats.org/drawingml/2006/main" xmlns:r="http://schemas.openxmlformats.org/officeDocument/2006/relationships" xmlns:p="http://schemas.openxmlformats.org/presentationml/2006/main" showMasterSp="0" showMasterPhAnim="0">
+<p:notes xmlns:a="http://schemas.openxmlformats.org/drawingml/2006/main" xmlns:r="http://schemas.openxmlformats.org/officeDocument/2006/relationships" xmlns:p="http://schemas.openxmlformats.org/presentationml/2006/main" showMasterPhAnim="0" showMasterSp="0">
   <p:cSld>
     <p:spTree>
       <p:nvGrpSpPr>
@@ -703,15 +686,11 @@
               <a:rPr lang="en-GB"/>
               <a:t>在Python里面，一切皆对象。怎么来理解呢，我们其实可以把Python里类的方法看做是的一个属性，它的类型是method类。我们在这里举一个简单的例子，我在这里把原本a这个对象的一个方法test，给替换成了一个字符串。当然我们在实际的工作中一般不会这么干，我只是在这里说明下，语法上是允许的。由于这种一切皆对象的特性，使得Python的使用非常灵活，因为method和function也是被看作对象，有时候可以把它们作为参数传入函数或方法里，使用非常方便。</a:t>
             </a:r>
+            <a:endParaRPr lang="en-GB"/>
           </a:p>
         </p:txBody>
       </p:sp>
     </p:spTree>
-    <p:extLst>
-      <p:ext uri="{BB962C8B-B14F-4D97-AF65-F5344CB8AC3E}">
-        <p14:creationId xmlns:p14="http://schemas.microsoft.com/office/powerpoint/2010/main" val="1863180550"/>
-      </p:ext>
-    </p:extLst>
   </p:cSld>
   <p:clrMapOvr>
     <a:masterClrMapping/>
@@ -720,7 +699,7 @@
 </file>
 
 <file path=ppt/notesSlides/notesSlide4.xml><?xml version="1.0" encoding="utf-8"?>
-<p:notes xmlns:a="http://schemas.openxmlformats.org/drawingml/2006/main" xmlns:r="http://schemas.openxmlformats.org/officeDocument/2006/relationships" xmlns:p="http://schemas.openxmlformats.org/presentationml/2006/main" showMasterSp="0" showMasterPhAnim="0">
+<p:notes xmlns:a="http://schemas.openxmlformats.org/drawingml/2006/main" xmlns:r="http://schemas.openxmlformats.org/officeDocument/2006/relationships" xmlns:p="http://schemas.openxmlformats.org/presentationml/2006/main" showMasterPhAnim="0" showMasterSp="0">
   <p:cSld>
     <p:spTree>
       <p:nvGrpSpPr>
@@ -812,15 +791,11 @@
               <a:rPr lang="en-GB"/>
               <a:t>接下来谈谈方法的控制访问。既然我们可以把类的方法看做是类的属性，那它的访问控制其实和属性一样，就是基本木有...</a:t>
             </a:r>
+            <a:endParaRPr lang="en-GB"/>
           </a:p>
         </p:txBody>
       </p:sp>
     </p:spTree>
-    <p:extLst>
-      <p:ext uri="{BB962C8B-B14F-4D97-AF65-F5344CB8AC3E}">
-        <p14:creationId xmlns:p14="http://schemas.microsoft.com/office/powerpoint/2010/main" val="4253557631"/>
-      </p:ext>
-    </p:extLst>
   </p:cSld>
   <p:clrMapOvr>
     <a:masterClrMapping/>
@@ -829,7 +804,7 @@
 </file>
 
 <file path=ppt/notesSlides/notesSlide5.xml><?xml version="1.0" encoding="utf-8"?>
-<p:notes xmlns:a="http://schemas.openxmlformats.org/drawingml/2006/main" xmlns:r="http://schemas.openxmlformats.org/officeDocument/2006/relationships" xmlns:p="http://schemas.openxmlformats.org/presentationml/2006/main" showMasterSp="0" showMasterPhAnim="0">
+<p:notes xmlns:a="http://schemas.openxmlformats.org/drawingml/2006/main" xmlns:r="http://schemas.openxmlformats.org/officeDocument/2006/relationships" xmlns:p="http://schemas.openxmlformats.org/presentationml/2006/main" showMasterPhAnim="0" showMasterSp="0">
   <p:cSld>
     <p:spTree>
       <p:nvGrpSpPr>
@@ -921,15 +896,11 @@
               <a:rPr lang="en-GB"/>
               <a:t>下面举个简单的例子，跟定义属性一样。如果方法名称前面没有下划线，代表这个方法是公开的，如果有一个下划线，代表它是私有方法，但Python本身并没有限制。如果前面有两个下划线，代表这个方法是这个类私有的，但是和属性里介绍的一样，Python在这里只是耍了个小聪明，这个方法并不算是真正私有的。</a:t>
             </a:r>
+            <a:endParaRPr lang="en-GB"/>
           </a:p>
         </p:txBody>
       </p:sp>
     </p:spTree>
-    <p:extLst>
-      <p:ext uri="{BB962C8B-B14F-4D97-AF65-F5344CB8AC3E}">
-        <p14:creationId xmlns:p14="http://schemas.microsoft.com/office/powerpoint/2010/main" val="1800703199"/>
-      </p:ext>
-    </p:extLst>
   </p:cSld>
   <p:clrMapOvr>
     <a:masterClrMapping/>
@@ -938,7 +909,7 @@
 </file>
 
 <file path=ppt/notesSlides/notesSlide6.xml><?xml version="1.0" encoding="utf-8"?>
-<p:notes xmlns:a="http://schemas.openxmlformats.org/drawingml/2006/main" xmlns:r="http://schemas.openxmlformats.org/officeDocument/2006/relationships" xmlns:p="http://schemas.openxmlformats.org/presentationml/2006/main" showMasterSp="0" showMasterPhAnim="0">
+<p:notes xmlns:a="http://schemas.openxmlformats.org/drawingml/2006/main" xmlns:r="http://schemas.openxmlformats.org/officeDocument/2006/relationships" xmlns:p="http://schemas.openxmlformats.org/presentationml/2006/main" showMasterPhAnim="0" showMasterSp="0">
   <p:cSld>
     <p:spTree>
       <p:nvGrpSpPr>
@@ -1026,16 +997,10 @@
               </a:spcBef>
               <a:buNone/>
             </a:pPr>
-            <a:endParaRPr/>
           </a:p>
         </p:txBody>
       </p:sp>
     </p:spTree>
-    <p:extLst>
-      <p:ext uri="{BB962C8B-B14F-4D97-AF65-F5344CB8AC3E}">
-        <p14:creationId xmlns:p14="http://schemas.microsoft.com/office/powerpoint/2010/main" val="1629725859"/>
-      </p:ext>
-    </p:extLst>
   </p:cSld>
   <p:clrMapOvr>
     <a:masterClrMapping/>
@@ -1044,7 +1009,7 @@
 </file>
 
 <file path=ppt/notesSlides/notesSlide7.xml><?xml version="1.0" encoding="utf-8"?>
-<p:notes xmlns:a="http://schemas.openxmlformats.org/drawingml/2006/main" xmlns:r="http://schemas.openxmlformats.org/officeDocument/2006/relationships" xmlns:p="http://schemas.openxmlformats.org/presentationml/2006/main" showMasterSp="0" showMasterPhAnim="0">
+<p:notes xmlns:a="http://schemas.openxmlformats.org/drawingml/2006/main" xmlns:r="http://schemas.openxmlformats.org/officeDocument/2006/relationships" xmlns:p="http://schemas.openxmlformats.org/presentationml/2006/main" showMasterPhAnim="0" showMasterSp="0">
   <p:cSld>
     <p:spTree>
       <p:nvGrpSpPr>
@@ -1132,16 +1097,10 @@
               </a:spcBef>
               <a:buNone/>
             </a:pPr>
-            <a:endParaRPr/>
           </a:p>
         </p:txBody>
       </p:sp>
     </p:spTree>
-    <p:extLst>
-      <p:ext uri="{BB962C8B-B14F-4D97-AF65-F5344CB8AC3E}">
-        <p14:creationId xmlns:p14="http://schemas.microsoft.com/office/powerpoint/2010/main" val="3002520410"/>
-      </p:ext>
-    </p:extLst>
   </p:cSld>
   <p:clrMapOvr>
     <a:masterClrMapping/>
@@ -1252,9 +1211,7 @@
               <a:defRPr sz="5200"/>
             </a:lvl9pPr>
           </a:lstStyle>
-          <a:p>
-            <a:endParaRPr/>
-          </a:p>
+          <a:p/>
         </p:txBody>
       </p:sp>
       <p:sp>
@@ -1406,9 +1363,7 @@
               <a:defRPr sz="2800"/>
             </a:lvl9pPr>
           </a:lstStyle>
-          <a:p>
-            <a:endParaRPr/>
-          </a:p>
+          <a:p/>
         </p:txBody>
       </p:sp>
       <p:sp>
@@ -1444,7 +1399,6 @@
             </a:pPr>
             <a:fld id="{00000000-1234-1234-1234-123412341234}" type="slidenum">
               <a:rPr lang="en-GB"/>
-              <a:t>‹#›</a:t>
             </a:fld>
             <a:endParaRPr lang="en-GB"/>
           </a:p>
@@ -1561,9 +1515,7 @@
               <a:defRPr sz="12000"/>
             </a:lvl9pPr>
           </a:lstStyle>
-          <a:p>
-            <a:endParaRPr/>
-          </a:p>
+          <a:p/>
         </p:txBody>
       </p:sp>
       <p:sp>
@@ -1643,9 +1595,7 @@
               <a:defRPr/>
             </a:lvl9pPr>
           </a:lstStyle>
-          <a:p>
-            <a:endParaRPr/>
-          </a:p>
+          <a:p/>
         </p:txBody>
       </p:sp>
       <p:sp>
@@ -1681,7 +1631,6 @@
             </a:pPr>
             <a:fld id="{00000000-1234-1234-1234-123412341234}" type="slidenum">
               <a:rPr lang="en-GB"/>
-              <a:t>‹#›</a:t>
             </a:fld>
             <a:endParaRPr lang="en-GB"/>
           </a:p>
@@ -1745,7 +1694,6 @@
             </a:pPr>
             <a:fld id="{00000000-1234-1234-1234-123412341234}" type="slidenum">
               <a:rPr lang="en-GB"/>
-              <a:t>‹#›</a:t>
             </a:fld>
             <a:endParaRPr lang="en-GB"/>
           </a:p>
@@ -1862,9 +1810,7 @@
               <a:defRPr sz="3600"/>
             </a:lvl9pPr>
           </a:lstStyle>
-          <a:p>
-            <a:endParaRPr/>
-          </a:p>
+          <a:p/>
         </p:txBody>
       </p:sp>
       <p:sp>
@@ -1900,7 +1846,6 @@
             </a:pPr>
             <a:fld id="{00000000-1234-1234-1234-123412341234}" type="slidenum">
               <a:rPr lang="en-GB"/>
-              <a:t>‹#›</a:t>
             </a:fld>
             <a:endParaRPr lang="en-GB"/>
           </a:p>
@@ -2008,9 +1953,7 @@
               <a:defRPr/>
             </a:lvl9pPr>
           </a:lstStyle>
-          <a:p>
-            <a:endParaRPr/>
-          </a:p>
+          <a:p/>
         </p:txBody>
       </p:sp>
       <p:sp>
@@ -2090,9 +2033,7 @@
               <a:defRPr/>
             </a:lvl9pPr>
           </a:lstStyle>
-          <a:p>
-            <a:endParaRPr/>
-          </a:p>
+          <a:p/>
         </p:txBody>
       </p:sp>
       <p:sp>
@@ -2128,7 +2069,6 @@
             </a:pPr>
             <a:fld id="{00000000-1234-1234-1234-123412341234}" type="slidenum">
               <a:rPr lang="en-GB"/>
-              <a:t>‹#›</a:t>
             </a:fld>
             <a:endParaRPr lang="en-GB"/>
           </a:p>
@@ -2236,9 +2176,7 @@
               <a:defRPr/>
             </a:lvl9pPr>
           </a:lstStyle>
-          <a:p>
-            <a:endParaRPr/>
-          </a:p>
+          <a:p/>
         </p:txBody>
       </p:sp>
       <p:sp>
@@ -2327,9 +2265,7 @@
               <a:defRPr sz="1200"/>
             </a:lvl9pPr>
           </a:lstStyle>
-          <a:p>
-            <a:endParaRPr/>
-          </a:p>
+          <a:p/>
         </p:txBody>
       </p:sp>
       <p:sp>
@@ -2418,9 +2354,7 @@
               <a:defRPr sz="1200"/>
             </a:lvl9pPr>
           </a:lstStyle>
-          <a:p>
-            <a:endParaRPr/>
-          </a:p>
+          <a:p/>
         </p:txBody>
       </p:sp>
       <p:sp>
@@ -2456,7 +2390,6 @@
             </a:pPr>
             <a:fld id="{00000000-1234-1234-1234-123412341234}" type="slidenum">
               <a:rPr lang="en-GB"/>
-              <a:t>‹#›</a:t>
             </a:fld>
             <a:endParaRPr lang="en-GB"/>
           </a:p>
@@ -2564,9 +2497,7 @@
               <a:defRPr/>
             </a:lvl9pPr>
           </a:lstStyle>
-          <a:p>
-            <a:endParaRPr/>
-          </a:p>
+          <a:p/>
         </p:txBody>
       </p:sp>
       <p:sp>
@@ -2602,7 +2533,6 @@
             </a:pPr>
             <a:fld id="{00000000-1234-1234-1234-123412341234}" type="slidenum">
               <a:rPr lang="en-GB"/>
-              <a:t>‹#›</a:t>
             </a:fld>
             <a:endParaRPr lang="en-GB"/>
           </a:p>
@@ -2719,9 +2649,7 @@
               <a:defRPr sz="2400"/>
             </a:lvl9pPr>
           </a:lstStyle>
-          <a:p>
-            <a:endParaRPr/>
-          </a:p>
+          <a:p/>
         </p:txBody>
       </p:sp>
       <p:sp>
@@ -2810,9 +2738,7 @@
               <a:defRPr sz="1200"/>
             </a:lvl9pPr>
           </a:lstStyle>
-          <a:p>
-            <a:endParaRPr/>
-          </a:p>
+          <a:p/>
         </p:txBody>
       </p:sp>
       <p:sp>
@@ -2848,7 +2774,6 @@
             </a:pPr>
             <a:fld id="{00000000-1234-1234-1234-123412341234}" type="slidenum">
               <a:rPr lang="en-GB"/>
-              <a:t>‹#›</a:t>
             </a:fld>
             <a:endParaRPr lang="en-GB"/>
           </a:p>
@@ -2965,9 +2890,7 @@
               <a:defRPr sz="4800"/>
             </a:lvl9pPr>
           </a:lstStyle>
-          <a:p>
-            <a:endParaRPr/>
-          </a:p>
+          <a:p/>
         </p:txBody>
       </p:sp>
       <p:sp>
@@ -3003,7 +2926,6 @@
             </a:pPr>
             <a:fld id="{00000000-1234-1234-1234-123412341234}" type="slidenum">
               <a:rPr lang="en-GB"/>
-              <a:t>‹#›</a:t>
             </a:fld>
             <a:endParaRPr lang="en-GB"/>
           </a:p>
@@ -3067,7 +2989,6 @@
               </a:spcBef>
               <a:buNone/>
             </a:pPr>
-            <a:endParaRPr/>
           </a:p>
         </p:txBody>
       </p:sp>
@@ -3157,9 +3078,7 @@
               <a:defRPr sz="4200"/>
             </a:lvl9pPr>
           </a:lstStyle>
-          <a:p>
-            <a:endParaRPr/>
-          </a:p>
+          <a:p/>
         </p:txBody>
       </p:sp>
       <p:sp>
@@ -3311,9 +3230,7 @@
               <a:defRPr sz="2100"/>
             </a:lvl9pPr>
           </a:lstStyle>
-          <a:p>
-            <a:endParaRPr/>
-          </a:p>
+          <a:p/>
         </p:txBody>
       </p:sp>
       <p:sp>
@@ -3393,9 +3310,7 @@
               <a:defRPr/>
             </a:lvl9pPr>
           </a:lstStyle>
-          <a:p>
-            <a:endParaRPr/>
-          </a:p>
+          <a:p/>
         </p:txBody>
       </p:sp>
       <p:sp>
@@ -3431,7 +3346,6 @@
             </a:pPr>
             <a:fld id="{00000000-1234-1234-1234-123412341234}" type="slidenum">
               <a:rPr lang="en-GB"/>
-              <a:t>‹#›</a:t>
             </a:fld>
             <a:endParaRPr lang="en-GB"/>
           </a:p>
@@ -3498,9 +3412,7 @@
               <a:defRPr/>
             </a:lvl1pPr>
           </a:lstStyle>
-          <a:p>
-            <a:endParaRPr/>
-          </a:p>
+          <a:p/>
         </p:txBody>
       </p:sp>
       <p:sp>
@@ -3536,7 +3448,6 @@
             </a:pPr>
             <a:fld id="{00000000-1234-1234-1234-123412341234}" type="slidenum">
               <a:rPr lang="en-GB"/>
-              <a:t>‹#›</a:t>
             </a:fld>
             <a:endParaRPr lang="en-GB"/>
           </a:p>
@@ -3737,9 +3648,7 @@
               </a:defRPr>
             </a:lvl9pPr>
           </a:lstStyle>
-          <a:p>
-            <a:endParaRPr/>
-          </a:p>
+          <a:p/>
         </p:txBody>
       </p:sp>
       <p:sp>
@@ -3941,9 +3850,7 @@
               </a:defRPr>
             </a:lvl9pPr>
           </a:lstStyle>
-          <a:p>
-            <a:endParaRPr/>
-          </a:p>
+          <a:p/>
         </p:txBody>
       </p:sp>
       <p:sp>
@@ -3987,7 +3894,6 @@
                   <a:schemeClr val="dk2"/>
                 </a:solidFill>
               </a:rPr>
-              <a:t>‹#›</a:t>
             </a:fld>
             <a:endParaRPr lang="en-GB" sz="1000">
               <a:solidFill>
@@ -4556,7 +4462,6 @@
               </a:spcBef>
               <a:buNone/>
             </a:pPr>
-            <a:endParaRPr/>
           </a:p>
         </p:txBody>
       </p:sp>
@@ -4700,7 +4605,7 @@
         </p:nvSpPr>
         <p:spPr>
           <a:xfrm>
-            <a:off x="3367317" y="546849"/>
+            <a:off x="3115857" y="407784"/>
             <a:ext cx="2492990" cy="553998"/>
           </a:xfrm>
           <a:prstGeom prst="rect">
@@ -5243,21 +5148,6 @@
               </a:rPr>
               <a:t>pass</a:t>
             </a:r>
-            <a:r>
-              <a:rPr lang="en-GB" sz="1500" dirty="0">
-                <a:solidFill>
-                  <a:schemeClr val="dk1"/>
-                </a:solidFill>
-                <a:highlight>
-                  <a:srgbClr val="FFFFFF"/>
-                </a:highlight>
-                <a:latin typeface="Courier New"/>
-                <a:ea typeface="Courier New"/>
-                <a:cs typeface="Courier New"/>
-                <a:sym typeface="Courier New"/>
-              </a:rPr>
-              <a:t/>
-            </a:r>
             <a:br>
               <a:rPr lang="en-GB" sz="1500" dirty="0">
                 <a:solidFill>
@@ -5420,21 +5310,6 @@
               </a:rPr>
               <a:t>a.test</a:t>
             </a:r>
-            <a:r>
-              <a:rPr lang="en-GB" sz="1500" dirty="0">
-                <a:solidFill>
-                  <a:schemeClr val="dk1"/>
-                </a:solidFill>
-                <a:highlight>
-                  <a:srgbClr val="FFFFFF"/>
-                </a:highlight>
-                <a:latin typeface="Courier New"/>
-                <a:ea typeface="Courier New"/>
-                <a:cs typeface="Courier New"/>
-                <a:sym typeface="Courier New"/>
-              </a:rPr>
-              <a:t/>
-            </a:r>
             <a:br>
               <a:rPr lang="en-GB" sz="1500" dirty="0">
                 <a:solidFill>
@@ -5614,21 +5489,6 @@
               </a:rPr>
               <a:t>&gt;&gt;</a:t>
             </a:r>
-            <a:r>
-              <a:rPr lang="en-GB" sz="1500" dirty="0">
-                <a:solidFill>
-                  <a:schemeClr val="dk1"/>
-                </a:solidFill>
-                <a:highlight>
-                  <a:srgbClr val="FFFFFF"/>
-                </a:highlight>
-                <a:latin typeface="Courier New"/>
-                <a:ea typeface="Courier New"/>
-                <a:cs typeface="Courier New"/>
-                <a:sym typeface="Courier New"/>
-              </a:rPr>
-              <a:t/>
-            </a:r>
             <a:br>
               <a:rPr lang="en-GB" sz="1500" dirty="0">
                 <a:solidFill>
@@ -5748,21 +5608,6 @@
               </a:rPr>
               <a:t>'123'</a:t>
             </a:r>
-            <a:r>
-              <a:rPr lang="en-GB" sz="1500" dirty="0">
-                <a:solidFill>
-                  <a:schemeClr val="dk1"/>
-                </a:solidFill>
-                <a:highlight>
-                  <a:srgbClr val="FFFFFF"/>
-                </a:highlight>
-                <a:latin typeface="Courier New"/>
-                <a:ea typeface="Courier New"/>
-                <a:cs typeface="Courier New"/>
-                <a:sym typeface="Courier New"/>
-              </a:rPr>
-              <a:t/>
-            </a:r>
             <a:br>
               <a:rPr lang="en-GB" sz="1500" dirty="0">
                 <a:solidFill>
@@ -5822,21 +5667,6 @@
               </a:rPr>
               <a:t>a.test</a:t>
             </a:r>
-            <a:r>
-              <a:rPr lang="en-GB" sz="1500" dirty="0">
-                <a:solidFill>
-                  <a:schemeClr val="dk1"/>
-                </a:solidFill>
-                <a:highlight>
-                  <a:srgbClr val="FFFFFF"/>
-                </a:highlight>
-                <a:latin typeface="Courier New"/>
-                <a:ea typeface="Courier New"/>
-                <a:cs typeface="Courier New"/>
-                <a:sym typeface="Courier New"/>
-              </a:rPr>
-              <a:t/>
-            </a:r>
             <a:br>
               <a:rPr lang="en-GB" sz="1500" dirty="0">
                 <a:solidFill>
@@ -5866,6 +5696,18 @@
               </a:rPr>
               <a:t>'123'</a:t>
             </a:r>
+            <a:endParaRPr lang="en-GB" sz="1500" dirty="0">
+              <a:solidFill>
+                <a:srgbClr val="00A33F"/>
+              </a:solidFill>
+              <a:highlight>
+                <a:srgbClr val="FFFFFF"/>
+              </a:highlight>
+              <a:latin typeface="Courier New"/>
+              <a:ea typeface="Courier New"/>
+              <a:cs typeface="Courier New"/>
+              <a:sym typeface="Courier New"/>
+            </a:endParaRPr>
           </a:p>
           <a:p>
             <a:pPr lvl="0" rtl="0">
@@ -5886,7 +5728,7 @@
         </p:nvSpPr>
         <p:spPr>
           <a:xfrm>
-            <a:off x="3176069" y="313409"/>
+            <a:off x="3122729" y="412469"/>
             <a:ext cx="2492990" cy="553998"/>
           </a:xfrm>
           <a:prstGeom prst="rect">
@@ -6140,6 +5982,10 @@
               </a:rPr>
               <a:t>...</a:t>
             </a:r>
+            <a:endParaRPr lang="en-GB" sz="1500" dirty="0">
+              <a:latin typeface="微软雅黑" charset="0"/>
+              <a:ea typeface="微软雅黑" charset="0"/>
+            </a:endParaRPr>
           </a:p>
         </p:txBody>
       </p:sp>
@@ -6151,7 +5997,7 @@
         </p:nvSpPr>
         <p:spPr>
           <a:xfrm>
-            <a:off x="3373293" y="465281"/>
+            <a:off x="3128183" y="412576"/>
             <a:ext cx="2492990" cy="553998"/>
           </a:xfrm>
           <a:prstGeom prst="rect">
@@ -6327,6 +6173,13 @@
               </a:rPr>
               <a:t>常用的方法定义</a:t>
             </a:r>
+            <a:endParaRPr lang="zh-CN" altLang="en-GB" sz="2200" dirty="0">
+              <a:solidFill>
+                <a:srgbClr val="C9394A"/>
+              </a:solidFill>
+              <a:latin typeface="微软雅黑" charset="0"/>
+              <a:ea typeface="微软雅黑" charset="0"/>
+            </a:endParaRPr>
           </a:p>
         </p:txBody>
       </p:sp>
@@ -6595,21 +6448,6 @@
               </a:rPr>
               <a:t>pass</a:t>
             </a:r>
-            <a:r>
-              <a:rPr lang="en-GB" sz="1500" dirty="0">
-                <a:solidFill>
-                  <a:schemeClr val="dk1"/>
-                </a:solidFill>
-                <a:highlight>
-                  <a:srgbClr val="FFFFFF"/>
-                </a:highlight>
-                <a:latin typeface="Courier New"/>
-                <a:ea typeface="Courier New"/>
-                <a:cs typeface="Courier New"/>
-                <a:sym typeface="Courier New"/>
-              </a:rPr>
-              <a:t/>
-            </a:r>
             <a:br>
               <a:rPr lang="en-GB" sz="1500" dirty="0">
                 <a:solidFill>
@@ -6624,21 +6462,6 @@
                 <a:sym typeface="Courier New"/>
               </a:rPr>
             </a:br>
-            <a:r>
-              <a:rPr lang="en-GB" sz="1500" dirty="0">
-                <a:solidFill>
-                  <a:schemeClr val="dk1"/>
-                </a:solidFill>
-                <a:highlight>
-                  <a:srgbClr val="FFFFFF"/>
-                </a:highlight>
-                <a:latin typeface="Courier New"/>
-                <a:ea typeface="Courier New"/>
-                <a:cs typeface="Courier New"/>
-                <a:sym typeface="Courier New"/>
-              </a:rPr>
-              <a:t/>
-            </a:r>
             <a:br>
               <a:rPr lang="en-GB" sz="1500" dirty="0">
                 <a:solidFill>
@@ -6772,21 +6595,6 @@
               </a:rPr>
               <a:t>pass</a:t>
             </a:r>
-            <a:r>
-              <a:rPr lang="en-GB" sz="1500" dirty="0">
-                <a:solidFill>
-                  <a:schemeClr val="dk1"/>
-                </a:solidFill>
-                <a:highlight>
-                  <a:srgbClr val="FFFFFF"/>
-                </a:highlight>
-                <a:latin typeface="Courier New"/>
-                <a:ea typeface="Courier New"/>
-                <a:cs typeface="Courier New"/>
-                <a:sym typeface="Courier New"/>
-              </a:rPr>
-              <a:t/>
-            </a:r>
             <a:br>
               <a:rPr lang="en-GB" sz="1500" dirty="0">
                 <a:solidFill>
@@ -6801,21 +6609,6 @@
                 <a:sym typeface="Courier New"/>
               </a:rPr>
             </a:br>
-            <a:r>
-              <a:rPr lang="en-GB" sz="1500" dirty="0">
-                <a:solidFill>
-                  <a:schemeClr val="dk1"/>
-                </a:solidFill>
-                <a:highlight>
-                  <a:srgbClr val="FFFFFF"/>
-                </a:highlight>
-                <a:latin typeface="Courier New"/>
-                <a:ea typeface="Courier New"/>
-                <a:cs typeface="Courier New"/>
-                <a:sym typeface="Courier New"/>
-              </a:rPr>
-              <a:t/>
-            </a:r>
             <a:br>
               <a:rPr lang="en-GB" sz="1500" dirty="0">
                 <a:solidFill>
@@ -6949,6 +6742,18 @@
               </a:rPr>
               <a:t>pass</a:t>
             </a:r>
+            <a:endParaRPr lang="en-GB" sz="1500" dirty="0">
+              <a:solidFill>
+                <a:srgbClr val="FF5600"/>
+              </a:solidFill>
+              <a:highlight>
+                <a:srgbClr val="FFFFFF"/>
+              </a:highlight>
+              <a:latin typeface="Courier New"/>
+              <a:ea typeface="Courier New"/>
+              <a:cs typeface="Courier New"/>
+              <a:sym typeface="Courier New"/>
+            </a:endParaRPr>
           </a:p>
           <a:p>
             <a:pPr lvl="0" rtl="0">
@@ -6969,7 +6774,7 @@
         </p:nvSpPr>
         <p:spPr>
           <a:xfrm>
-            <a:off x="3444615" y="409768"/>
+            <a:off x="3127115" y="409768"/>
             <a:ext cx="2492990" cy="553998"/>
           </a:xfrm>
           <a:prstGeom prst="rect">
@@ -7165,7 +6970,7 @@
         </p:nvSpPr>
         <p:spPr>
           <a:xfrm>
-            <a:off x="3337434" y="596658"/>
+            <a:off x="3125979" y="411238"/>
             <a:ext cx="2492990" cy="553998"/>
           </a:xfrm>
           <a:prstGeom prst="rect">
@@ -7258,6 +7063,13 @@
               </a:rPr>
               <a:t>@property</a:t>
             </a:r>
+            <a:endParaRPr lang="en-GB" sz="2200" dirty="0">
+              <a:solidFill>
+                <a:srgbClr val="C9394A"/>
+              </a:solidFill>
+              <a:latin typeface="微软雅黑" charset="0"/>
+              <a:ea typeface="微软雅黑" charset="0"/>
+            </a:endParaRPr>
           </a:p>
         </p:txBody>
       </p:sp>
@@ -7314,7 +7126,7 @@
         </p:nvSpPr>
         <p:spPr>
           <a:xfrm>
-            <a:off x="3329356" y="541250"/>
+            <a:off x="3117901" y="409170"/>
             <a:ext cx="2492990" cy="553998"/>
           </a:xfrm>
           <a:prstGeom prst="rect">
